--- a/presentation.pptx
+++ b/presentation.pptx
@@ -3356,6 +3356,13 @@
   <p:clrMapOvr>
     <a:masterClrMapping/>
   </p:clrMapOvr>
+  <p:timing>
+    <p:tnLst>
+      <p:par>
+        <p:cTn id="1" dur="indefinite" restart="never" nodeType="tmRoot"/>
+      </p:par>
+    </p:tnLst>
+  </p:timing>
 </p:sld>
 </file>
 
@@ -3505,6 +3512,13 @@
   <p:clrMapOvr>
     <a:masterClrMapping/>
   </p:clrMapOvr>
+  <p:timing>
+    <p:tnLst>
+      <p:par>
+        <p:cTn id="1" dur="indefinite" restart="never" nodeType="tmRoot"/>
+      </p:par>
+    </p:tnLst>
+  </p:timing>
 </p:sld>
 </file>
 
@@ -3819,8 +3833,8 @@
         </p:nvSpPr>
         <p:spPr>
           <a:xfrm>
-            <a:off x="916459" y="4782621"/>
-            <a:ext cx="9646312" cy="1262612"/>
+            <a:off x="916459" y="4003040"/>
+            <a:ext cx="9646312" cy="3078480"/>
           </a:xfrm>
           <a:prstGeom prst="rect">
             <a:avLst/>
@@ -3891,16 +3905,124 @@
                 </a:solidFill>
                 <a:latin typeface="Bahnschrift Light SemiCondensed" panose="020B0502040204020203" pitchFamily="34" charset="0"/>
               </a:rPr>
-              <a:t>    текст</a:t>
-            </a:r>
+              <a:t>    </a:t>
+            </a:r>
+            <a:r>
+              <a:rPr lang="ru-RU" sz="2800" dirty="0" smtClean="0">
+                <a:solidFill>
+                  <a:schemeClr val="accent1">
+                    <a:lumMod val="60000"/>
+                    <a:lumOff val="40000"/>
+                  </a:schemeClr>
+                </a:solidFill>
+                <a:latin typeface="Bahnschrift Light SemiCondensed" panose="020B0502040204020203" pitchFamily="34" charset="0"/>
+              </a:rPr>
+              <a:t>- Безопасность </a:t>
+            </a:r>
+          </a:p>
+          <a:p>
+            <a:pPr>
+              <a:lnSpc>
+                <a:spcPct val="100000"/>
+              </a:lnSpc>
+            </a:pPr>
+            <a:r>
+              <a:rPr lang="ru-RU" sz="2800" dirty="0" smtClean="0">
+                <a:solidFill>
+                  <a:schemeClr val="accent1">
+                    <a:lumMod val="60000"/>
+                    <a:lumOff val="40000"/>
+                  </a:schemeClr>
+                </a:solidFill>
+                <a:latin typeface="Bahnschrift Light SemiCondensed" panose="020B0502040204020203" pitchFamily="34" charset="0"/>
+              </a:rPr>
+              <a:t>    – Удобство </a:t>
+            </a:r>
+          </a:p>
+          <a:p>
+            <a:pPr>
+              <a:lnSpc>
+                <a:spcPct val="100000"/>
+              </a:lnSpc>
+            </a:pPr>
             <a:r>
               <a:rPr lang="ru-RU" sz="2800" dirty="0">
                 <a:solidFill>
-                  <a:schemeClr val="bg1"/>
+                  <a:schemeClr val="accent1">
+                    <a:lumMod val="60000"/>
+                    <a:lumOff val="40000"/>
+                  </a:schemeClr>
                 </a:solidFill>
                 <a:latin typeface="Bahnschrift Light SemiCondensed" panose="020B0502040204020203" pitchFamily="34" charset="0"/>
               </a:rPr>
               <a:t> </a:t>
+            </a:r>
+            <a:r>
+              <a:rPr lang="ru-RU" sz="2800" dirty="0" smtClean="0">
+                <a:solidFill>
+                  <a:schemeClr val="accent1">
+                    <a:lumMod val="60000"/>
+                    <a:lumOff val="40000"/>
+                  </a:schemeClr>
+                </a:solidFill>
+                <a:latin typeface="Bahnschrift Light SemiCondensed" panose="020B0502040204020203" pitchFamily="34" charset="0"/>
+              </a:rPr>
+              <a:t>   </a:t>
+            </a:r>
+            <a:r>
+              <a:rPr lang="ru-RU" sz="2800" dirty="0" smtClean="0">
+                <a:solidFill>
+                  <a:schemeClr val="accent1">
+                    <a:lumMod val="60000"/>
+                    <a:lumOff val="40000"/>
+                  </a:schemeClr>
+                </a:solidFill>
+                <a:latin typeface="Bahnschrift Light SemiCondensed" panose="020B0502040204020203" pitchFamily="34" charset="0"/>
+              </a:rPr>
+              <a:t>– Точность </a:t>
+            </a:r>
+          </a:p>
+          <a:p>
+            <a:pPr>
+              <a:lnSpc>
+                <a:spcPct val="100000"/>
+              </a:lnSpc>
+            </a:pPr>
+            <a:r>
+              <a:rPr lang="ru-RU" sz="2800" dirty="0">
+                <a:solidFill>
+                  <a:schemeClr val="accent1">
+                    <a:lumMod val="60000"/>
+                    <a:lumOff val="40000"/>
+                  </a:schemeClr>
+                </a:solidFill>
+                <a:latin typeface="Bahnschrift Light SemiCondensed" panose="020B0502040204020203" pitchFamily="34" charset="0"/>
+              </a:rPr>
+              <a:t> </a:t>
+            </a:r>
+            <a:r>
+              <a:rPr lang="ru-RU" sz="2800" dirty="0" smtClean="0">
+                <a:solidFill>
+                  <a:schemeClr val="accent1">
+                    <a:lumMod val="60000"/>
+                    <a:lumOff val="40000"/>
+                  </a:schemeClr>
+                </a:solidFill>
+                <a:latin typeface="Bahnschrift Light SemiCondensed" panose="020B0502040204020203" pitchFamily="34" charset="0"/>
+              </a:rPr>
+              <a:t>   </a:t>
+            </a:r>
+            <a:r>
+              <a:rPr lang="ru-RU" sz="2800" dirty="0" smtClean="0">
+                <a:solidFill>
+                  <a:schemeClr val="accent1">
+                    <a:lumMod val="60000"/>
+                    <a:lumOff val="40000"/>
+                  </a:schemeClr>
+                </a:solidFill>
+                <a:latin typeface="Bahnschrift Light SemiCondensed" panose="020B0502040204020203" pitchFamily="34" charset="0"/>
+              </a:rPr>
+              <a:t>- Эффективность</a:t>
             </a:r>
           </a:p>
         </p:txBody>
@@ -3957,8 +4079,8 @@
         </p:nvSpPr>
         <p:spPr>
           <a:xfrm>
-            <a:off x="1984181" y="1958522"/>
-            <a:ext cx="8244761" cy="1323439"/>
+            <a:off x="1953701" y="566602"/>
+            <a:ext cx="8244761" cy="707886"/>
           </a:xfrm>
           <a:prstGeom prst="rect">
             <a:avLst/>
@@ -3991,19 +4113,8 @@
               </a:rPr>
               <a:t>Цель и задачи </a:t>
             </a:r>
-          </a:p>
-          <a:p>
-            <a:pPr fontAlgn="auto">
-              <a:spcBef>
-                <a:spcPts val="0"/>
-              </a:spcBef>
-              <a:spcAft>
-                <a:spcPts val="0"/>
-              </a:spcAft>
-              <a:defRPr/>
-            </a:pPr>
-            <a:r>
-              <a:rPr lang="ru-RU" sz="4000" b="1" dirty="0">
+            <a:r>
+              <a:rPr lang="ru-RU" sz="4000" b="1" dirty="0" smtClean="0">
                 <a:solidFill>
                   <a:schemeClr val="accent5">
                     <a:lumMod val="75000"/>
@@ -4012,7 +4123,156 @@
                 <a:latin typeface="Bahnschrift Light SemiCondensed" panose="020B0502040204020203" pitchFamily="34" charset="0"/>
                 <a:cs typeface="Calibri"/>
               </a:rPr>
-              <a:t>решения проблемы</a:t>
+              <a:t>решения </a:t>
+            </a:r>
+            <a:r>
+              <a:rPr lang="ru-RU" sz="4000" b="1" dirty="0">
+                <a:solidFill>
+                  <a:schemeClr val="accent5">
+                    <a:lumMod val="75000"/>
+                  </a:schemeClr>
+                </a:solidFill>
+                <a:latin typeface="Bahnschrift Light SemiCondensed" panose="020B0502040204020203" pitchFamily="34" charset="0"/>
+                <a:cs typeface="Calibri"/>
+              </a:rPr>
+              <a:t>проблемы</a:t>
+            </a:r>
+          </a:p>
+        </p:txBody>
+      </p:sp>
+      <p:sp>
+        <p:nvSpPr>
+          <p:cNvPr id="2" name="TextBox 1"/>
+          <p:cNvSpPr txBox="1"/>
+          <p:nvPr/>
+        </p:nvSpPr>
+        <p:spPr>
+          <a:xfrm>
+            <a:off x="1953701" y="1747531"/>
+            <a:ext cx="7701681" cy="461665"/>
+          </a:xfrm>
+          <a:prstGeom prst="rect">
+            <a:avLst/>
+          </a:prstGeom>
+          <a:noFill/>
+        </p:spPr>
+        <p:txBody>
+          <a:bodyPr wrap="square" rtlCol="0">
+            <a:spAutoFit/>
+          </a:bodyPr>
+          <a:lstStyle/>
+          <a:p>
+            <a:r>
+              <a:rPr lang="ru-RU" sz="2400" dirty="0" smtClean="0">
+                <a:latin typeface="Bahnschrift Light SemiCondensed" panose="020B0502040204020203" pitchFamily="34" charset="0"/>
+              </a:rPr>
+              <a:t>Реализовать систему идентификации человека по лицу</a:t>
+            </a:r>
+            <a:endParaRPr lang="ru-RU" sz="2400" dirty="0">
+              <a:latin typeface="Bahnschrift Light SemiCondensed" panose="020B0502040204020203" pitchFamily="34" charset="0"/>
+            </a:endParaRPr>
+          </a:p>
+        </p:txBody>
+      </p:sp>
+      <p:sp>
+        <p:nvSpPr>
+          <p:cNvPr id="3" name="TextBox 2"/>
+          <p:cNvSpPr txBox="1"/>
+          <p:nvPr/>
+        </p:nvSpPr>
+        <p:spPr>
+          <a:xfrm>
+            <a:off x="1709861" y="2783840"/>
+            <a:ext cx="9212139" cy="3046988"/>
+          </a:xfrm>
+          <a:prstGeom prst="rect">
+            <a:avLst/>
+          </a:prstGeom>
+          <a:noFill/>
+        </p:spPr>
+        <p:txBody>
+          <a:bodyPr wrap="square" rtlCol="0">
+            <a:spAutoFit/>
+          </a:bodyPr>
+          <a:lstStyle/>
+          <a:p>
+            <a:r>
+              <a:rPr lang="ru-RU" sz="2400" dirty="0" smtClean="0">
+                <a:latin typeface="Bahnschrift Light SemiCondensed" panose="020B0502040204020203" pitchFamily="34" charset="0"/>
+              </a:rPr>
+              <a:t>Для достижения поставленной цели необходимо выполнить следующие задачи:</a:t>
+            </a:r>
+          </a:p>
+          <a:p>
+            <a:pPr marL="285750" indent="-285750">
+              <a:buFont typeface="Arial" panose="020B0604020202020204" pitchFamily="34" charset="0"/>
+              <a:buChar char="•"/>
+            </a:pPr>
+            <a:r>
+              <a:rPr lang="ru-RU" sz="2400" dirty="0" smtClean="0">
+                <a:latin typeface="Bahnschrift Light SemiCondensed" panose="020B0502040204020203" pitchFamily="34" charset="0"/>
+              </a:rPr>
+              <a:t>Выбрать модель обнаружения лиц;</a:t>
+            </a:r>
+          </a:p>
+          <a:p>
+            <a:pPr marL="285750" indent="-285750">
+              <a:buFont typeface="Arial" panose="020B0604020202020204" pitchFamily="34" charset="0"/>
+              <a:buChar char="•"/>
+            </a:pPr>
+            <a:r>
+              <a:rPr lang="ru-RU" sz="2400" dirty="0" smtClean="0">
+                <a:latin typeface="Bahnschrift Light SemiCondensed" panose="020B0502040204020203" pitchFamily="34" charset="0"/>
+              </a:rPr>
+              <a:t>Использовать выравнивание обнаруженных лиц;</a:t>
+            </a:r>
+          </a:p>
+          <a:p>
+            <a:pPr marL="285750" indent="-285750">
+              <a:buFont typeface="Arial" panose="020B0604020202020204" pitchFamily="34" charset="0"/>
+              <a:buChar char="•"/>
+            </a:pPr>
+            <a:r>
+              <a:rPr lang="ru-RU" sz="2400" dirty="0" smtClean="0">
+                <a:latin typeface="Bahnschrift Light SemiCondensed" panose="020B0502040204020203" pitchFamily="34" charset="0"/>
+              </a:rPr>
+              <a:t>Выбрать модель извлечения признаков;</a:t>
+            </a:r>
+          </a:p>
+          <a:p>
+            <a:pPr marL="285750" indent="-285750">
+              <a:buFont typeface="Arial" panose="020B0604020202020204" pitchFamily="34" charset="0"/>
+              <a:buChar char="•"/>
+            </a:pPr>
+            <a:r>
+              <a:rPr lang="ru-RU" sz="2400" dirty="0" smtClean="0">
+                <a:latin typeface="Bahnschrift Light SemiCondensed" panose="020B0502040204020203" pitchFamily="34" charset="0"/>
+              </a:rPr>
+              <a:t>Выбрать модель классификации лиц;</a:t>
+            </a:r>
+          </a:p>
+          <a:p>
+            <a:pPr marL="285750" indent="-285750">
+              <a:buFont typeface="Arial" panose="020B0604020202020204" pitchFamily="34" charset="0"/>
+              <a:buChar char="•"/>
+            </a:pPr>
+            <a:r>
+              <a:rPr lang="ru-RU" sz="2400" dirty="0" smtClean="0">
+                <a:latin typeface="Bahnschrift Light SemiCondensed" panose="020B0502040204020203" pitchFamily="34" charset="0"/>
+              </a:rPr>
+              <a:t>Собрать систему моделей;</a:t>
+            </a:r>
+          </a:p>
+          <a:p>
+            <a:pPr marL="285750" indent="-285750">
+              <a:buFont typeface="Arial" panose="020B0604020202020204" pitchFamily="34" charset="0"/>
+              <a:buChar char="•"/>
+            </a:pPr>
+            <a:r>
+              <a:rPr lang="ru-RU" sz="2400" dirty="0" smtClean="0">
+                <a:latin typeface="Bahnschrift Light SemiCondensed" panose="020B0502040204020203" pitchFamily="34" charset="0"/>
+              </a:rPr>
+              <a:t>Провести тестирование.</a:t>
             </a:r>
           </a:p>
         </p:txBody>
@@ -4027,6 +4287,13 @@
   <p:clrMapOvr>
     <a:masterClrMapping/>
   </p:clrMapOvr>
+  <p:timing>
+    <p:tnLst>
+      <p:par>
+        <p:cTn id="1" dur="indefinite" restart="never" nodeType="tmRoot"/>
+      </p:par>
+    </p:tnLst>
+  </p:timing>
 </p:sld>
 </file>
 
@@ -4119,6 +4386,13 @@
   <p:clrMapOvr>
     <a:masterClrMapping/>
   </p:clrMapOvr>
+  <p:timing>
+    <p:tnLst>
+      <p:par>
+        <p:cTn id="1" dur="indefinite" restart="never" nodeType="tmRoot"/>
+      </p:par>
+    </p:tnLst>
+  </p:timing>
 </p:sld>
 </file>
 
@@ -4161,7 +4435,7 @@
         </p:nvSpPr>
         <p:spPr>
           <a:xfrm>
-            <a:off x="1434193" y="1071113"/>
+            <a:off x="1576433" y="654553"/>
             <a:ext cx="2990850" cy="523220"/>
           </a:xfrm>
           <a:prstGeom prst="rect">
@@ -4195,6 +4469,188 @@
               </a:rPr>
               <a:t>Описание модели</a:t>
             </a:r>
+          </a:p>
+        </p:txBody>
+      </p:sp>
+      <p:sp>
+        <p:nvSpPr>
+          <p:cNvPr id="2" name="TextBox 1"/>
+          <p:cNvSpPr txBox="1"/>
+          <p:nvPr/>
+        </p:nvSpPr>
+        <p:spPr>
+          <a:xfrm>
+            <a:off x="1576433" y="2072640"/>
+            <a:ext cx="8727440" cy="1938992"/>
+          </a:xfrm>
+          <a:prstGeom prst="rect">
+            <a:avLst/>
+          </a:prstGeom>
+          <a:noFill/>
+        </p:spPr>
+        <p:txBody>
+          <a:bodyPr wrap="square" rtlCol="0">
+            <a:spAutoFit/>
+          </a:bodyPr>
+          <a:lstStyle/>
+          <a:p>
+            <a:pPr marL="285750" indent="-285750">
+              <a:buFont typeface="Arial" panose="020B0604020202020204" pitchFamily="34" charset="0"/>
+              <a:buChar char="•"/>
+            </a:pPr>
+            <a:r>
+              <a:rPr lang="ru-RU" sz="2400" dirty="0" smtClean="0">
+                <a:latin typeface="Bahnschrift Light SemiCondensed" panose="020B0502040204020203" pitchFamily="34" charset="0"/>
+              </a:rPr>
+              <a:t>Обнаружение </a:t>
+            </a:r>
+            <a:r>
+              <a:rPr lang="ru-RU" sz="2400" dirty="0">
+                <a:latin typeface="Bahnschrift Light SemiCondensed" panose="020B0502040204020203" pitchFamily="34" charset="0"/>
+              </a:rPr>
+              <a:t>лица с помощью </a:t>
+            </a:r>
+            <a:r>
+              <a:rPr lang="en-US" sz="2400" dirty="0">
+                <a:latin typeface="Bahnschrift Light SemiCondensed" panose="020B0502040204020203" pitchFamily="34" charset="0"/>
+              </a:rPr>
+              <a:t>HOG</a:t>
+            </a:r>
+            <a:r>
+              <a:rPr lang="ru-RU" sz="2400" dirty="0" smtClean="0">
+                <a:latin typeface="Bahnschrift Light SemiCondensed" panose="020B0502040204020203" pitchFamily="34" charset="0"/>
+              </a:rPr>
+              <a:t>-детектора;</a:t>
+            </a:r>
+          </a:p>
+          <a:p>
+            <a:pPr marL="285750" indent="-285750">
+              <a:buFont typeface="Arial" panose="020B0604020202020204" pitchFamily="34" charset="0"/>
+              <a:buChar char="•"/>
+            </a:pPr>
+            <a:r>
+              <a:rPr lang="ru-RU" sz="2400" dirty="0" smtClean="0">
+                <a:latin typeface="Bahnschrift Light SemiCondensed" panose="020B0502040204020203" pitchFamily="34" charset="0"/>
+              </a:rPr>
+              <a:t>Выравнивание </a:t>
+            </a:r>
+            <a:r>
+              <a:rPr lang="ru-RU" sz="2400" dirty="0">
+                <a:latin typeface="Bahnschrift Light SemiCondensed" panose="020B0502040204020203" pitchFamily="34" charset="0"/>
+              </a:rPr>
+              <a:t>лица на основе ключевых </a:t>
+            </a:r>
+            <a:r>
+              <a:rPr lang="ru-RU" sz="2400" dirty="0" smtClean="0">
+                <a:latin typeface="Bahnschrift Light SemiCondensed" panose="020B0502040204020203" pitchFamily="34" charset="0"/>
+              </a:rPr>
+              <a:t>точек;</a:t>
+            </a:r>
+          </a:p>
+          <a:p>
+            <a:pPr marL="285750" indent="-285750">
+              <a:buFont typeface="Arial" panose="020B0604020202020204" pitchFamily="34" charset="0"/>
+              <a:buChar char="•"/>
+            </a:pPr>
+            <a:r>
+              <a:rPr lang="ru-RU" sz="2400" dirty="0" smtClean="0">
+                <a:latin typeface="Bahnschrift Light SemiCondensed" panose="020B0502040204020203" pitchFamily="34" charset="0"/>
+              </a:rPr>
+              <a:t>Извлечение </a:t>
+            </a:r>
+            <a:r>
+              <a:rPr lang="ru-RU" sz="2400" dirty="0">
+                <a:latin typeface="Bahnschrift Light SemiCondensed" panose="020B0502040204020203" pitchFamily="34" charset="0"/>
+              </a:rPr>
+              <a:t>признаков с помощью </a:t>
+            </a:r>
+            <a:r>
+              <a:rPr lang="ru-RU" sz="2400" dirty="0" err="1">
+                <a:latin typeface="Bahnschrift Light SemiCondensed" panose="020B0502040204020203" pitchFamily="34" charset="0"/>
+              </a:rPr>
+              <a:t>предобученной</a:t>
+            </a:r>
+            <a:r>
+              <a:rPr lang="ru-RU" sz="2400" dirty="0">
+                <a:latin typeface="Bahnschrift Light SemiCondensed" panose="020B0502040204020203" pitchFamily="34" charset="0"/>
+              </a:rPr>
+              <a:t> </a:t>
+            </a:r>
+            <a:r>
+              <a:rPr lang="ru-RU" sz="2400" dirty="0" err="1">
+                <a:latin typeface="Bahnschrift Light SemiCondensed" panose="020B0502040204020203" pitchFamily="34" charset="0"/>
+              </a:rPr>
+              <a:t>сверточной</a:t>
+            </a:r>
+            <a:r>
+              <a:rPr lang="ru-RU" sz="2400" dirty="0">
+                <a:latin typeface="Bahnschrift Light SemiCondensed" panose="020B0502040204020203" pitchFamily="34" charset="0"/>
+              </a:rPr>
+              <a:t> </a:t>
+            </a:r>
+            <a:r>
+              <a:rPr lang="ru-RU" sz="2400" dirty="0" err="1">
+                <a:latin typeface="Bahnschrift Light SemiCondensed" panose="020B0502040204020203" pitchFamily="34" charset="0"/>
+              </a:rPr>
+              <a:t>нейросети</a:t>
+            </a:r>
+            <a:r>
+              <a:rPr lang="ru-RU" sz="2400" dirty="0">
+                <a:latin typeface="Bahnschrift Light SemiCondensed" panose="020B0502040204020203" pitchFamily="34" charset="0"/>
+              </a:rPr>
+              <a:t> </a:t>
+            </a:r>
+            <a:r>
+              <a:rPr lang="en-US" sz="2400" dirty="0">
+                <a:latin typeface="Bahnschrift Light SemiCondensed" panose="020B0502040204020203" pitchFamily="34" charset="0"/>
+              </a:rPr>
+              <a:t>VGG</a:t>
+            </a:r>
+            <a:r>
+              <a:rPr lang="ru-RU" sz="2400" dirty="0">
+                <a:latin typeface="Bahnschrift Light SemiCondensed" panose="020B0502040204020203" pitchFamily="34" charset="0"/>
+              </a:rPr>
+              <a:t>16;</a:t>
+            </a:r>
+          </a:p>
+          <a:p>
+            <a:pPr marL="285750" indent="-285750">
+              <a:buFont typeface="Arial" panose="020B0604020202020204" pitchFamily="34" charset="0"/>
+              <a:buChar char="•"/>
+            </a:pPr>
+            <a:r>
+              <a:rPr lang="ru-RU" sz="2400" dirty="0">
+                <a:latin typeface="Bahnschrift Light SemiCondensed" panose="020B0502040204020203" pitchFamily="34" charset="0"/>
+              </a:rPr>
+              <a:t>Классификация лица по </a:t>
+            </a:r>
+            <a:r>
+              <a:rPr lang="ru-RU" sz="2400" dirty="0" err="1">
+                <a:latin typeface="Bahnschrift Light SemiCondensed" panose="020B0502040204020203" pitchFamily="34" charset="0"/>
+              </a:rPr>
+              <a:t>эмбеддингу</a:t>
+            </a:r>
+            <a:r>
+              <a:rPr lang="ru-RU" sz="2400" dirty="0">
+                <a:latin typeface="Bahnschrift Light SemiCondensed" panose="020B0502040204020203" pitchFamily="34" charset="0"/>
+              </a:rPr>
+              <a:t> с помощью </a:t>
+            </a:r>
+            <a:r>
+              <a:rPr lang="en-US" sz="2400" dirty="0">
+                <a:latin typeface="Bahnschrift Light SemiCondensed" panose="020B0502040204020203" pitchFamily="34" charset="0"/>
+              </a:rPr>
+              <a:t>SVM</a:t>
+            </a:r>
+            <a:r>
+              <a:rPr lang="ru-RU" sz="2400" dirty="0" smtClean="0">
+                <a:latin typeface="Bahnschrift Light SemiCondensed" panose="020B0502040204020203" pitchFamily="34" charset="0"/>
+              </a:rPr>
+              <a:t>.</a:t>
+            </a:r>
+            <a:endParaRPr lang="ru-RU" sz="2400" dirty="0">
+              <a:latin typeface="Bahnschrift Light SemiCondensed" panose="020B0502040204020203" pitchFamily="34" charset="0"/>
+            </a:endParaRPr>
           </a:p>
         </p:txBody>
       </p:sp>
@@ -4208,6 +4664,13 @@
   <p:clrMapOvr>
     <a:masterClrMapping/>
   </p:clrMapOvr>
+  <p:timing>
+    <p:tnLst>
+      <p:par>
+        <p:cTn id="1" dur="indefinite" restart="never" nodeType="tmRoot"/>
+      </p:par>
+    </p:tnLst>
+  </p:timing>
 </p:sld>
 </file>
 
@@ -4275,6 +4738,191 @@
           </a:p>
         </p:txBody>
       </p:sp>
+      <p:sp>
+        <p:nvSpPr>
+          <p:cNvPr id="2" name="TextBox 1"/>
+          <p:cNvSpPr txBox="1"/>
+          <p:nvPr/>
+        </p:nvSpPr>
+        <p:spPr>
+          <a:xfrm>
+            <a:off x="1361440" y="1666240"/>
+            <a:ext cx="9326880" cy="4154984"/>
+          </a:xfrm>
+          <a:prstGeom prst="rect">
+            <a:avLst/>
+          </a:prstGeom>
+          <a:noFill/>
+        </p:spPr>
+        <p:txBody>
+          <a:bodyPr wrap="square" rtlCol="0">
+            <a:spAutoFit/>
+          </a:bodyPr>
+          <a:lstStyle/>
+          <a:p>
+            <a:pPr marL="342900" indent="-342900">
+              <a:buFont typeface="Arial" panose="020B0604020202020204" pitchFamily="34" charset="0"/>
+              <a:buChar char="•"/>
+            </a:pPr>
+            <a:r>
+              <a:rPr lang="ru-RU" sz="2400" dirty="0" smtClean="0">
+                <a:solidFill>
+                  <a:schemeClr val="bg1"/>
+                </a:solidFill>
+                <a:latin typeface="Bahnschrift" panose="020B0502040204020203" pitchFamily="34" charset="0"/>
+              </a:rPr>
+              <a:t>Формирование </a:t>
+            </a:r>
+            <a:r>
+              <a:rPr lang="ru-RU" sz="2400" dirty="0">
+                <a:solidFill>
+                  <a:schemeClr val="bg1"/>
+                </a:solidFill>
+                <a:latin typeface="Bahnschrift" panose="020B0502040204020203" pitchFamily="34" charset="0"/>
+              </a:rPr>
+              <a:t>множеств фотографий для тренировки и тестирования;</a:t>
+            </a:r>
+          </a:p>
+          <a:p>
+            <a:pPr marL="342900" indent="-342900">
+              <a:buFont typeface="Arial" panose="020B0604020202020204" pitchFamily="34" charset="0"/>
+              <a:buChar char="•"/>
+            </a:pPr>
+            <a:r>
+              <a:rPr lang="ru-RU" sz="2400" dirty="0">
+                <a:solidFill>
+                  <a:schemeClr val="bg1"/>
+                </a:solidFill>
+                <a:latin typeface="Bahnschrift" panose="020B0502040204020203" pitchFamily="34" charset="0"/>
+              </a:rPr>
+              <a:t>Для каждой фотографии выполняется:</a:t>
+            </a:r>
+          </a:p>
+          <a:p>
+            <a:pPr marL="800100" lvl="1" indent="-342900">
+              <a:buFont typeface="Arial" panose="020B0604020202020204" pitchFamily="34" charset="0"/>
+              <a:buChar char="•"/>
+            </a:pPr>
+            <a:r>
+              <a:rPr lang="ru-RU" sz="2400" dirty="0">
+                <a:solidFill>
+                  <a:schemeClr val="bg1"/>
+                </a:solidFill>
+                <a:latin typeface="Bahnschrift" panose="020B0502040204020203" pitchFamily="34" charset="0"/>
+              </a:rPr>
+              <a:t>Обнаружение лица;</a:t>
+            </a:r>
+          </a:p>
+          <a:p>
+            <a:pPr marL="800100" lvl="1" indent="-342900">
+              <a:buFont typeface="Arial" panose="020B0604020202020204" pitchFamily="34" charset="0"/>
+              <a:buChar char="•"/>
+            </a:pPr>
+            <a:r>
+              <a:rPr lang="ru-RU" sz="2400" dirty="0">
+                <a:solidFill>
+                  <a:schemeClr val="bg1"/>
+                </a:solidFill>
+                <a:latin typeface="Bahnschrift" panose="020B0502040204020203" pitchFamily="34" charset="0"/>
+              </a:rPr>
+              <a:t>Выравнивание лица;</a:t>
+            </a:r>
+          </a:p>
+          <a:p>
+            <a:pPr marL="800100" lvl="1" indent="-342900">
+              <a:buFont typeface="Arial" panose="020B0604020202020204" pitchFamily="34" charset="0"/>
+              <a:buChar char="•"/>
+            </a:pPr>
+            <a:r>
+              <a:rPr lang="ru-RU" sz="2400" dirty="0">
+                <a:solidFill>
+                  <a:schemeClr val="bg1"/>
+                </a:solidFill>
+                <a:latin typeface="Bahnschrift" panose="020B0502040204020203" pitchFamily="34" charset="0"/>
+              </a:rPr>
+              <a:t>Извлечение признаков лица в виде эмбеддинга;</a:t>
+            </a:r>
+          </a:p>
+          <a:p>
+            <a:pPr marL="342900" indent="-342900">
+              <a:buFont typeface="Arial" panose="020B0604020202020204" pitchFamily="34" charset="0"/>
+              <a:buChar char="•"/>
+            </a:pPr>
+            <a:r>
+              <a:rPr lang="ru-RU" sz="2400" dirty="0">
+                <a:solidFill>
+                  <a:schemeClr val="bg1"/>
+                </a:solidFill>
+                <a:latin typeface="Bahnschrift" panose="020B0502040204020203" pitchFamily="34" charset="0"/>
+              </a:rPr>
+              <a:t>Каждый </a:t>
+            </a:r>
+            <a:r>
+              <a:rPr lang="ru-RU" sz="2400" dirty="0" err="1">
+                <a:solidFill>
+                  <a:schemeClr val="bg1"/>
+                </a:solidFill>
+                <a:latin typeface="Bahnschrift" panose="020B0502040204020203" pitchFamily="34" charset="0"/>
+              </a:rPr>
+              <a:t>эмбеддинг</a:t>
+            </a:r>
+            <a:r>
+              <a:rPr lang="ru-RU" sz="2400" dirty="0">
+                <a:solidFill>
+                  <a:schemeClr val="bg1"/>
+                </a:solidFill>
+                <a:latin typeface="Bahnschrift" panose="020B0502040204020203" pitchFamily="34" charset="0"/>
+              </a:rPr>
+              <a:t> нормализуется, наименование кодируется;</a:t>
+            </a:r>
+          </a:p>
+          <a:p>
+            <a:pPr marL="342900" indent="-342900">
+              <a:buFont typeface="Arial" panose="020B0604020202020204" pitchFamily="34" charset="0"/>
+              <a:buChar char="•"/>
+            </a:pPr>
+            <a:r>
+              <a:rPr lang="ru-RU" sz="2400" dirty="0">
+                <a:solidFill>
+                  <a:schemeClr val="bg1"/>
+                </a:solidFill>
+                <a:latin typeface="Bahnschrift" panose="020B0502040204020203" pitchFamily="34" charset="0"/>
+              </a:rPr>
+              <a:t>Классификатор обучается на тренировочной выборке;</a:t>
+            </a:r>
+          </a:p>
+          <a:p>
+            <a:pPr marL="342900" indent="-342900">
+              <a:buFont typeface="Arial" panose="020B0604020202020204" pitchFamily="34" charset="0"/>
+              <a:buChar char="•"/>
+            </a:pPr>
+            <a:r>
+              <a:rPr lang="ru-RU" sz="2400" dirty="0">
+                <a:solidFill>
+                  <a:schemeClr val="bg1"/>
+                </a:solidFill>
+                <a:latin typeface="Bahnschrift" panose="020B0502040204020203" pitchFamily="34" charset="0"/>
+              </a:rPr>
+              <a:t>Классификатор предсказывает идентификаторы на тестовой выборке</a:t>
+            </a:r>
+            <a:r>
+              <a:rPr lang="ru-RU" sz="2400" dirty="0" smtClean="0">
+                <a:solidFill>
+                  <a:schemeClr val="bg1"/>
+                </a:solidFill>
+                <a:latin typeface="Bahnschrift" panose="020B0502040204020203" pitchFamily="34" charset="0"/>
+              </a:rPr>
+              <a:t>.</a:t>
+            </a:r>
+            <a:endParaRPr lang="ru-RU" sz="2400" dirty="0">
+              <a:solidFill>
+                <a:schemeClr val="bg1"/>
+              </a:solidFill>
+              <a:latin typeface="Bahnschrift" panose="020B0502040204020203" pitchFamily="34" charset="0"/>
+            </a:endParaRPr>
+          </a:p>
+        </p:txBody>
+      </p:sp>
     </p:spTree>
     <p:extLst>
       <p:ext uri="{BB962C8B-B14F-4D97-AF65-F5344CB8AC3E}">
@@ -4285,6 +4933,13 @@
   <p:clrMapOvr>
     <a:masterClrMapping/>
   </p:clrMapOvr>
+  <p:timing>
+    <p:tnLst>
+      <p:par>
+        <p:cTn id="1" dur="indefinite" restart="never" nodeType="tmRoot"/>
+      </p:par>
+    </p:tnLst>
+  </p:timing>
 </p:sld>
 </file>
 
@@ -4327,7 +4982,7 @@
         </p:nvSpPr>
         <p:spPr>
           <a:xfrm>
-            <a:off x="1434193" y="1071113"/>
+            <a:off x="1391388" y="227353"/>
             <a:ext cx="3520362" cy="523220"/>
           </a:xfrm>
           <a:prstGeom prst="rect">
@@ -4364,6 +5019,252 @@
           </a:p>
         </p:txBody>
       </p:sp>
+      <p:pic>
+        <p:nvPicPr>
+          <p:cNvPr id="1032" name="Picture 8" descr="https://avatars.mds.yandex.net/i?id=08c29cae0afae00146db95e22bf0dc59ef3319d2-6955035-images-thumbs&amp;n=13"/>
+          <p:cNvPicPr>
+            <a:picLocks noChangeAspect="1" noChangeArrowheads="1"/>
+          </p:cNvPicPr>
+          <p:nvPr/>
+        </p:nvPicPr>
+        <p:blipFill>
+          <a:blip r:embed="rId3">
+            <a:extLst>
+              <a:ext uri="{28A0092B-C50C-407E-A947-70E740481C1C}">
+                <a14:useLocalDpi xmlns:a14="http://schemas.microsoft.com/office/drawing/2010/main" val="0"/>
+              </a:ext>
+            </a:extLst>
+          </a:blip>
+          <a:srcRect/>
+          <a:stretch>
+            <a:fillRect/>
+          </a:stretch>
+        </p:blipFill>
+        <p:spPr bwMode="auto">
+          <a:xfrm>
+            <a:off x="973282" y="2856257"/>
+            <a:ext cx="2679645" cy="2679646"/>
+          </a:xfrm>
+          <a:prstGeom prst="rect">
+            <a:avLst/>
+          </a:prstGeom>
+          <a:noFill/>
+          <a:extLst>
+            <a:ext uri="{909E8E84-426E-40DD-AFC4-6F175D3DCCD1}">
+              <a14:hiddenFill xmlns:a14="http://schemas.microsoft.com/office/drawing/2010/main">
+                <a:solidFill>
+                  <a:srgbClr val="FFFFFF"/>
+                </a:solidFill>
+              </a14:hiddenFill>
+            </a:ext>
+          </a:extLst>
+        </p:spPr>
+      </p:pic>
+      <p:pic>
+        <p:nvPicPr>
+          <p:cNvPr id="1034" name="Picture 10" descr="https://firstanalytics.com/wp-content/uploads/dlib.jpg"/>
+          <p:cNvPicPr>
+            <a:picLocks noChangeAspect="1" noChangeArrowheads="1"/>
+          </p:cNvPicPr>
+          <p:nvPr/>
+        </p:nvPicPr>
+        <p:blipFill>
+          <a:blip r:embed="rId4" cstate="print">
+            <a:extLst>
+              <a:ext uri="{28A0092B-C50C-407E-A947-70E740481C1C}">
+                <a14:useLocalDpi xmlns:a14="http://schemas.microsoft.com/office/drawing/2010/main" val="0"/>
+              </a:ext>
+            </a:extLst>
+          </a:blip>
+          <a:srcRect/>
+          <a:stretch>
+            <a:fillRect/>
+          </a:stretch>
+        </p:blipFill>
+        <p:spPr bwMode="auto">
+          <a:xfrm>
+            <a:off x="5614734" y="3523287"/>
+            <a:ext cx="2452306" cy="1226153"/>
+          </a:xfrm>
+          <a:prstGeom prst="rect">
+            <a:avLst/>
+          </a:prstGeom>
+          <a:noFill/>
+          <a:extLst>
+            <a:ext uri="{909E8E84-426E-40DD-AFC4-6F175D3DCCD1}">
+              <a14:hiddenFill xmlns:a14="http://schemas.microsoft.com/office/drawing/2010/main">
+                <a:solidFill>
+                  <a:srgbClr val="FFFFFF"/>
+                </a:solidFill>
+              </a14:hiddenFill>
+            </a:ext>
+          </a:extLst>
+        </p:spPr>
+      </p:pic>
+      <p:pic>
+        <p:nvPicPr>
+          <p:cNvPr id="1038" name="Picture 14" descr="https://upload.wikimedia.org/wikipedia/commons/thumb/3/32/OpenCV_Logo_with_text_svg_version.svg/1200px-OpenCV_Logo_with_text_svg_version.svg.png"/>
+          <p:cNvPicPr>
+            <a:picLocks noChangeAspect="1" noChangeArrowheads="1"/>
+          </p:cNvPicPr>
+          <p:nvPr/>
+        </p:nvPicPr>
+        <p:blipFill>
+          <a:blip r:embed="rId5" cstate="print">
+            <a:extLst>
+              <a:ext uri="{28A0092B-C50C-407E-A947-70E740481C1C}">
+                <a14:useLocalDpi xmlns:a14="http://schemas.microsoft.com/office/drawing/2010/main" val="0"/>
+              </a:ext>
+            </a:extLst>
+          </a:blip>
+          <a:srcRect/>
+          <a:stretch>
+            <a:fillRect/>
+          </a:stretch>
+        </p:blipFill>
+        <p:spPr bwMode="auto">
+          <a:xfrm>
+            <a:off x="8930851" y="1452015"/>
+            <a:ext cx="1430369" cy="1761738"/>
+          </a:xfrm>
+          <a:prstGeom prst="rect">
+            <a:avLst/>
+          </a:prstGeom>
+          <a:noFill/>
+          <a:extLst>
+            <a:ext uri="{909E8E84-426E-40DD-AFC4-6F175D3DCCD1}">
+              <a14:hiddenFill xmlns:a14="http://schemas.microsoft.com/office/drawing/2010/main">
+                <a:solidFill>
+                  <a:srgbClr val="FFFFFF"/>
+                </a:solidFill>
+              </a14:hiddenFill>
+            </a:ext>
+          </a:extLst>
+        </p:spPr>
+      </p:pic>
+      <p:pic>
+        <p:nvPicPr>
+          <p:cNvPr id="1040" name="Picture 16" descr="https://yt3.googleusercontent.com/jFsCjX44VYO7soCF3m78SqJ6yHNnyQcBboTyYCLFaTbL5lhbDmSkxW4iPxiFhRdP_RMTFimiLw=s900-c-k-c0x00ffffff-no-rj"/>
+          <p:cNvPicPr>
+            <a:picLocks noChangeAspect="1" noChangeArrowheads="1"/>
+          </p:cNvPicPr>
+          <p:nvPr/>
+        </p:nvPicPr>
+        <p:blipFill>
+          <a:blip r:embed="rId6" cstate="print">
+            <a:extLst>
+              <a:ext uri="{28A0092B-C50C-407E-A947-70E740481C1C}">
+                <a14:useLocalDpi xmlns:a14="http://schemas.microsoft.com/office/drawing/2010/main" val="0"/>
+              </a:ext>
+            </a:extLst>
+          </a:blip>
+          <a:srcRect/>
+          <a:stretch>
+            <a:fillRect/>
+          </a:stretch>
+        </p:blipFill>
+        <p:spPr bwMode="auto">
+          <a:xfrm>
+            <a:off x="1600261" y="1532061"/>
+            <a:ext cx="1425689" cy="1425689"/>
+          </a:xfrm>
+          <a:prstGeom prst="rect">
+            <a:avLst/>
+          </a:prstGeom>
+          <a:noFill/>
+          <a:extLst>
+            <a:ext uri="{909E8E84-426E-40DD-AFC4-6F175D3DCCD1}">
+              <a14:hiddenFill xmlns:a14="http://schemas.microsoft.com/office/drawing/2010/main">
+                <a:solidFill>
+                  <a:srgbClr val="FFFFFF"/>
+                </a:solidFill>
+              </a14:hiddenFill>
+            </a:ext>
+          </a:extLst>
+        </p:spPr>
+      </p:pic>
+      <p:pic>
+        <p:nvPicPr>
+          <p:cNvPr id="1042" name="Picture 18" descr="https://www.elektrikde.com/wp-content/uploads/2020/05/tensorflow-ve-keras.jpg"/>
+          <p:cNvPicPr>
+            <a:picLocks noChangeAspect="1" noChangeArrowheads="1"/>
+          </p:cNvPicPr>
+          <p:nvPr/>
+        </p:nvPicPr>
+        <p:blipFill>
+          <a:blip r:embed="rId7">
+            <a:extLst>
+              <a:ext uri="{28A0092B-C50C-407E-A947-70E740481C1C}">
+                <a14:useLocalDpi xmlns:a14="http://schemas.microsoft.com/office/drawing/2010/main" val="0"/>
+              </a:ext>
+            </a:extLst>
+          </a:blip>
+          <a:srcRect/>
+          <a:stretch>
+            <a:fillRect/>
+          </a:stretch>
+        </p:blipFill>
+        <p:spPr bwMode="auto">
+          <a:xfrm>
+            <a:off x="5237849" y="1276057"/>
+            <a:ext cx="3202802" cy="1937696"/>
+          </a:xfrm>
+          <a:prstGeom prst="rect">
+            <a:avLst/>
+          </a:prstGeom>
+          <a:noFill/>
+          <a:extLst>
+            <a:ext uri="{909E8E84-426E-40DD-AFC4-6F175D3DCCD1}">
+              <a14:hiddenFill xmlns:a14="http://schemas.microsoft.com/office/drawing/2010/main">
+                <a:solidFill>
+                  <a:srgbClr val="FFFFFF"/>
+                </a:solidFill>
+              </a14:hiddenFill>
+            </a:ext>
+          </a:extLst>
+        </p:spPr>
+      </p:pic>
+      <p:pic>
+        <p:nvPicPr>
+          <p:cNvPr id="1046" name="Picture 22" descr="https://docs.apachecn.org/asset/icon/skl.png"/>
+          <p:cNvPicPr>
+            <a:picLocks noChangeAspect="1" noChangeArrowheads="1"/>
+          </p:cNvPicPr>
+          <p:nvPr/>
+        </p:nvPicPr>
+        <p:blipFill>
+          <a:blip r:embed="rId8" cstate="print">
+            <a:extLst>
+              <a:ext uri="{28A0092B-C50C-407E-A947-70E740481C1C}">
+                <a14:useLocalDpi xmlns:a14="http://schemas.microsoft.com/office/drawing/2010/main" val="0"/>
+              </a:ext>
+            </a:extLst>
+          </a:blip>
+          <a:srcRect/>
+          <a:stretch>
+            <a:fillRect/>
+          </a:stretch>
+        </p:blipFill>
+        <p:spPr bwMode="auto">
+          <a:xfrm>
+            <a:off x="8807294" y="3213753"/>
+            <a:ext cx="1677481" cy="1677481"/>
+          </a:xfrm>
+          <a:prstGeom prst="rect">
+            <a:avLst/>
+          </a:prstGeom>
+          <a:noFill/>
+          <a:extLst>
+            <a:ext uri="{909E8E84-426E-40DD-AFC4-6F175D3DCCD1}">
+              <a14:hiddenFill xmlns:a14="http://schemas.microsoft.com/office/drawing/2010/main">
+                <a:solidFill>
+                  <a:srgbClr val="FFFFFF"/>
+                </a:solidFill>
+              </a14:hiddenFill>
+            </a:ext>
+          </a:extLst>
+        </p:spPr>
+      </p:pic>
     </p:spTree>
     <p:extLst>
       <p:ext uri="{BB962C8B-B14F-4D97-AF65-F5344CB8AC3E}">
@@ -4374,6 +5275,13 @@
   <p:clrMapOvr>
     <a:masterClrMapping/>
   </p:clrMapOvr>
+  <p:timing>
+    <p:tnLst>
+      <p:par>
+        <p:cTn id="1" dur="indefinite" restart="never" nodeType="tmRoot"/>
+      </p:par>
+    </p:tnLst>
+  </p:timing>
 </p:sld>
 </file>
 
@@ -4477,6 +5385,13 @@
   <p:clrMapOvr>
     <a:masterClrMapping/>
   </p:clrMapOvr>
+  <p:timing>
+    <p:tnLst>
+      <p:par>
+        <p:cTn id="1" dur="indefinite" restart="never" nodeType="tmRoot"/>
+      </p:par>
+    </p:tnLst>
+  </p:timing>
 </p:sld>
 </file>
 
@@ -4566,6 +5481,13 @@
   <p:clrMapOvr>
     <a:masterClrMapping/>
   </p:clrMapOvr>
+  <p:timing>
+    <p:tnLst>
+      <p:par>
+        <p:cTn id="1" dur="indefinite" restart="never" nodeType="tmRoot"/>
+      </p:par>
+    </p:tnLst>
+  </p:timing>
 </p:sld>
 </file>
 

--- a/presentation.pptx
+++ b/presentation.pptx
@@ -8,15 +8,18 @@
     <p:sldId id="269" r:id="rId2"/>
     <p:sldId id="268" r:id="rId3"/>
     <p:sldId id="270" r:id="rId4"/>
-    <p:sldId id="259" r:id="rId5"/>
-    <p:sldId id="263" r:id="rId6"/>
-    <p:sldId id="261" r:id="rId7"/>
-    <p:sldId id="271" r:id="rId8"/>
-    <p:sldId id="265" r:id="rId9"/>
-    <p:sldId id="273" r:id="rId10"/>
-    <p:sldId id="272" r:id="rId11"/>
-    <p:sldId id="266" r:id="rId12"/>
-    <p:sldId id="267" r:id="rId13"/>
+    <p:sldId id="263" r:id="rId5"/>
+    <p:sldId id="261" r:id="rId6"/>
+    <p:sldId id="271" r:id="rId7"/>
+    <p:sldId id="265" r:id="rId8"/>
+    <p:sldId id="273" r:id="rId9"/>
+    <p:sldId id="276" r:id="rId10"/>
+    <p:sldId id="275" r:id="rId11"/>
+    <p:sldId id="277" r:id="rId12"/>
+    <p:sldId id="278" r:id="rId13"/>
+    <p:sldId id="279" r:id="rId14"/>
+    <p:sldId id="266" r:id="rId15"/>
+    <p:sldId id="267" r:id="rId16"/>
   </p:sldIdLst>
   <p:sldSz cx="12192000" cy="6858000"/>
   <p:notesSz cx="6858000" cy="9144000"/>
@@ -252,7 +255,7 @@
           <a:p>
             <a:fld id="{44DFBB45-DAC6-4119-B571-663DA2F63C37}" type="datetimeFigureOut">
               <a:rPr lang="ru-RU" smtClean="0"/>
-              <a:t>28.05.2023</a:t>
+              <a:t>30.05.2023</a:t>
             </a:fld>
             <a:endParaRPr lang="ru-RU"/>
           </a:p>
@@ -420,7 +423,7 @@
           <a:p>
             <a:fld id="{44DFBB45-DAC6-4119-B571-663DA2F63C37}" type="datetimeFigureOut">
               <a:rPr lang="ru-RU" smtClean="0"/>
-              <a:t>28.05.2023</a:t>
+              <a:t>30.05.2023</a:t>
             </a:fld>
             <a:endParaRPr lang="ru-RU"/>
           </a:p>
@@ -598,7 +601,7 @@
           <a:p>
             <a:fld id="{44DFBB45-DAC6-4119-B571-663DA2F63C37}" type="datetimeFigureOut">
               <a:rPr lang="ru-RU" smtClean="0"/>
-              <a:t>28.05.2023</a:t>
+              <a:t>30.05.2023</a:t>
             </a:fld>
             <a:endParaRPr lang="ru-RU"/>
           </a:p>
@@ -766,7 +769,7 @@
           <a:p>
             <a:fld id="{44DFBB45-DAC6-4119-B571-663DA2F63C37}" type="datetimeFigureOut">
               <a:rPr lang="ru-RU" smtClean="0"/>
-              <a:t>28.05.2023</a:t>
+              <a:t>30.05.2023</a:t>
             </a:fld>
             <a:endParaRPr lang="ru-RU"/>
           </a:p>
@@ -1011,7 +1014,7 @@
           <a:p>
             <a:fld id="{44DFBB45-DAC6-4119-B571-663DA2F63C37}" type="datetimeFigureOut">
               <a:rPr lang="ru-RU" smtClean="0"/>
-              <a:t>28.05.2023</a:t>
+              <a:t>30.05.2023</a:t>
             </a:fld>
             <a:endParaRPr lang="ru-RU"/>
           </a:p>
@@ -1240,7 +1243,7 @@
           <a:p>
             <a:fld id="{44DFBB45-DAC6-4119-B571-663DA2F63C37}" type="datetimeFigureOut">
               <a:rPr lang="ru-RU" smtClean="0"/>
-              <a:t>28.05.2023</a:t>
+              <a:t>30.05.2023</a:t>
             </a:fld>
             <a:endParaRPr lang="ru-RU"/>
           </a:p>
@@ -1604,7 +1607,7 @@
           <a:p>
             <a:fld id="{44DFBB45-DAC6-4119-B571-663DA2F63C37}" type="datetimeFigureOut">
               <a:rPr lang="ru-RU" smtClean="0"/>
-              <a:t>28.05.2023</a:t>
+              <a:t>30.05.2023</a:t>
             </a:fld>
             <a:endParaRPr lang="ru-RU"/>
           </a:p>
@@ -1721,7 +1724,7 @@
           <a:p>
             <a:fld id="{44DFBB45-DAC6-4119-B571-663DA2F63C37}" type="datetimeFigureOut">
               <a:rPr lang="ru-RU" smtClean="0"/>
-              <a:t>28.05.2023</a:t>
+              <a:t>30.05.2023</a:t>
             </a:fld>
             <a:endParaRPr lang="ru-RU"/>
           </a:p>
@@ -1816,7 +1819,7 @@
           <a:p>
             <a:fld id="{44DFBB45-DAC6-4119-B571-663DA2F63C37}" type="datetimeFigureOut">
               <a:rPr lang="ru-RU" smtClean="0"/>
-              <a:t>28.05.2023</a:t>
+              <a:t>30.05.2023</a:t>
             </a:fld>
             <a:endParaRPr lang="ru-RU"/>
           </a:p>
@@ -2091,7 +2094,7 @@
           <a:p>
             <a:fld id="{44DFBB45-DAC6-4119-B571-663DA2F63C37}" type="datetimeFigureOut">
               <a:rPr lang="ru-RU" smtClean="0"/>
-              <a:t>28.05.2023</a:t>
+              <a:t>30.05.2023</a:t>
             </a:fld>
             <a:endParaRPr lang="ru-RU"/>
           </a:p>
@@ -2343,7 +2346,7 @@
           <a:p>
             <a:fld id="{44DFBB45-DAC6-4119-B571-663DA2F63C37}" type="datetimeFigureOut">
               <a:rPr lang="ru-RU" smtClean="0"/>
-              <a:t>28.05.2023</a:t>
+              <a:t>30.05.2023</a:t>
             </a:fld>
             <a:endParaRPr lang="ru-RU"/>
           </a:p>
@@ -2554,7 +2557,7 @@
           <a:p>
             <a:fld id="{44DFBB45-DAC6-4119-B571-663DA2F63C37}" type="datetimeFigureOut">
               <a:rPr lang="ru-RU" smtClean="0"/>
-              <a:t>28.05.2023</a:t>
+              <a:t>30.05.2023</a:t>
             </a:fld>
             <a:endParaRPr lang="ru-RU"/>
           </a:p>
@@ -3231,12 +3234,6 @@
               </a:rPr>
               <a:t>. Привалов Максим Владимирович</a:t>
             </a:r>
-            <a:endParaRPr lang="ru-RU" sz="1600" dirty="0">
-              <a:solidFill>
-                <a:schemeClr val="bg1"/>
-              </a:solidFill>
-              <a:latin typeface="Bahnschrift Light SemiCondensed" panose="020B0502040204020203" pitchFamily="34" charset="0"/>
-            </a:endParaRPr>
           </a:p>
         </p:txBody>
       </p:sp>
@@ -3254,7 +3251,7 @@
 </file>
 
 <file path=ppt/slides/slide10.xml><?xml version="1.0" encoding="utf-8"?>
-<p:sld xmlns:a="http://schemas.openxmlformats.org/drawingml/2006/main" xmlns:r="http://schemas.openxmlformats.org/officeDocument/2006/relationships" xmlns:p="http://schemas.openxmlformats.org/presentationml/2006/main">
+<p:sld xmlns:a="http://schemas.openxmlformats.org/drawingml/2006/main" xmlns:r="http://schemas.openxmlformats.org/officeDocument/2006/relationships" xmlns:p="http://schemas.openxmlformats.org/presentationml/2006/main" show="0">
   <p:cSld>
     <p:bg>
       <p:bgPr>
@@ -3292,70 +3289,88 @@
         </p:nvSpPr>
         <p:spPr>
           <a:xfrm>
-            <a:off x="717754" y="657602"/>
-            <a:ext cx="5515406" cy="1015663"/>
+            <a:off x="542684" y="304149"/>
+            <a:ext cx="2765501" cy="523220"/>
           </a:xfrm>
           <a:prstGeom prst="rect">
             <a:avLst/>
           </a:prstGeom>
         </p:spPr>
         <p:txBody>
-          <a:bodyPr wrap="square">
+          <a:bodyPr wrap="none">
             <a:spAutoFit/>
           </a:bodyPr>
           <a:lstStyle/>
           <a:p>
             <a:r>
-              <a:rPr lang="ru-RU" sz="3200" b="1" dirty="0">
+              <a:rPr lang="ru-RU" sz="2800" dirty="0" smtClean="0">
                 <a:solidFill>
                   <a:schemeClr val="bg1"/>
                 </a:solidFill>
                 <a:latin typeface="Bahnschrift Light SemiCondensed" panose="020B0502040204020203" pitchFamily="34" charset="0"/>
               </a:rPr>
-              <a:t>ТЕСТИРОВАНИЕ ПРИЛОЖЕНИЯ</a:t>
-            </a:r>
-            <a:r>
-              <a:rPr lang="ru-RU" sz="2800" dirty="0">
+              <a:t>Тестовый </a:t>
+            </a:r>
+            <a:r>
+              <a:rPr lang="ru-RU" sz="2800" dirty="0" err="1" smtClean="0">
                 <a:solidFill>
                   <a:schemeClr val="bg1"/>
                 </a:solidFill>
                 <a:latin typeface="Bahnschrift Light SemiCondensed" panose="020B0502040204020203" pitchFamily="34" charset="0"/>
               </a:rPr>
-              <a:t/>
-            </a:r>
-            <a:br>
-              <a:rPr lang="ru-RU" sz="2800" dirty="0">
-                <a:solidFill>
-                  <a:schemeClr val="bg1"/>
-                </a:solidFill>
-                <a:latin typeface="Bahnschrift Light SemiCondensed" panose="020B0502040204020203" pitchFamily="34" charset="0"/>
-              </a:rPr>
-            </a:br>
-            <a:r>
-              <a:rPr lang="ru-RU" sz="2800" dirty="0">
-                <a:solidFill>
-                  <a:schemeClr val="accent1">
-                    <a:lumMod val="60000"/>
-                    <a:lumOff val="40000"/>
-                  </a:schemeClr>
-                </a:solidFill>
-                <a:latin typeface="Bahnschrift Light SemiCondensed" panose="020B0502040204020203" pitchFamily="34" charset="0"/>
-              </a:rPr>
-              <a:t>(скриншоты, видео работы)</a:t>
-            </a:r>
-          </a:p>
-        </p:txBody>
-      </p:sp>
+              <a:t>датасет</a:t>
+            </a:r>
+            <a:endParaRPr lang="ru-RU" sz="2800" dirty="0">
+              <a:solidFill>
+                <a:schemeClr val="bg1"/>
+              </a:solidFill>
+              <a:latin typeface="Bahnschrift Light SemiCondensed" panose="020B0502040204020203" pitchFamily="34" charset="0"/>
+            </a:endParaRPr>
+          </a:p>
+        </p:txBody>
+      </p:sp>
+      <p:pic>
+        <p:nvPicPr>
+          <p:cNvPr id="4" name="Рисунок 3"/>
+          <p:cNvPicPr>
+            <a:picLocks noChangeAspect="1"/>
+          </p:cNvPicPr>
+          <p:nvPr/>
+        </p:nvPicPr>
+        <p:blipFill>
+          <a:blip r:embed="rId3"/>
+          <a:stretch>
+            <a:fillRect/>
+          </a:stretch>
+        </p:blipFill>
+        <p:spPr>
+          <a:xfrm>
+            <a:off x="2369497" y="1489542"/>
+            <a:ext cx="7453006" cy="3878916"/>
+          </a:xfrm>
+          <a:prstGeom prst="rect">
+            <a:avLst/>
+          </a:prstGeom>
+        </p:spPr>
+      </p:pic>
     </p:spTree>
     <p:extLst>
       <p:ext uri="{BB962C8B-B14F-4D97-AF65-F5344CB8AC3E}">
-        <p14:creationId xmlns:p14="http://schemas.microsoft.com/office/powerpoint/2010/main" val="477259009"/>
+        <p14:creationId xmlns:p14="http://schemas.microsoft.com/office/powerpoint/2010/main" val="1889419787"/>
       </p:ext>
     </p:extLst>
   </p:cSld>
   <p:clrMapOvr>
     <a:masterClrMapping/>
   </p:clrMapOvr>
+  <mc:AlternateContent xmlns:mc="http://schemas.openxmlformats.org/markup-compatibility/2006">
+    <mc:Choice xmlns:p14="http://schemas.microsoft.com/office/powerpoint/2010/main" Requires="p14">
+      <p:transition spd="slow" p14:dur="2000"/>
+    </mc:Choice>
+    <mc:Fallback>
+      <p:transition spd="slow"/>
+    </mc:Fallback>
+  </mc:AlternateContent>
   <p:timing>
     <p:tnLst>
       <p:par>
@@ -3399,14 +3414,14 @@
       </p:grpSpPr>
       <p:sp>
         <p:nvSpPr>
-          <p:cNvPr id="5" name="Прямоугольник 4"/>
+          <p:cNvPr id="9" name="Прямоугольник 8"/>
           <p:cNvSpPr/>
           <p:nvPr/>
         </p:nvSpPr>
         <p:spPr>
           <a:xfrm>
-            <a:off x="971550" y="1068715"/>
-            <a:ext cx="3768090" cy="523220"/>
+            <a:off x="1317461" y="223737"/>
+            <a:ext cx="3520362" cy="523220"/>
           </a:xfrm>
           <a:prstGeom prst="rect">
             <a:avLst/>
@@ -3428,39 +3443,30 @@
               <a:defRPr/>
             </a:pPr>
             <a:r>
-              <a:rPr lang="ru-RU" altLang="ru-RU" sz="2800" b="1" dirty="0">
+              <a:rPr lang="ru-RU" sz="2800" b="1" dirty="0">
                 <a:solidFill>
                   <a:schemeClr val="accent5">
-                    <a:lumMod val="50000"/>
+                    <a:lumMod val="75000"/>
                   </a:schemeClr>
                 </a:solidFill>
                 <a:latin typeface="Bahnschrift Light SemiCondensed" panose="020B0502040204020203" pitchFamily="34" charset="0"/>
-                <a:cs typeface="Arial" panose="020B0604020202020204" pitchFamily="34" charset="0"/>
-              </a:rPr>
-              <a:t>РЕЗУЛЬТАТЫ И ВЫВОДЫ</a:t>
-            </a:r>
-            <a:endParaRPr lang="ru-RU" sz="2800" b="1" dirty="0">
-              <a:solidFill>
-                <a:schemeClr val="accent5">
-                  <a:lumMod val="50000"/>
-                </a:schemeClr>
-              </a:solidFill>
-              <a:latin typeface="Bahnschrift Light SemiCondensed" panose="020B0502040204020203" pitchFamily="34" charset="0"/>
-              <a:cs typeface="Calibri"/>
-            </a:endParaRPr>
-          </a:p>
-        </p:txBody>
-      </p:sp>
-      <p:sp>
-        <p:nvSpPr>
-          <p:cNvPr id="6" name="TextBox 5"/>
+                <a:cs typeface="Calibri"/>
+              </a:rPr>
+              <a:t>Тестирование модели</a:t>
+            </a:r>
+          </a:p>
+        </p:txBody>
+      </p:sp>
+      <p:sp>
+        <p:nvSpPr>
+          <p:cNvPr id="2" name="TextBox 1"/>
           <p:cNvSpPr txBox="1"/>
           <p:nvPr/>
         </p:nvSpPr>
         <p:spPr>
           <a:xfrm>
-            <a:off x="971550" y="1962150"/>
-            <a:ext cx="5987537" cy="646331"/>
+            <a:off x="2738335" y="1885094"/>
+            <a:ext cx="6410528" cy="646331"/>
           </a:xfrm>
           <a:prstGeom prst="rect">
             <a:avLst/>
@@ -3468,44 +3474,63 @@
           <a:noFill/>
         </p:spPr>
         <p:txBody>
-          <a:bodyPr wrap="none" rtlCol="0">
+          <a:bodyPr wrap="square" rtlCol="0">
             <a:spAutoFit/>
           </a:bodyPr>
           <a:lstStyle/>
           <a:p>
             <a:r>
-              <a:rPr lang="ru-RU" altLang="ru-RU" dirty="0">
-                <a:solidFill>
-                  <a:schemeClr val="accent5">
-                    <a:lumMod val="75000"/>
-                  </a:schemeClr>
-                </a:solidFill>
-                <a:latin typeface="Bahnschrift Light SemiCondensed" panose="020B0502040204020203" pitchFamily="34" charset="0"/>
-                <a:cs typeface="Times New Roman" panose="02020603050405020304" pitchFamily="18" charset="0"/>
-              </a:rPr>
-              <a:t>Результаты должны совпадать с задачами и целью проекта. </a:t>
-            </a:r>
-          </a:p>
-          <a:p>
-            <a:r>
-              <a:rPr lang="ru-RU" altLang="ru-RU" dirty="0">
-                <a:solidFill>
-                  <a:schemeClr val="accent5">
-                    <a:lumMod val="75000"/>
-                  </a:schemeClr>
-                </a:solidFill>
-                <a:latin typeface="Bahnschrift Light SemiCondensed" panose="020B0502040204020203" pitchFamily="34" charset="0"/>
-                <a:cs typeface="Times New Roman" panose="02020603050405020304" pitchFamily="18" charset="0"/>
-              </a:rPr>
-              <a:t>В выводе делается заключение о степени решения проблемы.</a:t>
-            </a:r>
-          </a:p>
-        </p:txBody>
-      </p:sp>
+              <a:rPr lang="ru-RU" dirty="0" smtClean="0">
+                <a:latin typeface="Bahnschrift" panose="020B0502040204020203" pitchFamily="34" charset="0"/>
+              </a:rPr>
+              <a:t>Для каждого сотрудника сформируем </a:t>
+            </a:r>
+            <a:r>
+              <a:rPr lang="ru-RU" dirty="0" err="1" smtClean="0">
+                <a:latin typeface="Bahnschrift" panose="020B0502040204020203" pitchFamily="34" charset="0"/>
+              </a:rPr>
+              <a:t>эмбеддинг</a:t>
+            </a:r>
+            <a:r>
+              <a:rPr lang="ru-RU" dirty="0" smtClean="0">
+                <a:latin typeface="Bahnschrift" panose="020B0502040204020203" pitchFamily="34" charset="0"/>
+              </a:rPr>
+              <a:t>, описывающий признаки его лица.</a:t>
+            </a:r>
+            <a:endParaRPr lang="ru-RU" dirty="0">
+              <a:latin typeface="Bahnschrift" panose="020B0502040204020203" pitchFamily="34" charset="0"/>
+            </a:endParaRPr>
+          </a:p>
+        </p:txBody>
+      </p:sp>
+      <p:pic>
+        <p:nvPicPr>
+          <p:cNvPr id="5" name="Рисунок 4"/>
+          <p:cNvPicPr>
+            <a:picLocks noChangeAspect="1"/>
+          </p:cNvPicPr>
+          <p:nvPr/>
+        </p:nvPicPr>
+        <p:blipFill>
+          <a:blip r:embed="rId3"/>
+          <a:stretch>
+            <a:fillRect/>
+          </a:stretch>
+        </p:blipFill>
+        <p:spPr>
+          <a:xfrm>
+            <a:off x="2738335" y="2602257"/>
+            <a:ext cx="5921253" cy="3132091"/>
+          </a:xfrm>
+          <a:prstGeom prst="rect">
+            <a:avLst/>
+          </a:prstGeom>
+        </p:spPr>
+      </p:pic>
     </p:spTree>
     <p:extLst>
       <p:ext uri="{BB962C8B-B14F-4D97-AF65-F5344CB8AC3E}">
-        <p14:creationId xmlns:p14="http://schemas.microsoft.com/office/powerpoint/2010/main" val="589772208"/>
+        <p14:creationId xmlns:p14="http://schemas.microsoft.com/office/powerpoint/2010/main" val="4047632449"/>
       </p:ext>
     </p:extLst>
   </p:cSld>
@@ -3555,6 +3580,436 @@
       </p:grpSpPr>
       <p:sp>
         <p:nvSpPr>
+          <p:cNvPr id="9" name="Прямоугольник 8"/>
+          <p:cNvSpPr/>
+          <p:nvPr/>
+        </p:nvSpPr>
+        <p:spPr>
+          <a:xfrm>
+            <a:off x="1317461" y="223737"/>
+            <a:ext cx="3520362" cy="523220"/>
+          </a:xfrm>
+          <a:prstGeom prst="rect">
+            <a:avLst/>
+          </a:prstGeom>
+        </p:spPr>
+        <p:txBody>
+          <a:bodyPr wrap="square">
+            <a:spAutoFit/>
+          </a:bodyPr>
+          <a:lstStyle/>
+          <a:p>
+            <a:pPr fontAlgn="auto">
+              <a:spcBef>
+                <a:spcPts val="0"/>
+              </a:spcBef>
+              <a:spcAft>
+                <a:spcPts val="0"/>
+              </a:spcAft>
+              <a:defRPr/>
+            </a:pPr>
+            <a:r>
+              <a:rPr lang="ru-RU" sz="2800" b="1" dirty="0">
+                <a:solidFill>
+                  <a:schemeClr val="accent5">
+                    <a:lumMod val="75000"/>
+                  </a:schemeClr>
+                </a:solidFill>
+                <a:latin typeface="Bahnschrift Light SemiCondensed" panose="020B0502040204020203" pitchFamily="34" charset="0"/>
+                <a:cs typeface="Calibri"/>
+              </a:rPr>
+              <a:t>Тестирование модели</a:t>
+            </a:r>
+          </a:p>
+        </p:txBody>
+      </p:sp>
+      <p:sp>
+        <p:nvSpPr>
+          <p:cNvPr id="2" name="TextBox 1"/>
+          <p:cNvSpPr txBox="1"/>
+          <p:nvPr/>
+        </p:nvSpPr>
+        <p:spPr>
+          <a:xfrm>
+            <a:off x="2738335" y="1885094"/>
+            <a:ext cx="6410528" cy="646331"/>
+          </a:xfrm>
+          <a:prstGeom prst="rect">
+            <a:avLst/>
+          </a:prstGeom>
+          <a:noFill/>
+        </p:spPr>
+        <p:txBody>
+          <a:bodyPr wrap="square" rtlCol="0">
+            <a:spAutoFit/>
+          </a:bodyPr>
+          <a:lstStyle/>
+          <a:p>
+            <a:r>
+              <a:rPr lang="ru-RU" dirty="0" smtClean="0">
+                <a:latin typeface="Bahnschrift" panose="020B0502040204020203" pitchFamily="34" charset="0"/>
+              </a:rPr>
+              <a:t>Обучим классификатор на тренировочной выборке и оценим точность на тестовой</a:t>
+            </a:r>
+            <a:endParaRPr lang="ru-RU" dirty="0">
+              <a:latin typeface="Bahnschrift" panose="020B0502040204020203" pitchFamily="34" charset="0"/>
+            </a:endParaRPr>
+          </a:p>
+        </p:txBody>
+      </p:sp>
+      <p:pic>
+        <p:nvPicPr>
+          <p:cNvPr id="4" name="Рисунок 3"/>
+          <p:cNvPicPr>
+            <a:picLocks noChangeAspect="1"/>
+          </p:cNvPicPr>
+          <p:nvPr/>
+        </p:nvPicPr>
+        <p:blipFill>
+          <a:blip r:embed="rId3"/>
+          <a:stretch>
+            <a:fillRect/>
+          </a:stretch>
+        </p:blipFill>
+        <p:spPr>
+          <a:xfrm>
+            <a:off x="1692612" y="2694598"/>
+            <a:ext cx="8058133" cy="974964"/>
+          </a:xfrm>
+          <a:prstGeom prst="rect">
+            <a:avLst/>
+          </a:prstGeom>
+        </p:spPr>
+      </p:pic>
+    </p:spTree>
+    <p:extLst>
+      <p:ext uri="{BB962C8B-B14F-4D97-AF65-F5344CB8AC3E}">
+        <p14:creationId xmlns:p14="http://schemas.microsoft.com/office/powerpoint/2010/main" val="2126926154"/>
+      </p:ext>
+    </p:extLst>
+  </p:cSld>
+  <p:clrMapOvr>
+    <a:masterClrMapping/>
+  </p:clrMapOvr>
+  <p:timing>
+    <p:tnLst>
+      <p:par>
+        <p:cTn id="1" dur="indefinite" restart="never" nodeType="tmRoot"/>
+      </p:par>
+    </p:tnLst>
+  </p:timing>
+</p:sld>
+</file>
+
+<file path=ppt/slides/slide13.xml><?xml version="1.0" encoding="utf-8"?>
+<p:sld xmlns:a="http://schemas.openxmlformats.org/drawingml/2006/main" xmlns:r="http://schemas.openxmlformats.org/officeDocument/2006/relationships" xmlns:p="http://schemas.openxmlformats.org/presentationml/2006/main">
+  <p:cSld>
+    <p:bg>
+      <p:bgPr>
+        <a:blipFill dpi="0" rotWithShape="1">
+          <a:blip r:embed="rId2">
+            <a:lum/>
+          </a:blip>
+          <a:srcRect/>
+          <a:stretch>
+            <a:fillRect/>
+          </a:stretch>
+        </a:blipFill>
+        <a:effectLst/>
+      </p:bgPr>
+    </p:bg>
+    <p:spTree>
+      <p:nvGrpSpPr>
+        <p:cNvPr id="1" name=""/>
+        <p:cNvGrpSpPr/>
+        <p:nvPr/>
+      </p:nvGrpSpPr>
+      <p:grpSpPr>
+        <a:xfrm>
+          <a:off x="0" y="0"/>
+          <a:ext cx="0" cy="0"/>
+          <a:chOff x="0" y="0"/>
+          <a:chExt cx="0" cy="0"/>
+        </a:xfrm>
+      </p:grpSpPr>
+      <p:sp>
+        <p:nvSpPr>
+          <p:cNvPr id="9" name="Прямоугольник 8"/>
+          <p:cNvSpPr/>
+          <p:nvPr/>
+        </p:nvSpPr>
+        <p:spPr>
+          <a:xfrm>
+            <a:off x="1317461" y="223737"/>
+            <a:ext cx="3520362" cy="523220"/>
+          </a:xfrm>
+          <a:prstGeom prst="rect">
+            <a:avLst/>
+          </a:prstGeom>
+        </p:spPr>
+        <p:txBody>
+          <a:bodyPr wrap="square">
+            <a:spAutoFit/>
+          </a:bodyPr>
+          <a:lstStyle/>
+          <a:p>
+            <a:pPr fontAlgn="auto">
+              <a:spcBef>
+                <a:spcPts val="0"/>
+              </a:spcBef>
+              <a:spcAft>
+                <a:spcPts val="0"/>
+              </a:spcAft>
+              <a:defRPr/>
+            </a:pPr>
+            <a:r>
+              <a:rPr lang="ru-RU" sz="2800" b="1" dirty="0">
+                <a:solidFill>
+                  <a:schemeClr val="accent5">
+                    <a:lumMod val="75000"/>
+                  </a:schemeClr>
+                </a:solidFill>
+                <a:latin typeface="Bahnschrift Light SemiCondensed" panose="020B0502040204020203" pitchFamily="34" charset="0"/>
+                <a:cs typeface="Calibri"/>
+              </a:rPr>
+              <a:t>Тестирование модели</a:t>
+            </a:r>
+          </a:p>
+        </p:txBody>
+      </p:sp>
+      <p:pic>
+        <p:nvPicPr>
+          <p:cNvPr id="3" name="Рисунок 2"/>
+          <p:cNvPicPr>
+            <a:picLocks noChangeAspect="1"/>
+          </p:cNvPicPr>
+          <p:nvPr/>
+        </p:nvPicPr>
+        <p:blipFill>
+          <a:blip r:embed="rId3"/>
+          <a:stretch>
+            <a:fillRect/>
+          </a:stretch>
+        </p:blipFill>
+        <p:spPr>
+          <a:xfrm>
+            <a:off x="1038303" y="1059693"/>
+            <a:ext cx="10348857" cy="4991533"/>
+          </a:xfrm>
+          <a:prstGeom prst="rect">
+            <a:avLst/>
+          </a:prstGeom>
+        </p:spPr>
+      </p:pic>
+    </p:spTree>
+    <p:extLst>
+      <p:ext uri="{BB962C8B-B14F-4D97-AF65-F5344CB8AC3E}">
+        <p14:creationId xmlns:p14="http://schemas.microsoft.com/office/powerpoint/2010/main" val="3123754232"/>
+      </p:ext>
+    </p:extLst>
+  </p:cSld>
+  <p:clrMapOvr>
+    <a:masterClrMapping/>
+  </p:clrMapOvr>
+  <p:timing>
+    <p:tnLst>
+      <p:par>
+        <p:cTn id="1" dur="indefinite" restart="never" nodeType="tmRoot"/>
+      </p:par>
+    </p:tnLst>
+  </p:timing>
+</p:sld>
+</file>
+
+<file path=ppt/slides/slide14.xml><?xml version="1.0" encoding="utf-8"?>
+<p:sld xmlns:a="http://schemas.openxmlformats.org/drawingml/2006/main" xmlns:r="http://schemas.openxmlformats.org/officeDocument/2006/relationships" xmlns:p="http://schemas.openxmlformats.org/presentationml/2006/main">
+  <p:cSld>
+    <p:bg>
+      <p:bgPr>
+        <a:blipFill dpi="0" rotWithShape="1">
+          <a:blip r:embed="rId2">
+            <a:lum/>
+          </a:blip>
+          <a:srcRect/>
+          <a:stretch>
+            <a:fillRect/>
+          </a:stretch>
+        </a:blipFill>
+        <a:effectLst/>
+      </p:bgPr>
+    </p:bg>
+    <p:spTree>
+      <p:nvGrpSpPr>
+        <p:cNvPr id="1" name=""/>
+        <p:cNvGrpSpPr/>
+        <p:nvPr/>
+      </p:nvGrpSpPr>
+      <p:grpSpPr>
+        <a:xfrm>
+          <a:off x="0" y="0"/>
+          <a:ext cx="0" cy="0"/>
+          <a:chOff x="0" y="0"/>
+          <a:chExt cx="0" cy="0"/>
+        </a:xfrm>
+      </p:grpSpPr>
+      <p:sp>
+        <p:nvSpPr>
+          <p:cNvPr id="5" name="Прямоугольник 4"/>
+          <p:cNvSpPr/>
+          <p:nvPr/>
+        </p:nvSpPr>
+        <p:spPr>
+          <a:xfrm>
+            <a:off x="971550" y="1068715"/>
+            <a:ext cx="3768090" cy="523220"/>
+          </a:xfrm>
+          <a:prstGeom prst="rect">
+            <a:avLst/>
+          </a:prstGeom>
+        </p:spPr>
+        <p:txBody>
+          <a:bodyPr wrap="square">
+            <a:spAutoFit/>
+          </a:bodyPr>
+          <a:lstStyle/>
+          <a:p>
+            <a:pPr fontAlgn="auto">
+              <a:spcBef>
+                <a:spcPts val="0"/>
+              </a:spcBef>
+              <a:spcAft>
+                <a:spcPts val="0"/>
+              </a:spcAft>
+              <a:defRPr/>
+            </a:pPr>
+            <a:r>
+              <a:rPr lang="ru-RU" altLang="ru-RU" sz="2800" b="1" dirty="0">
+                <a:solidFill>
+                  <a:schemeClr val="accent5">
+                    <a:lumMod val="50000"/>
+                  </a:schemeClr>
+                </a:solidFill>
+                <a:latin typeface="Bahnschrift Light SemiCondensed" panose="020B0502040204020203" pitchFamily="34" charset="0"/>
+                <a:cs typeface="Arial" panose="020B0604020202020204" pitchFamily="34" charset="0"/>
+              </a:rPr>
+              <a:t>РЕЗУЛЬТАТЫ И ВЫВОДЫ</a:t>
+            </a:r>
+            <a:endParaRPr lang="ru-RU" sz="2800" b="1" dirty="0">
+              <a:solidFill>
+                <a:schemeClr val="accent5">
+                  <a:lumMod val="50000"/>
+                </a:schemeClr>
+              </a:solidFill>
+              <a:latin typeface="Bahnschrift Light SemiCondensed" panose="020B0502040204020203" pitchFamily="34" charset="0"/>
+              <a:cs typeface="Calibri"/>
+            </a:endParaRPr>
+          </a:p>
+        </p:txBody>
+      </p:sp>
+      <p:sp>
+        <p:nvSpPr>
+          <p:cNvPr id="6" name="TextBox 5"/>
+          <p:cNvSpPr txBox="1"/>
+          <p:nvPr/>
+        </p:nvSpPr>
+        <p:spPr>
+          <a:xfrm>
+            <a:off x="971550" y="1962150"/>
+            <a:ext cx="5987537" cy="646331"/>
+          </a:xfrm>
+          <a:prstGeom prst="rect">
+            <a:avLst/>
+          </a:prstGeom>
+          <a:noFill/>
+        </p:spPr>
+        <p:txBody>
+          <a:bodyPr wrap="none" rtlCol="0">
+            <a:spAutoFit/>
+          </a:bodyPr>
+          <a:lstStyle/>
+          <a:p>
+            <a:r>
+              <a:rPr lang="ru-RU" altLang="ru-RU" dirty="0">
+                <a:solidFill>
+                  <a:schemeClr val="accent5">
+                    <a:lumMod val="75000"/>
+                  </a:schemeClr>
+                </a:solidFill>
+                <a:latin typeface="Bahnschrift Light SemiCondensed" panose="020B0502040204020203" pitchFamily="34" charset="0"/>
+                <a:cs typeface="Times New Roman" panose="02020603050405020304" pitchFamily="18" charset="0"/>
+              </a:rPr>
+              <a:t>Результаты должны совпадать с задачами и целью проекта. </a:t>
+            </a:r>
+          </a:p>
+          <a:p>
+            <a:r>
+              <a:rPr lang="ru-RU" altLang="ru-RU" dirty="0">
+                <a:solidFill>
+                  <a:schemeClr val="accent5">
+                    <a:lumMod val="75000"/>
+                  </a:schemeClr>
+                </a:solidFill>
+                <a:latin typeface="Bahnschrift Light SemiCondensed" panose="020B0502040204020203" pitchFamily="34" charset="0"/>
+                <a:cs typeface="Times New Roman" panose="02020603050405020304" pitchFamily="18" charset="0"/>
+              </a:rPr>
+              <a:t>В выводе делается заключение о степени решения проблемы.</a:t>
+            </a:r>
+          </a:p>
+        </p:txBody>
+      </p:sp>
+    </p:spTree>
+    <p:extLst>
+      <p:ext uri="{BB962C8B-B14F-4D97-AF65-F5344CB8AC3E}">
+        <p14:creationId xmlns:p14="http://schemas.microsoft.com/office/powerpoint/2010/main" val="589772208"/>
+      </p:ext>
+    </p:extLst>
+  </p:cSld>
+  <p:clrMapOvr>
+    <a:masterClrMapping/>
+  </p:clrMapOvr>
+  <p:timing>
+    <p:tnLst>
+      <p:par>
+        <p:cTn id="1" dur="indefinite" restart="never" nodeType="tmRoot"/>
+      </p:par>
+    </p:tnLst>
+  </p:timing>
+</p:sld>
+</file>
+
+<file path=ppt/slides/slide15.xml><?xml version="1.0" encoding="utf-8"?>
+<p:sld xmlns:a="http://schemas.openxmlformats.org/drawingml/2006/main" xmlns:r="http://schemas.openxmlformats.org/officeDocument/2006/relationships" xmlns:p="http://schemas.openxmlformats.org/presentationml/2006/main">
+  <p:cSld>
+    <p:bg>
+      <p:bgPr>
+        <a:blipFill dpi="0" rotWithShape="1">
+          <a:blip r:embed="rId2">
+            <a:lum/>
+          </a:blip>
+          <a:srcRect/>
+          <a:stretch>
+            <a:fillRect/>
+          </a:stretch>
+        </a:blipFill>
+        <a:effectLst/>
+      </p:bgPr>
+    </p:bg>
+    <p:spTree>
+      <p:nvGrpSpPr>
+        <p:cNvPr id="1" name=""/>
+        <p:cNvGrpSpPr/>
+        <p:nvPr/>
+      </p:nvGrpSpPr>
+      <p:grpSpPr>
+        <a:xfrm>
+          <a:off x="0" y="0"/>
+          <a:ext cx="0" cy="0"/>
+          <a:chOff x="0" y="0"/>
+          <a:chExt cx="0" cy="0"/>
+        </a:xfrm>
+      </p:grpSpPr>
+      <p:sp>
+        <p:nvSpPr>
           <p:cNvPr id="3" name="Прямоугольник 2"/>
           <p:cNvSpPr/>
           <p:nvPr/>
@@ -3967,19 +4422,7 @@
                 </a:solidFill>
                 <a:latin typeface="Bahnschrift Light SemiCondensed" panose="020B0502040204020203" pitchFamily="34" charset="0"/>
               </a:rPr>
-              <a:t>   </a:t>
-            </a:r>
-            <a:r>
-              <a:rPr lang="ru-RU" sz="2800" dirty="0" smtClean="0">
-                <a:solidFill>
-                  <a:schemeClr val="accent1">
-                    <a:lumMod val="60000"/>
-                    <a:lumOff val="40000"/>
-                  </a:schemeClr>
-                </a:solidFill>
-                <a:latin typeface="Bahnschrift Light SemiCondensed" panose="020B0502040204020203" pitchFamily="34" charset="0"/>
-              </a:rPr>
-              <a:t>– Точность </a:t>
+              <a:t>   – Точность </a:t>
             </a:r>
           </a:p>
           <a:p>
@@ -4010,19 +4453,7 @@
                 </a:solidFill>
                 <a:latin typeface="Bahnschrift Light SemiCondensed" panose="020B0502040204020203" pitchFamily="34" charset="0"/>
               </a:rPr>
-              <a:t>   </a:t>
-            </a:r>
-            <a:r>
-              <a:rPr lang="ru-RU" sz="2800" dirty="0" smtClean="0">
-                <a:solidFill>
-                  <a:schemeClr val="accent1">
-                    <a:lumMod val="60000"/>
-                    <a:lumOff val="40000"/>
-                  </a:schemeClr>
-                </a:solidFill>
-                <a:latin typeface="Bahnschrift Light SemiCondensed" panose="020B0502040204020203" pitchFamily="34" charset="0"/>
-              </a:rPr>
-              <a:t>- Эффективность</a:t>
+              <a:t>   - Эффективность</a:t>
             </a:r>
           </a:p>
         </p:txBody>
@@ -4330,56 +4761,268 @@
       </p:grpSpPr>
       <p:sp>
         <p:nvSpPr>
-          <p:cNvPr id="3" name="Прямоугольник 2"/>
+          <p:cNvPr id="9" name="Прямоугольник 8"/>
           <p:cNvSpPr/>
           <p:nvPr/>
         </p:nvSpPr>
         <p:spPr>
           <a:xfrm>
-            <a:off x="844242" y="615434"/>
-            <a:ext cx="5216493" cy="523220"/>
+            <a:off x="1576433" y="168170"/>
+            <a:ext cx="2990850" cy="523220"/>
           </a:xfrm>
           <a:prstGeom prst="rect">
             <a:avLst/>
           </a:prstGeom>
         </p:spPr>
         <p:txBody>
-          <a:bodyPr wrap="none">
+          <a:bodyPr wrap="square">
             <a:spAutoFit/>
           </a:bodyPr>
           <a:lstStyle/>
           <a:p>
-            <a:r>
-              <a:rPr lang="ru-RU" sz="2800" dirty="0">
-                <a:solidFill>
-                  <a:schemeClr val="bg1"/>
-                </a:solidFill>
-                <a:latin typeface="Bahnschrift Light SemiCondensed" panose="020B0502040204020203" pitchFamily="34" charset="0"/>
-              </a:rPr>
-              <a:t>Входные данные проекта: </a:t>
-            </a:r>
-            <a:r>
-              <a:rPr lang="ru-RU" sz="2800" dirty="0" err="1">
-                <a:solidFill>
-                  <a:schemeClr val="bg1"/>
-                </a:solidFill>
-                <a:latin typeface="Bahnschrift Light SemiCondensed" panose="020B0502040204020203" pitchFamily="34" charset="0"/>
-              </a:rPr>
-              <a:t>датасет</a:t>
-            </a:r>
-            <a:endParaRPr lang="ru-RU" sz="2800" dirty="0">
-              <a:solidFill>
-                <a:schemeClr val="bg1"/>
-              </a:solidFill>
+            <a:pPr fontAlgn="auto">
+              <a:spcBef>
+                <a:spcPts val="0"/>
+              </a:spcBef>
+              <a:spcAft>
+                <a:spcPts val="0"/>
+              </a:spcAft>
+              <a:defRPr/>
+            </a:pPr>
+            <a:r>
+              <a:rPr lang="ru-RU" sz="2800" b="1" dirty="0">
+                <a:solidFill>
+                  <a:schemeClr val="accent5">
+                    <a:lumMod val="75000"/>
+                  </a:schemeClr>
+                </a:solidFill>
+                <a:latin typeface="Bahnschrift Light SemiCondensed" panose="020B0502040204020203" pitchFamily="34" charset="0"/>
+                <a:cs typeface="Calibri"/>
+              </a:rPr>
+              <a:t>Описание модели</a:t>
+            </a:r>
+          </a:p>
+        </p:txBody>
+      </p:sp>
+      <p:sp>
+        <p:nvSpPr>
+          <p:cNvPr id="2" name="TextBox 1"/>
+          <p:cNvSpPr txBox="1"/>
+          <p:nvPr/>
+        </p:nvSpPr>
+        <p:spPr>
+          <a:xfrm>
+            <a:off x="1576433" y="827500"/>
+            <a:ext cx="8727440" cy="1938992"/>
+          </a:xfrm>
+          <a:prstGeom prst="rect">
+            <a:avLst/>
+          </a:prstGeom>
+          <a:noFill/>
+        </p:spPr>
+        <p:txBody>
+          <a:bodyPr wrap="square" rtlCol="0">
+            <a:spAutoFit/>
+          </a:bodyPr>
+          <a:lstStyle/>
+          <a:p>
+            <a:pPr marL="285750" indent="-285750">
+              <a:buFont typeface="Arial" panose="020B0604020202020204" pitchFamily="34" charset="0"/>
+              <a:buChar char="•"/>
+            </a:pPr>
+            <a:r>
+              <a:rPr lang="ru-RU" sz="2400" dirty="0" smtClean="0">
+                <a:latin typeface="Bahnschrift Light SemiCondensed" panose="020B0502040204020203" pitchFamily="34" charset="0"/>
+              </a:rPr>
+              <a:t>Обнаружение </a:t>
+            </a:r>
+            <a:r>
+              <a:rPr lang="ru-RU" sz="2400" dirty="0">
+                <a:latin typeface="Bahnschrift Light SemiCondensed" panose="020B0502040204020203" pitchFamily="34" charset="0"/>
+              </a:rPr>
+              <a:t>лица с помощью </a:t>
+            </a:r>
+            <a:r>
+              <a:rPr lang="en-US" sz="2400" dirty="0">
+                <a:latin typeface="Bahnschrift Light SemiCondensed" panose="020B0502040204020203" pitchFamily="34" charset="0"/>
+              </a:rPr>
+              <a:t>HOG</a:t>
+            </a:r>
+            <a:r>
+              <a:rPr lang="ru-RU" sz="2400" dirty="0" smtClean="0">
+                <a:latin typeface="Bahnschrift Light SemiCondensed" panose="020B0502040204020203" pitchFamily="34" charset="0"/>
+              </a:rPr>
+              <a:t>-детектора;</a:t>
+            </a:r>
+          </a:p>
+          <a:p>
+            <a:pPr marL="285750" indent="-285750">
+              <a:buFont typeface="Arial" panose="020B0604020202020204" pitchFamily="34" charset="0"/>
+              <a:buChar char="•"/>
+            </a:pPr>
+            <a:r>
+              <a:rPr lang="ru-RU" sz="2400" dirty="0" smtClean="0">
+                <a:latin typeface="Bahnschrift Light SemiCondensed" panose="020B0502040204020203" pitchFamily="34" charset="0"/>
+              </a:rPr>
+              <a:t>Выравнивание </a:t>
+            </a:r>
+            <a:r>
+              <a:rPr lang="ru-RU" sz="2400" dirty="0">
+                <a:latin typeface="Bahnschrift Light SemiCondensed" panose="020B0502040204020203" pitchFamily="34" charset="0"/>
+              </a:rPr>
+              <a:t>лица на основе ключевых </a:t>
+            </a:r>
+            <a:r>
+              <a:rPr lang="ru-RU" sz="2400" dirty="0" smtClean="0">
+                <a:latin typeface="Bahnschrift Light SemiCondensed" panose="020B0502040204020203" pitchFamily="34" charset="0"/>
+              </a:rPr>
+              <a:t>точек;</a:t>
+            </a:r>
+          </a:p>
+          <a:p>
+            <a:pPr marL="285750" indent="-285750">
+              <a:buFont typeface="Arial" panose="020B0604020202020204" pitchFamily="34" charset="0"/>
+              <a:buChar char="•"/>
+            </a:pPr>
+            <a:r>
+              <a:rPr lang="ru-RU" sz="2400" dirty="0" smtClean="0">
+                <a:latin typeface="Bahnschrift Light SemiCondensed" panose="020B0502040204020203" pitchFamily="34" charset="0"/>
+              </a:rPr>
+              <a:t>Извлечение </a:t>
+            </a:r>
+            <a:r>
+              <a:rPr lang="ru-RU" sz="2400" dirty="0">
+                <a:latin typeface="Bahnschrift Light SemiCondensed" panose="020B0502040204020203" pitchFamily="34" charset="0"/>
+              </a:rPr>
+              <a:t>признаков с помощью </a:t>
+            </a:r>
+            <a:r>
+              <a:rPr lang="ru-RU" sz="2400" dirty="0" err="1">
+                <a:latin typeface="Bahnschrift Light SemiCondensed" panose="020B0502040204020203" pitchFamily="34" charset="0"/>
+              </a:rPr>
+              <a:t>предобученной</a:t>
+            </a:r>
+            <a:r>
+              <a:rPr lang="ru-RU" sz="2400" dirty="0">
+                <a:latin typeface="Bahnschrift Light SemiCondensed" panose="020B0502040204020203" pitchFamily="34" charset="0"/>
+              </a:rPr>
+              <a:t> </a:t>
+            </a:r>
+            <a:r>
+              <a:rPr lang="ru-RU" sz="2400" dirty="0" err="1">
+                <a:latin typeface="Bahnschrift Light SemiCondensed" panose="020B0502040204020203" pitchFamily="34" charset="0"/>
+              </a:rPr>
+              <a:t>сверточной</a:t>
+            </a:r>
+            <a:r>
+              <a:rPr lang="ru-RU" sz="2400" dirty="0">
+                <a:latin typeface="Bahnschrift Light SemiCondensed" panose="020B0502040204020203" pitchFamily="34" charset="0"/>
+              </a:rPr>
+              <a:t> </a:t>
+            </a:r>
+            <a:r>
+              <a:rPr lang="ru-RU" sz="2400" dirty="0" err="1">
+                <a:latin typeface="Bahnschrift Light SemiCondensed" panose="020B0502040204020203" pitchFamily="34" charset="0"/>
+              </a:rPr>
+              <a:t>нейросети</a:t>
+            </a:r>
+            <a:r>
+              <a:rPr lang="ru-RU" sz="2400" dirty="0">
+                <a:latin typeface="Bahnschrift Light SemiCondensed" panose="020B0502040204020203" pitchFamily="34" charset="0"/>
+              </a:rPr>
+              <a:t> </a:t>
+            </a:r>
+            <a:r>
+              <a:rPr lang="en-US" sz="2400" dirty="0">
+                <a:latin typeface="Bahnschrift Light SemiCondensed" panose="020B0502040204020203" pitchFamily="34" charset="0"/>
+              </a:rPr>
+              <a:t>VGG</a:t>
+            </a:r>
+            <a:r>
+              <a:rPr lang="ru-RU" sz="2400" dirty="0">
+                <a:latin typeface="Bahnschrift Light SemiCondensed" panose="020B0502040204020203" pitchFamily="34" charset="0"/>
+              </a:rPr>
+              <a:t>16;</a:t>
+            </a:r>
+          </a:p>
+          <a:p>
+            <a:pPr marL="285750" indent="-285750">
+              <a:buFont typeface="Arial" panose="020B0604020202020204" pitchFamily="34" charset="0"/>
+              <a:buChar char="•"/>
+            </a:pPr>
+            <a:r>
+              <a:rPr lang="ru-RU" sz="2400" dirty="0">
+                <a:latin typeface="Bahnschrift Light SemiCondensed" panose="020B0502040204020203" pitchFamily="34" charset="0"/>
+              </a:rPr>
+              <a:t>Классификация лица по </a:t>
+            </a:r>
+            <a:r>
+              <a:rPr lang="ru-RU" sz="2400" dirty="0" err="1">
+                <a:latin typeface="Bahnschrift Light SemiCondensed" panose="020B0502040204020203" pitchFamily="34" charset="0"/>
+              </a:rPr>
+              <a:t>эмбеддингу</a:t>
+            </a:r>
+            <a:r>
+              <a:rPr lang="ru-RU" sz="2400" dirty="0">
+                <a:latin typeface="Bahnschrift Light SemiCondensed" panose="020B0502040204020203" pitchFamily="34" charset="0"/>
+              </a:rPr>
+              <a:t> с помощью </a:t>
+            </a:r>
+            <a:r>
+              <a:rPr lang="en-US" sz="2400" dirty="0">
+                <a:latin typeface="Bahnschrift Light SemiCondensed" panose="020B0502040204020203" pitchFamily="34" charset="0"/>
+              </a:rPr>
+              <a:t>SVM</a:t>
+            </a:r>
+            <a:r>
+              <a:rPr lang="ru-RU" sz="2400" dirty="0" smtClean="0">
+                <a:latin typeface="Bahnschrift Light SemiCondensed" panose="020B0502040204020203" pitchFamily="34" charset="0"/>
+              </a:rPr>
+              <a:t>.</a:t>
+            </a:r>
+            <a:endParaRPr lang="ru-RU" sz="2400" dirty="0">
               <a:latin typeface="Bahnschrift Light SemiCondensed" panose="020B0502040204020203" pitchFamily="34" charset="0"/>
             </a:endParaRPr>
           </a:p>
         </p:txBody>
       </p:sp>
+      <p:pic>
+        <p:nvPicPr>
+          <p:cNvPr id="4" name="Рисунок 3" descr="C:\Users\danil\DataspellProjects\face_recog\project\3_Recognition\notebook_images\vgg_model.png"/>
+          <p:cNvPicPr/>
+          <p:nvPr/>
+        </p:nvPicPr>
+        <p:blipFill>
+          <a:blip r:embed="rId3" cstate="print">
+            <a:extLst>
+              <a:ext uri="{28A0092B-C50C-407E-A947-70E740481C1C}">
+                <a14:useLocalDpi xmlns:a14="http://schemas.microsoft.com/office/drawing/2010/main" val="0"/>
+              </a:ext>
+            </a:extLst>
+          </a:blip>
+          <a:srcRect/>
+          <a:stretch>
+            <a:fillRect/>
+          </a:stretch>
+        </p:blipFill>
+        <p:spPr bwMode="auto">
+          <a:xfrm>
+            <a:off x="1295997" y="3274756"/>
+            <a:ext cx="9288312" cy="2338104"/>
+          </a:xfrm>
+          <a:prstGeom prst="rect">
+            <a:avLst/>
+          </a:prstGeom>
+          <a:noFill/>
+          <a:ln>
+            <a:noFill/>
+          </a:ln>
+        </p:spPr>
+      </p:pic>
     </p:spTree>
     <p:extLst>
       <p:ext uri="{BB962C8B-B14F-4D97-AF65-F5344CB8AC3E}">
-        <p14:creationId xmlns:p14="http://schemas.microsoft.com/office/powerpoint/2010/main" val="2450886454"/>
+        <p14:creationId xmlns:p14="http://schemas.microsoft.com/office/powerpoint/2010/main" val="2020044651"/>
       </p:ext>
     </p:extLst>
   </p:cSld>
@@ -4429,14 +5072,14 @@
       </p:grpSpPr>
       <p:sp>
         <p:nvSpPr>
-          <p:cNvPr id="9" name="Прямоугольник 8"/>
+          <p:cNvPr id="3" name="Прямоугольник 2"/>
           <p:cNvSpPr/>
           <p:nvPr/>
         </p:nvSpPr>
         <p:spPr>
           <a:xfrm>
-            <a:off x="1576433" y="654553"/>
-            <a:ext cx="2990850" cy="523220"/>
+            <a:off x="717754" y="657602"/>
+            <a:ext cx="9871588" cy="523220"/>
           </a:xfrm>
           <a:prstGeom prst="rect">
             <a:avLst/>
@@ -4448,26 +5091,14 @@
           </a:bodyPr>
           <a:lstStyle/>
           <a:p>
-            <a:pPr fontAlgn="auto">
-              <a:spcBef>
-                <a:spcPts val="0"/>
-              </a:spcBef>
-              <a:spcAft>
-                <a:spcPts val="0"/>
-              </a:spcAft>
-              <a:defRPr/>
-            </a:pPr>
-            <a:r>
-              <a:rPr lang="ru-RU" sz="2800" b="1" dirty="0">
-                <a:solidFill>
-                  <a:schemeClr val="accent5">
-                    <a:lumMod val="75000"/>
-                  </a:schemeClr>
-                </a:solidFill>
-                <a:latin typeface="Bahnschrift Light SemiCondensed" panose="020B0502040204020203" pitchFamily="34" charset="0"/>
-                <a:cs typeface="Calibri"/>
-              </a:rPr>
-              <a:t>Описание модели</a:t>
+            <a:r>
+              <a:rPr lang="ru-RU" sz="2800" dirty="0">
+                <a:solidFill>
+                  <a:schemeClr val="bg1"/>
+                </a:solidFill>
+                <a:latin typeface="Bahnschrift Light SemiCondensed" panose="020B0502040204020203" pitchFamily="34" charset="0"/>
+              </a:rPr>
+              <a:t>Алгоритм применения модели</a:t>
             </a:r>
           </a:p>
         </p:txBody>
@@ -4480,8 +5111,8 @@
         </p:nvSpPr>
         <p:spPr>
           <a:xfrm>
-            <a:off x="1576433" y="2072640"/>
-            <a:ext cx="8727440" cy="1938992"/>
+            <a:off x="1361440" y="1666240"/>
+            <a:ext cx="9326880" cy="4154984"/>
           </a:xfrm>
           <a:prstGeom prst="rect">
             <a:avLst/>
@@ -4494,162 +5125,165 @@
           </a:bodyPr>
           <a:lstStyle/>
           <a:p>
-            <a:pPr marL="285750" indent="-285750">
+            <a:pPr marL="342900" indent="-342900">
               <a:buFont typeface="Arial" panose="020B0604020202020204" pitchFamily="34" charset="0"/>
               <a:buChar char="•"/>
             </a:pPr>
             <a:r>
               <a:rPr lang="ru-RU" sz="2400" dirty="0" smtClean="0">
-                <a:latin typeface="Bahnschrift Light SemiCondensed" panose="020B0502040204020203" pitchFamily="34" charset="0"/>
-              </a:rPr>
-              <a:t>Обнаружение </a:t>
+                <a:solidFill>
+                  <a:schemeClr val="bg1"/>
+                </a:solidFill>
+                <a:latin typeface="Bahnschrift" panose="020B0502040204020203" pitchFamily="34" charset="0"/>
+              </a:rPr>
+              <a:t>Формирование </a:t>
             </a:r>
             <a:r>
               <a:rPr lang="ru-RU" sz="2400" dirty="0">
-                <a:latin typeface="Bahnschrift Light SemiCondensed" panose="020B0502040204020203" pitchFamily="34" charset="0"/>
-              </a:rPr>
-              <a:t>лица с помощью </a:t>
-            </a:r>
-            <a:r>
-              <a:rPr lang="en-US" sz="2400" dirty="0">
-                <a:latin typeface="Bahnschrift Light SemiCondensed" panose="020B0502040204020203" pitchFamily="34" charset="0"/>
-              </a:rPr>
-              <a:t>HOG</a:t>
-            </a:r>
-            <a:r>
-              <a:rPr lang="ru-RU" sz="2400" dirty="0" smtClean="0">
-                <a:latin typeface="Bahnschrift Light SemiCondensed" panose="020B0502040204020203" pitchFamily="34" charset="0"/>
-              </a:rPr>
-              <a:t>-детектора;</a:t>
-            </a:r>
-          </a:p>
-          <a:p>
-            <a:pPr marL="285750" indent="-285750">
+                <a:solidFill>
+                  <a:schemeClr val="bg1"/>
+                </a:solidFill>
+                <a:latin typeface="Bahnschrift" panose="020B0502040204020203" pitchFamily="34" charset="0"/>
+              </a:rPr>
+              <a:t>множеств фотографий для тренировки и тестирования;</a:t>
+            </a:r>
+          </a:p>
+          <a:p>
+            <a:pPr marL="342900" indent="-342900">
               <a:buFont typeface="Arial" panose="020B0604020202020204" pitchFamily="34" charset="0"/>
               <a:buChar char="•"/>
             </a:pPr>
             <a:r>
-              <a:rPr lang="ru-RU" sz="2400" dirty="0" smtClean="0">
-                <a:latin typeface="Bahnschrift Light SemiCondensed" panose="020B0502040204020203" pitchFamily="34" charset="0"/>
-              </a:rPr>
-              <a:t>Выравнивание </a:t>
-            </a:r>
-            <a:r>
               <a:rPr lang="ru-RU" sz="2400" dirty="0">
-                <a:latin typeface="Bahnschrift Light SemiCondensed" panose="020B0502040204020203" pitchFamily="34" charset="0"/>
-              </a:rPr>
-              <a:t>лица на основе ключевых </a:t>
-            </a:r>
-            <a:r>
-              <a:rPr lang="ru-RU" sz="2400" dirty="0" smtClean="0">
-                <a:latin typeface="Bahnschrift Light SemiCondensed" panose="020B0502040204020203" pitchFamily="34" charset="0"/>
-              </a:rPr>
-              <a:t>точек;</a:t>
-            </a:r>
-          </a:p>
-          <a:p>
-            <a:pPr marL="285750" indent="-285750">
+                <a:solidFill>
+                  <a:schemeClr val="bg1"/>
+                </a:solidFill>
+                <a:latin typeface="Bahnschrift" panose="020B0502040204020203" pitchFamily="34" charset="0"/>
+              </a:rPr>
+              <a:t>Для каждой фотографии выполняется:</a:t>
+            </a:r>
+          </a:p>
+          <a:p>
+            <a:pPr marL="800100" lvl="1" indent="-342900">
               <a:buFont typeface="Arial" panose="020B0604020202020204" pitchFamily="34" charset="0"/>
               <a:buChar char="•"/>
             </a:pPr>
             <a:r>
-              <a:rPr lang="ru-RU" sz="2400" dirty="0" smtClean="0">
-                <a:latin typeface="Bahnschrift Light SemiCondensed" panose="020B0502040204020203" pitchFamily="34" charset="0"/>
-              </a:rPr>
-              <a:t>Извлечение </a:t>
-            </a:r>
-            <a:r>
               <a:rPr lang="ru-RU" sz="2400" dirty="0">
-                <a:latin typeface="Bahnschrift Light SemiCondensed" panose="020B0502040204020203" pitchFamily="34" charset="0"/>
-              </a:rPr>
-              <a:t>признаков с помощью </a:t>
-            </a:r>
-            <a:r>
-              <a:rPr lang="ru-RU" sz="2400" dirty="0" err="1">
-                <a:latin typeface="Bahnschrift Light SemiCondensed" panose="020B0502040204020203" pitchFamily="34" charset="0"/>
-              </a:rPr>
-              <a:t>предобученной</a:t>
-            </a:r>
-            <a:r>
-              <a:rPr lang="ru-RU" sz="2400" dirty="0">
-                <a:latin typeface="Bahnschrift Light SemiCondensed" panose="020B0502040204020203" pitchFamily="34" charset="0"/>
-              </a:rPr>
-              <a:t> </a:t>
-            </a:r>
-            <a:r>
-              <a:rPr lang="ru-RU" sz="2400" dirty="0" err="1">
-                <a:latin typeface="Bahnschrift Light SemiCondensed" panose="020B0502040204020203" pitchFamily="34" charset="0"/>
-              </a:rPr>
-              <a:t>сверточной</a:t>
-            </a:r>
-            <a:r>
-              <a:rPr lang="ru-RU" sz="2400" dirty="0">
-                <a:latin typeface="Bahnschrift Light SemiCondensed" panose="020B0502040204020203" pitchFamily="34" charset="0"/>
-              </a:rPr>
-              <a:t> </a:t>
-            </a:r>
-            <a:r>
-              <a:rPr lang="ru-RU" sz="2400" dirty="0" err="1">
-                <a:latin typeface="Bahnschrift Light SemiCondensed" panose="020B0502040204020203" pitchFamily="34" charset="0"/>
-              </a:rPr>
-              <a:t>нейросети</a:t>
-            </a:r>
-            <a:r>
-              <a:rPr lang="ru-RU" sz="2400" dirty="0">
-                <a:latin typeface="Bahnschrift Light SemiCondensed" panose="020B0502040204020203" pitchFamily="34" charset="0"/>
-              </a:rPr>
-              <a:t> </a:t>
-            </a:r>
-            <a:r>
-              <a:rPr lang="en-US" sz="2400" dirty="0">
-                <a:latin typeface="Bahnschrift Light SemiCondensed" panose="020B0502040204020203" pitchFamily="34" charset="0"/>
-              </a:rPr>
-              <a:t>VGG</a:t>
-            </a:r>
-            <a:r>
-              <a:rPr lang="ru-RU" sz="2400" dirty="0">
-                <a:latin typeface="Bahnschrift Light SemiCondensed" panose="020B0502040204020203" pitchFamily="34" charset="0"/>
-              </a:rPr>
-              <a:t>16;</a:t>
-            </a:r>
-          </a:p>
-          <a:p>
-            <a:pPr marL="285750" indent="-285750">
+                <a:solidFill>
+                  <a:schemeClr val="bg1"/>
+                </a:solidFill>
+                <a:latin typeface="Bahnschrift" panose="020B0502040204020203" pitchFamily="34" charset="0"/>
+              </a:rPr>
+              <a:t>Обнаружение лица;</a:t>
+            </a:r>
+          </a:p>
+          <a:p>
+            <a:pPr marL="800100" lvl="1" indent="-342900">
               <a:buFont typeface="Arial" panose="020B0604020202020204" pitchFamily="34" charset="0"/>
               <a:buChar char="•"/>
             </a:pPr>
             <a:r>
               <a:rPr lang="ru-RU" sz="2400" dirty="0">
-                <a:latin typeface="Bahnschrift Light SemiCondensed" panose="020B0502040204020203" pitchFamily="34" charset="0"/>
-              </a:rPr>
-              <a:t>Классификация лица по </a:t>
+                <a:solidFill>
+                  <a:schemeClr val="bg1"/>
+                </a:solidFill>
+                <a:latin typeface="Bahnschrift" panose="020B0502040204020203" pitchFamily="34" charset="0"/>
+              </a:rPr>
+              <a:t>Выравнивание лица;</a:t>
+            </a:r>
+          </a:p>
+          <a:p>
+            <a:pPr marL="800100" lvl="1" indent="-342900">
+              <a:buFont typeface="Arial" panose="020B0604020202020204" pitchFamily="34" charset="0"/>
+              <a:buChar char="•"/>
+            </a:pPr>
+            <a:r>
+              <a:rPr lang="ru-RU" sz="2400" dirty="0">
+                <a:solidFill>
+                  <a:schemeClr val="bg1"/>
+                </a:solidFill>
+                <a:latin typeface="Bahnschrift" panose="020B0502040204020203" pitchFamily="34" charset="0"/>
+              </a:rPr>
+              <a:t>Извлечение признаков лица в виде эмбеддинга;</a:t>
+            </a:r>
+          </a:p>
+          <a:p>
+            <a:pPr marL="342900" indent="-342900">
+              <a:buFont typeface="Arial" panose="020B0604020202020204" pitchFamily="34" charset="0"/>
+              <a:buChar char="•"/>
+            </a:pPr>
+            <a:r>
+              <a:rPr lang="ru-RU" sz="2400" dirty="0">
+                <a:solidFill>
+                  <a:schemeClr val="bg1"/>
+                </a:solidFill>
+                <a:latin typeface="Bahnschrift" panose="020B0502040204020203" pitchFamily="34" charset="0"/>
+              </a:rPr>
+              <a:t>Каждый </a:t>
             </a:r>
             <a:r>
               <a:rPr lang="ru-RU" sz="2400" dirty="0" err="1">
-                <a:latin typeface="Bahnschrift Light SemiCondensed" panose="020B0502040204020203" pitchFamily="34" charset="0"/>
-              </a:rPr>
-              <a:t>эмбеддингу</a:t>
+                <a:solidFill>
+                  <a:schemeClr val="bg1"/>
+                </a:solidFill>
+                <a:latin typeface="Bahnschrift" panose="020B0502040204020203" pitchFamily="34" charset="0"/>
+              </a:rPr>
+              <a:t>эмбеддинг</a:t>
             </a:r>
             <a:r>
               <a:rPr lang="ru-RU" sz="2400" dirty="0">
-                <a:latin typeface="Bahnschrift Light SemiCondensed" panose="020B0502040204020203" pitchFamily="34" charset="0"/>
-              </a:rPr>
-              <a:t> с помощью </a:t>
-            </a:r>
-            <a:r>
-              <a:rPr lang="en-US" sz="2400" dirty="0">
-                <a:latin typeface="Bahnschrift Light SemiCondensed" panose="020B0502040204020203" pitchFamily="34" charset="0"/>
-              </a:rPr>
-              <a:t>SVM</a:t>
+                <a:solidFill>
+                  <a:schemeClr val="bg1"/>
+                </a:solidFill>
+                <a:latin typeface="Bahnschrift" panose="020B0502040204020203" pitchFamily="34" charset="0"/>
+              </a:rPr>
+              <a:t> нормализуется, наименование кодируется;</a:t>
+            </a:r>
+          </a:p>
+          <a:p>
+            <a:pPr marL="342900" indent="-342900">
+              <a:buFont typeface="Arial" panose="020B0604020202020204" pitchFamily="34" charset="0"/>
+              <a:buChar char="•"/>
+            </a:pPr>
+            <a:r>
+              <a:rPr lang="ru-RU" sz="2400" dirty="0">
+                <a:solidFill>
+                  <a:schemeClr val="bg1"/>
+                </a:solidFill>
+                <a:latin typeface="Bahnschrift" panose="020B0502040204020203" pitchFamily="34" charset="0"/>
+              </a:rPr>
+              <a:t>Классификатор обучается на тренировочной выборке;</a:t>
+            </a:r>
+          </a:p>
+          <a:p>
+            <a:pPr marL="342900" indent="-342900">
+              <a:buFont typeface="Arial" panose="020B0604020202020204" pitchFamily="34" charset="0"/>
+              <a:buChar char="•"/>
+            </a:pPr>
+            <a:r>
+              <a:rPr lang="ru-RU" sz="2400" dirty="0">
+                <a:solidFill>
+                  <a:schemeClr val="bg1"/>
+                </a:solidFill>
+                <a:latin typeface="Bahnschrift" panose="020B0502040204020203" pitchFamily="34" charset="0"/>
+              </a:rPr>
+              <a:t>Классификатор предсказывает идентификаторы на тестовой выборке</a:t>
             </a:r>
             <a:r>
               <a:rPr lang="ru-RU" sz="2400" dirty="0" smtClean="0">
-                <a:latin typeface="Bahnschrift Light SemiCondensed" panose="020B0502040204020203" pitchFamily="34" charset="0"/>
+                <a:solidFill>
+                  <a:schemeClr val="bg1"/>
+                </a:solidFill>
+                <a:latin typeface="Bahnschrift" panose="020B0502040204020203" pitchFamily="34" charset="0"/>
               </a:rPr>
               <a:t>.</a:t>
             </a:r>
             <a:endParaRPr lang="ru-RU" sz="2400" dirty="0">
-              <a:latin typeface="Bahnschrift Light SemiCondensed" panose="020B0502040204020203" pitchFamily="34" charset="0"/>
+              <a:solidFill>
+                <a:schemeClr val="bg1"/>
+              </a:solidFill>
+              <a:latin typeface="Bahnschrift" panose="020B0502040204020203" pitchFamily="34" charset="0"/>
             </a:endParaRPr>
           </a:p>
         </p:txBody>
@@ -4657,7 +5291,7 @@
     </p:spTree>
     <p:extLst>
       <p:ext uri="{BB962C8B-B14F-4D97-AF65-F5344CB8AC3E}">
-        <p14:creationId xmlns:p14="http://schemas.microsoft.com/office/powerpoint/2010/main" val="2020044651"/>
+        <p14:creationId xmlns:p14="http://schemas.microsoft.com/office/powerpoint/2010/main" val="1463528409"/>
       </p:ext>
     </p:extLst>
   </p:cSld>
@@ -4707,14 +5341,14 @@
       </p:grpSpPr>
       <p:sp>
         <p:nvSpPr>
-          <p:cNvPr id="3" name="Прямоугольник 2"/>
+          <p:cNvPr id="9" name="Прямоугольник 8"/>
           <p:cNvSpPr/>
           <p:nvPr/>
         </p:nvSpPr>
         <p:spPr>
           <a:xfrm>
-            <a:off x="717754" y="657602"/>
-            <a:ext cx="9871588" cy="523220"/>
+            <a:off x="1391388" y="227353"/>
+            <a:ext cx="3520362" cy="523220"/>
           </a:xfrm>
           <a:prstGeom prst="rect">
             <a:avLst/>
@@ -4726,207 +5360,280 @@
           </a:bodyPr>
           <a:lstStyle/>
           <a:p>
-            <a:r>
-              <a:rPr lang="ru-RU" sz="2800" dirty="0">
-                <a:solidFill>
-                  <a:schemeClr val="bg1"/>
-                </a:solidFill>
-                <a:latin typeface="Bahnschrift Light SemiCondensed" panose="020B0502040204020203" pitchFamily="34" charset="0"/>
-              </a:rPr>
-              <a:t>Алгоритм применения модели</a:t>
-            </a:r>
-          </a:p>
-        </p:txBody>
-      </p:sp>
-      <p:sp>
-        <p:nvSpPr>
-          <p:cNvPr id="2" name="TextBox 1"/>
-          <p:cNvSpPr txBox="1"/>
+            <a:pPr fontAlgn="auto">
+              <a:spcBef>
+                <a:spcPts val="0"/>
+              </a:spcBef>
+              <a:spcAft>
+                <a:spcPts val="0"/>
+              </a:spcAft>
+              <a:defRPr/>
+            </a:pPr>
+            <a:r>
+              <a:rPr lang="ru-RU" sz="2800" b="1" dirty="0">
+                <a:solidFill>
+                  <a:schemeClr val="accent5">
+                    <a:lumMod val="75000"/>
+                  </a:schemeClr>
+                </a:solidFill>
+                <a:latin typeface="Bahnschrift Light SemiCondensed" panose="020B0502040204020203" pitchFamily="34" charset="0"/>
+                <a:cs typeface="Calibri"/>
+              </a:rPr>
+              <a:t>Средства разработки</a:t>
+            </a:r>
+          </a:p>
+        </p:txBody>
+      </p:sp>
+      <p:pic>
+        <p:nvPicPr>
+          <p:cNvPr id="1032" name="Picture 8" descr="https://avatars.mds.yandex.net/i?id=08c29cae0afae00146db95e22bf0dc59ef3319d2-6955035-images-thumbs&amp;n=13"/>
+          <p:cNvPicPr>
+            <a:picLocks noChangeAspect="1" noChangeArrowheads="1"/>
+          </p:cNvPicPr>
           <p:nvPr/>
-        </p:nvSpPr>
-        <p:spPr>
-          <a:xfrm>
-            <a:off x="1361440" y="1666240"/>
-            <a:ext cx="9326880" cy="4154984"/>
+        </p:nvPicPr>
+        <p:blipFill>
+          <a:blip r:embed="rId3">
+            <a:extLst>
+              <a:ext uri="{28A0092B-C50C-407E-A947-70E740481C1C}">
+                <a14:useLocalDpi xmlns:a14="http://schemas.microsoft.com/office/drawing/2010/main" val="0"/>
+              </a:ext>
+            </a:extLst>
+          </a:blip>
+          <a:srcRect/>
+          <a:stretch>
+            <a:fillRect/>
+          </a:stretch>
+        </p:blipFill>
+        <p:spPr bwMode="auto">
+          <a:xfrm>
+            <a:off x="973282" y="2856257"/>
+            <a:ext cx="2679645" cy="2679646"/>
           </a:xfrm>
           <a:prstGeom prst="rect">
             <a:avLst/>
           </a:prstGeom>
           <a:noFill/>
-        </p:spPr>
-        <p:txBody>
-          <a:bodyPr wrap="square" rtlCol="0">
-            <a:spAutoFit/>
-          </a:bodyPr>
-          <a:lstStyle/>
-          <a:p>
-            <a:pPr marL="342900" indent="-342900">
-              <a:buFont typeface="Arial" panose="020B0604020202020204" pitchFamily="34" charset="0"/>
-              <a:buChar char="•"/>
-            </a:pPr>
-            <a:r>
-              <a:rPr lang="ru-RU" sz="2400" dirty="0" smtClean="0">
-                <a:solidFill>
-                  <a:schemeClr val="bg1"/>
-                </a:solidFill>
-                <a:latin typeface="Bahnschrift" panose="020B0502040204020203" pitchFamily="34" charset="0"/>
-              </a:rPr>
-              <a:t>Формирование </a:t>
-            </a:r>
-            <a:r>
-              <a:rPr lang="ru-RU" sz="2400" dirty="0">
-                <a:solidFill>
-                  <a:schemeClr val="bg1"/>
-                </a:solidFill>
-                <a:latin typeface="Bahnschrift" panose="020B0502040204020203" pitchFamily="34" charset="0"/>
-              </a:rPr>
-              <a:t>множеств фотографий для тренировки и тестирования;</a:t>
-            </a:r>
-          </a:p>
-          <a:p>
-            <a:pPr marL="342900" indent="-342900">
-              <a:buFont typeface="Arial" panose="020B0604020202020204" pitchFamily="34" charset="0"/>
-              <a:buChar char="•"/>
-            </a:pPr>
-            <a:r>
-              <a:rPr lang="ru-RU" sz="2400" dirty="0">
-                <a:solidFill>
-                  <a:schemeClr val="bg1"/>
-                </a:solidFill>
-                <a:latin typeface="Bahnschrift" panose="020B0502040204020203" pitchFamily="34" charset="0"/>
-              </a:rPr>
-              <a:t>Для каждой фотографии выполняется:</a:t>
-            </a:r>
-          </a:p>
-          <a:p>
-            <a:pPr marL="800100" lvl="1" indent="-342900">
-              <a:buFont typeface="Arial" panose="020B0604020202020204" pitchFamily="34" charset="0"/>
-              <a:buChar char="•"/>
-            </a:pPr>
-            <a:r>
-              <a:rPr lang="ru-RU" sz="2400" dirty="0">
-                <a:solidFill>
-                  <a:schemeClr val="bg1"/>
-                </a:solidFill>
-                <a:latin typeface="Bahnschrift" panose="020B0502040204020203" pitchFamily="34" charset="0"/>
-              </a:rPr>
-              <a:t>Обнаружение лица;</a:t>
-            </a:r>
-          </a:p>
-          <a:p>
-            <a:pPr marL="800100" lvl="1" indent="-342900">
-              <a:buFont typeface="Arial" panose="020B0604020202020204" pitchFamily="34" charset="0"/>
-              <a:buChar char="•"/>
-            </a:pPr>
-            <a:r>
-              <a:rPr lang="ru-RU" sz="2400" dirty="0">
-                <a:solidFill>
-                  <a:schemeClr val="bg1"/>
-                </a:solidFill>
-                <a:latin typeface="Bahnschrift" panose="020B0502040204020203" pitchFamily="34" charset="0"/>
-              </a:rPr>
-              <a:t>Выравнивание лица;</a:t>
-            </a:r>
-          </a:p>
-          <a:p>
-            <a:pPr marL="800100" lvl="1" indent="-342900">
-              <a:buFont typeface="Arial" panose="020B0604020202020204" pitchFamily="34" charset="0"/>
-              <a:buChar char="•"/>
-            </a:pPr>
-            <a:r>
-              <a:rPr lang="ru-RU" sz="2400" dirty="0">
-                <a:solidFill>
-                  <a:schemeClr val="bg1"/>
-                </a:solidFill>
-                <a:latin typeface="Bahnschrift" panose="020B0502040204020203" pitchFamily="34" charset="0"/>
-              </a:rPr>
-              <a:t>Извлечение признаков лица в виде эмбеддинга;</a:t>
-            </a:r>
-          </a:p>
-          <a:p>
-            <a:pPr marL="342900" indent="-342900">
-              <a:buFont typeface="Arial" panose="020B0604020202020204" pitchFamily="34" charset="0"/>
-              <a:buChar char="•"/>
-            </a:pPr>
-            <a:r>
-              <a:rPr lang="ru-RU" sz="2400" dirty="0">
-                <a:solidFill>
-                  <a:schemeClr val="bg1"/>
-                </a:solidFill>
-                <a:latin typeface="Bahnschrift" panose="020B0502040204020203" pitchFamily="34" charset="0"/>
-              </a:rPr>
-              <a:t>Каждый </a:t>
-            </a:r>
-            <a:r>
-              <a:rPr lang="ru-RU" sz="2400" dirty="0" err="1">
-                <a:solidFill>
-                  <a:schemeClr val="bg1"/>
-                </a:solidFill>
-                <a:latin typeface="Bahnschrift" panose="020B0502040204020203" pitchFamily="34" charset="0"/>
-              </a:rPr>
-              <a:t>эмбеддинг</a:t>
-            </a:r>
-            <a:r>
-              <a:rPr lang="ru-RU" sz="2400" dirty="0">
-                <a:solidFill>
-                  <a:schemeClr val="bg1"/>
-                </a:solidFill>
-                <a:latin typeface="Bahnschrift" panose="020B0502040204020203" pitchFamily="34" charset="0"/>
-              </a:rPr>
-              <a:t> нормализуется, наименование кодируется;</a:t>
-            </a:r>
-          </a:p>
-          <a:p>
-            <a:pPr marL="342900" indent="-342900">
-              <a:buFont typeface="Arial" panose="020B0604020202020204" pitchFamily="34" charset="0"/>
-              <a:buChar char="•"/>
-            </a:pPr>
-            <a:r>
-              <a:rPr lang="ru-RU" sz="2400" dirty="0">
-                <a:solidFill>
-                  <a:schemeClr val="bg1"/>
-                </a:solidFill>
-                <a:latin typeface="Bahnschrift" panose="020B0502040204020203" pitchFamily="34" charset="0"/>
-              </a:rPr>
-              <a:t>Классификатор обучается на тренировочной выборке;</a:t>
-            </a:r>
-          </a:p>
-          <a:p>
-            <a:pPr marL="342900" indent="-342900">
-              <a:buFont typeface="Arial" panose="020B0604020202020204" pitchFamily="34" charset="0"/>
-              <a:buChar char="•"/>
-            </a:pPr>
-            <a:r>
-              <a:rPr lang="ru-RU" sz="2400" dirty="0">
-                <a:solidFill>
-                  <a:schemeClr val="bg1"/>
-                </a:solidFill>
-                <a:latin typeface="Bahnschrift" panose="020B0502040204020203" pitchFamily="34" charset="0"/>
-              </a:rPr>
-              <a:t>Классификатор предсказывает идентификаторы на тестовой выборке</a:t>
-            </a:r>
-            <a:r>
-              <a:rPr lang="ru-RU" sz="2400" dirty="0" smtClean="0">
-                <a:solidFill>
-                  <a:schemeClr val="bg1"/>
-                </a:solidFill>
-                <a:latin typeface="Bahnschrift" panose="020B0502040204020203" pitchFamily="34" charset="0"/>
-              </a:rPr>
-              <a:t>.</a:t>
-            </a:r>
-            <a:endParaRPr lang="ru-RU" sz="2400" dirty="0">
-              <a:solidFill>
-                <a:schemeClr val="bg1"/>
-              </a:solidFill>
-              <a:latin typeface="Bahnschrift" panose="020B0502040204020203" pitchFamily="34" charset="0"/>
-            </a:endParaRPr>
-          </a:p>
-        </p:txBody>
-      </p:sp>
+          <a:extLst>
+            <a:ext uri="{909E8E84-426E-40DD-AFC4-6F175D3DCCD1}">
+              <a14:hiddenFill xmlns:a14="http://schemas.microsoft.com/office/drawing/2010/main">
+                <a:solidFill>
+                  <a:srgbClr val="FFFFFF"/>
+                </a:solidFill>
+              </a14:hiddenFill>
+            </a:ext>
+          </a:extLst>
+        </p:spPr>
+      </p:pic>
+      <p:pic>
+        <p:nvPicPr>
+          <p:cNvPr id="1034" name="Picture 10" descr="https://firstanalytics.com/wp-content/uploads/dlib.jpg"/>
+          <p:cNvPicPr>
+            <a:picLocks noChangeAspect="1" noChangeArrowheads="1"/>
+          </p:cNvPicPr>
+          <p:nvPr/>
+        </p:nvPicPr>
+        <p:blipFill>
+          <a:blip r:embed="rId4" cstate="print">
+            <a:extLst>
+              <a:ext uri="{28A0092B-C50C-407E-A947-70E740481C1C}">
+                <a14:useLocalDpi xmlns:a14="http://schemas.microsoft.com/office/drawing/2010/main" val="0"/>
+              </a:ext>
+            </a:extLst>
+          </a:blip>
+          <a:srcRect/>
+          <a:stretch>
+            <a:fillRect/>
+          </a:stretch>
+        </p:blipFill>
+        <p:spPr bwMode="auto">
+          <a:xfrm>
+            <a:off x="5614734" y="3523287"/>
+            <a:ext cx="2452306" cy="1226153"/>
+          </a:xfrm>
+          <a:prstGeom prst="rect">
+            <a:avLst/>
+          </a:prstGeom>
+          <a:noFill/>
+          <a:extLst>
+            <a:ext uri="{909E8E84-426E-40DD-AFC4-6F175D3DCCD1}">
+              <a14:hiddenFill xmlns:a14="http://schemas.microsoft.com/office/drawing/2010/main">
+                <a:solidFill>
+                  <a:srgbClr val="FFFFFF"/>
+                </a:solidFill>
+              </a14:hiddenFill>
+            </a:ext>
+          </a:extLst>
+        </p:spPr>
+      </p:pic>
+      <p:pic>
+        <p:nvPicPr>
+          <p:cNvPr id="1038" name="Picture 14" descr="https://upload.wikimedia.org/wikipedia/commons/thumb/3/32/OpenCV_Logo_with_text_svg_version.svg/1200px-OpenCV_Logo_with_text_svg_version.svg.png"/>
+          <p:cNvPicPr>
+            <a:picLocks noChangeAspect="1" noChangeArrowheads="1"/>
+          </p:cNvPicPr>
+          <p:nvPr/>
+        </p:nvPicPr>
+        <p:blipFill>
+          <a:blip r:embed="rId5" cstate="print">
+            <a:extLst>
+              <a:ext uri="{28A0092B-C50C-407E-A947-70E740481C1C}">
+                <a14:useLocalDpi xmlns:a14="http://schemas.microsoft.com/office/drawing/2010/main" val="0"/>
+              </a:ext>
+            </a:extLst>
+          </a:blip>
+          <a:srcRect/>
+          <a:stretch>
+            <a:fillRect/>
+          </a:stretch>
+        </p:blipFill>
+        <p:spPr bwMode="auto">
+          <a:xfrm>
+            <a:off x="8930851" y="1452015"/>
+            <a:ext cx="1430369" cy="1761738"/>
+          </a:xfrm>
+          <a:prstGeom prst="rect">
+            <a:avLst/>
+          </a:prstGeom>
+          <a:noFill/>
+          <a:extLst>
+            <a:ext uri="{909E8E84-426E-40DD-AFC4-6F175D3DCCD1}">
+              <a14:hiddenFill xmlns:a14="http://schemas.microsoft.com/office/drawing/2010/main">
+                <a:solidFill>
+                  <a:srgbClr val="FFFFFF"/>
+                </a:solidFill>
+              </a14:hiddenFill>
+            </a:ext>
+          </a:extLst>
+        </p:spPr>
+      </p:pic>
+      <p:pic>
+        <p:nvPicPr>
+          <p:cNvPr id="1040" name="Picture 16" descr="https://yt3.googleusercontent.com/jFsCjX44VYO7soCF3m78SqJ6yHNnyQcBboTyYCLFaTbL5lhbDmSkxW4iPxiFhRdP_RMTFimiLw=s900-c-k-c0x00ffffff-no-rj"/>
+          <p:cNvPicPr>
+            <a:picLocks noChangeAspect="1" noChangeArrowheads="1"/>
+          </p:cNvPicPr>
+          <p:nvPr/>
+        </p:nvPicPr>
+        <p:blipFill>
+          <a:blip r:embed="rId6" cstate="print">
+            <a:extLst>
+              <a:ext uri="{28A0092B-C50C-407E-A947-70E740481C1C}">
+                <a14:useLocalDpi xmlns:a14="http://schemas.microsoft.com/office/drawing/2010/main" val="0"/>
+              </a:ext>
+            </a:extLst>
+          </a:blip>
+          <a:srcRect/>
+          <a:stretch>
+            <a:fillRect/>
+          </a:stretch>
+        </p:blipFill>
+        <p:spPr bwMode="auto">
+          <a:xfrm>
+            <a:off x="1600261" y="1532061"/>
+            <a:ext cx="1425689" cy="1425689"/>
+          </a:xfrm>
+          <a:prstGeom prst="rect">
+            <a:avLst/>
+          </a:prstGeom>
+          <a:noFill/>
+          <a:extLst>
+            <a:ext uri="{909E8E84-426E-40DD-AFC4-6F175D3DCCD1}">
+              <a14:hiddenFill xmlns:a14="http://schemas.microsoft.com/office/drawing/2010/main">
+                <a:solidFill>
+                  <a:srgbClr val="FFFFFF"/>
+                </a:solidFill>
+              </a14:hiddenFill>
+            </a:ext>
+          </a:extLst>
+        </p:spPr>
+      </p:pic>
+      <p:pic>
+        <p:nvPicPr>
+          <p:cNvPr id="1042" name="Picture 18" descr="https://www.elektrikde.com/wp-content/uploads/2020/05/tensorflow-ve-keras.jpg"/>
+          <p:cNvPicPr>
+            <a:picLocks noChangeAspect="1" noChangeArrowheads="1"/>
+          </p:cNvPicPr>
+          <p:nvPr/>
+        </p:nvPicPr>
+        <p:blipFill>
+          <a:blip r:embed="rId7">
+            <a:extLst>
+              <a:ext uri="{28A0092B-C50C-407E-A947-70E740481C1C}">
+                <a14:useLocalDpi xmlns:a14="http://schemas.microsoft.com/office/drawing/2010/main" val="0"/>
+              </a:ext>
+            </a:extLst>
+          </a:blip>
+          <a:srcRect/>
+          <a:stretch>
+            <a:fillRect/>
+          </a:stretch>
+        </p:blipFill>
+        <p:spPr bwMode="auto">
+          <a:xfrm>
+            <a:off x="5237849" y="1276057"/>
+            <a:ext cx="3202802" cy="1937696"/>
+          </a:xfrm>
+          <a:prstGeom prst="rect">
+            <a:avLst/>
+          </a:prstGeom>
+          <a:noFill/>
+          <a:extLst>
+            <a:ext uri="{909E8E84-426E-40DD-AFC4-6F175D3DCCD1}">
+              <a14:hiddenFill xmlns:a14="http://schemas.microsoft.com/office/drawing/2010/main">
+                <a:solidFill>
+                  <a:srgbClr val="FFFFFF"/>
+                </a:solidFill>
+              </a14:hiddenFill>
+            </a:ext>
+          </a:extLst>
+        </p:spPr>
+      </p:pic>
+      <p:pic>
+        <p:nvPicPr>
+          <p:cNvPr id="1046" name="Picture 22" descr="https://docs.apachecn.org/asset/icon/skl.png"/>
+          <p:cNvPicPr>
+            <a:picLocks noChangeAspect="1" noChangeArrowheads="1"/>
+          </p:cNvPicPr>
+          <p:nvPr/>
+        </p:nvPicPr>
+        <p:blipFill>
+          <a:blip r:embed="rId8" cstate="print">
+            <a:extLst>
+              <a:ext uri="{28A0092B-C50C-407E-A947-70E740481C1C}">
+                <a14:useLocalDpi xmlns:a14="http://schemas.microsoft.com/office/drawing/2010/main" val="0"/>
+              </a:ext>
+            </a:extLst>
+          </a:blip>
+          <a:srcRect/>
+          <a:stretch>
+            <a:fillRect/>
+          </a:stretch>
+        </p:blipFill>
+        <p:spPr bwMode="auto">
+          <a:xfrm>
+            <a:off x="8807294" y="3213753"/>
+            <a:ext cx="1677481" cy="1677481"/>
+          </a:xfrm>
+          <a:prstGeom prst="rect">
+            <a:avLst/>
+          </a:prstGeom>
+          <a:noFill/>
+          <a:extLst>
+            <a:ext uri="{909E8E84-426E-40DD-AFC4-6F175D3DCCD1}">
+              <a14:hiddenFill xmlns:a14="http://schemas.microsoft.com/office/drawing/2010/main">
+                <a:solidFill>
+                  <a:srgbClr val="FFFFFF"/>
+                </a:solidFill>
+              </a14:hiddenFill>
+            </a:ext>
+          </a:extLst>
+        </p:spPr>
+      </p:pic>
     </p:spTree>
     <p:extLst>
       <p:ext uri="{BB962C8B-B14F-4D97-AF65-F5344CB8AC3E}">
-        <p14:creationId xmlns:p14="http://schemas.microsoft.com/office/powerpoint/2010/main" val="1463528409"/>
+        <p14:creationId xmlns:p14="http://schemas.microsoft.com/office/powerpoint/2010/main" val="1687211999"/>
       </p:ext>
     </p:extLst>
   </p:cSld>
@@ -4976,14 +5683,14 @@
       </p:grpSpPr>
       <p:sp>
         <p:nvSpPr>
-          <p:cNvPr id="9" name="Прямоугольник 8"/>
+          <p:cNvPr id="3" name="Прямоугольник 2"/>
           <p:cNvSpPr/>
           <p:nvPr/>
         </p:nvSpPr>
         <p:spPr>
           <a:xfrm>
-            <a:off x="1391388" y="227353"/>
-            <a:ext cx="3520362" cy="523220"/>
+            <a:off x="717754" y="657602"/>
+            <a:ext cx="5515406" cy="1015663"/>
           </a:xfrm>
           <a:prstGeom prst="rect">
             <a:avLst/>
@@ -4995,280 +5702,48 @@
           </a:bodyPr>
           <a:lstStyle/>
           <a:p>
-            <a:pPr fontAlgn="auto">
-              <a:spcBef>
-                <a:spcPts val="0"/>
-              </a:spcBef>
-              <a:spcAft>
-                <a:spcPts val="0"/>
-              </a:spcAft>
-              <a:defRPr/>
-            </a:pPr>
-            <a:r>
-              <a:rPr lang="ru-RU" sz="2800" b="1" dirty="0">
-                <a:solidFill>
-                  <a:schemeClr val="accent5">
-                    <a:lumMod val="75000"/>
-                  </a:schemeClr>
-                </a:solidFill>
-                <a:latin typeface="Bahnschrift Light SemiCondensed" panose="020B0502040204020203" pitchFamily="34" charset="0"/>
-                <a:cs typeface="Calibri"/>
-              </a:rPr>
-              <a:t>Средства разработки</a:t>
-            </a:r>
-          </a:p>
-        </p:txBody>
-      </p:sp>
-      <p:pic>
-        <p:nvPicPr>
-          <p:cNvPr id="1032" name="Picture 8" descr="https://avatars.mds.yandex.net/i?id=08c29cae0afae00146db95e22bf0dc59ef3319d2-6955035-images-thumbs&amp;n=13"/>
-          <p:cNvPicPr>
-            <a:picLocks noChangeAspect="1" noChangeArrowheads="1"/>
-          </p:cNvPicPr>
-          <p:nvPr/>
-        </p:nvPicPr>
-        <p:blipFill>
-          <a:blip r:embed="rId3">
-            <a:extLst>
-              <a:ext uri="{28A0092B-C50C-407E-A947-70E740481C1C}">
-                <a14:useLocalDpi xmlns:a14="http://schemas.microsoft.com/office/drawing/2010/main" val="0"/>
-              </a:ext>
-            </a:extLst>
-          </a:blip>
-          <a:srcRect/>
-          <a:stretch>
-            <a:fillRect/>
-          </a:stretch>
-        </p:blipFill>
-        <p:spPr bwMode="auto">
-          <a:xfrm>
-            <a:off x="973282" y="2856257"/>
-            <a:ext cx="2679645" cy="2679646"/>
-          </a:xfrm>
-          <a:prstGeom prst="rect">
-            <a:avLst/>
-          </a:prstGeom>
-          <a:noFill/>
-          <a:extLst>
-            <a:ext uri="{909E8E84-426E-40DD-AFC4-6F175D3DCCD1}">
-              <a14:hiddenFill xmlns:a14="http://schemas.microsoft.com/office/drawing/2010/main">
-                <a:solidFill>
-                  <a:srgbClr val="FFFFFF"/>
-                </a:solidFill>
-              </a14:hiddenFill>
-            </a:ext>
-          </a:extLst>
-        </p:spPr>
-      </p:pic>
-      <p:pic>
-        <p:nvPicPr>
-          <p:cNvPr id="1034" name="Picture 10" descr="https://firstanalytics.com/wp-content/uploads/dlib.jpg"/>
-          <p:cNvPicPr>
-            <a:picLocks noChangeAspect="1" noChangeArrowheads="1"/>
-          </p:cNvPicPr>
-          <p:nvPr/>
-        </p:nvPicPr>
-        <p:blipFill>
-          <a:blip r:embed="rId4" cstate="print">
-            <a:extLst>
-              <a:ext uri="{28A0092B-C50C-407E-A947-70E740481C1C}">
-                <a14:useLocalDpi xmlns:a14="http://schemas.microsoft.com/office/drawing/2010/main" val="0"/>
-              </a:ext>
-            </a:extLst>
-          </a:blip>
-          <a:srcRect/>
-          <a:stretch>
-            <a:fillRect/>
-          </a:stretch>
-        </p:blipFill>
-        <p:spPr bwMode="auto">
-          <a:xfrm>
-            <a:off x="5614734" y="3523287"/>
-            <a:ext cx="2452306" cy="1226153"/>
-          </a:xfrm>
-          <a:prstGeom prst="rect">
-            <a:avLst/>
-          </a:prstGeom>
-          <a:noFill/>
-          <a:extLst>
-            <a:ext uri="{909E8E84-426E-40DD-AFC4-6F175D3DCCD1}">
-              <a14:hiddenFill xmlns:a14="http://schemas.microsoft.com/office/drawing/2010/main">
-                <a:solidFill>
-                  <a:srgbClr val="FFFFFF"/>
-                </a:solidFill>
-              </a14:hiddenFill>
-            </a:ext>
-          </a:extLst>
-        </p:spPr>
-      </p:pic>
-      <p:pic>
-        <p:nvPicPr>
-          <p:cNvPr id="1038" name="Picture 14" descr="https://upload.wikimedia.org/wikipedia/commons/thumb/3/32/OpenCV_Logo_with_text_svg_version.svg/1200px-OpenCV_Logo_with_text_svg_version.svg.png"/>
-          <p:cNvPicPr>
-            <a:picLocks noChangeAspect="1" noChangeArrowheads="1"/>
-          </p:cNvPicPr>
-          <p:nvPr/>
-        </p:nvPicPr>
-        <p:blipFill>
-          <a:blip r:embed="rId5" cstate="print">
-            <a:extLst>
-              <a:ext uri="{28A0092B-C50C-407E-A947-70E740481C1C}">
-                <a14:useLocalDpi xmlns:a14="http://schemas.microsoft.com/office/drawing/2010/main" val="0"/>
-              </a:ext>
-            </a:extLst>
-          </a:blip>
-          <a:srcRect/>
-          <a:stretch>
-            <a:fillRect/>
-          </a:stretch>
-        </p:blipFill>
-        <p:spPr bwMode="auto">
-          <a:xfrm>
-            <a:off x="8930851" y="1452015"/>
-            <a:ext cx="1430369" cy="1761738"/>
-          </a:xfrm>
-          <a:prstGeom prst="rect">
-            <a:avLst/>
-          </a:prstGeom>
-          <a:noFill/>
-          <a:extLst>
-            <a:ext uri="{909E8E84-426E-40DD-AFC4-6F175D3DCCD1}">
-              <a14:hiddenFill xmlns:a14="http://schemas.microsoft.com/office/drawing/2010/main">
-                <a:solidFill>
-                  <a:srgbClr val="FFFFFF"/>
-                </a:solidFill>
-              </a14:hiddenFill>
-            </a:ext>
-          </a:extLst>
-        </p:spPr>
-      </p:pic>
-      <p:pic>
-        <p:nvPicPr>
-          <p:cNvPr id="1040" name="Picture 16" descr="https://yt3.googleusercontent.com/jFsCjX44VYO7soCF3m78SqJ6yHNnyQcBboTyYCLFaTbL5lhbDmSkxW4iPxiFhRdP_RMTFimiLw=s900-c-k-c0x00ffffff-no-rj"/>
-          <p:cNvPicPr>
-            <a:picLocks noChangeAspect="1" noChangeArrowheads="1"/>
-          </p:cNvPicPr>
-          <p:nvPr/>
-        </p:nvPicPr>
-        <p:blipFill>
-          <a:blip r:embed="rId6" cstate="print">
-            <a:extLst>
-              <a:ext uri="{28A0092B-C50C-407E-A947-70E740481C1C}">
-                <a14:useLocalDpi xmlns:a14="http://schemas.microsoft.com/office/drawing/2010/main" val="0"/>
-              </a:ext>
-            </a:extLst>
-          </a:blip>
-          <a:srcRect/>
-          <a:stretch>
-            <a:fillRect/>
-          </a:stretch>
-        </p:blipFill>
-        <p:spPr bwMode="auto">
-          <a:xfrm>
-            <a:off x="1600261" y="1532061"/>
-            <a:ext cx="1425689" cy="1425689"/>
-          </a:xfrm>
-          <a:prstGeom prst="rect">
-            <a:avLst/>
-          </a:prstGeom>
-          <a:noFill/>
-          <a:extLst>
-            <a:ext uri="{909E8E84-426E-40DD-AFC4-6F175D3DCCD1}">
-              <a14:hiddenFill xmlns:a14="http://schemas.microsoft.com/office/drawing/2010/main">
-                <a:solidFill>
-                  <a:srgbClr val="FFFFFF"/>
-                </a:solidFill>
-              </a14:hiddenFill>
-            </a:ext>
-          </a:extLst>
-        </p:spPr>
-      </p:pic>
-      <p:pic>
-        <p:nvPicPr>
-          <p:cNvPr id="1042" name="Picture 18" descr="https://www.elektrikde.com/wp-content/uploads/2020/05/tensorflow-ve-keras.jpg"/>
-          <p:cNvPicPr>
-            <a:picLocks noChangeAspect="1" noChangeArrowheads="1"/>
-          </p:cNvPicPr>
-          <p:nvPr/>
-        </p:nvPicPr>
-        <p:blipFill>
-          <a:blip r:embed="rId7">
-            <a:extLst>
-              <a:ext uri="{28A0092B-C50C-407E-A947-70E740481C1C}">
-                <a14:useLocalDpi xmlns:a14="http://schemas.microsoft.com/office/drawing/2010/main" val="0"/>
-              </a:ext>
-            </a:extLst>
-          </a:blip>
-          <a:srcRect/>
-          <a:stretch>
-            <a:fillRect/>
-          </a:stretch>
-        </p:blipFill>
-        <p:spPr bwMode="auto">
-          <a:xfrm>
-            <a:off x="5237849" y="1276057"/>
-            <a:ext cx="3202802" cy="1937696"/>
-          </a:xfrm>
-          <a:prstGeom prst="rect">
-            <a:avLst/>
-          </a:prstGeom>
-          <a:noFill/>
-          <a:extLst>
-            <a:ext uri="{909E8E84-426E-40DD-AFC4-6F175D3DCCD1}">
-              <a14:hiddenFill xmlns:a14="http://schemas.microsoft.com/office/drawing/2010/main">
-                <a:solidFill>
-                  <a:srgbClr val="FFFFFF"/>
-                </a:solidFill>
-              </a14:hiddenFill>
-            </a:ext>
-          </a:extLst>
-        </p:spPr>
-      </p:pic>
-      <p:pic>
-        <p:nvPicPr>
-          <p:cNvPr id="1046" name="Picture 22" descr="https://docs.apachecn.org/asset/icon/skl.png"/>
-          <p:cNvPicPr>
-            <a:picLocks noChangeAspect="1" noChangeArrowheads="1"/>
-          </p:cNvPicPr>
-          <p:nvPr/>
-        </p:nvPicPr>
-        <p:blipFill>
-          <a:blip r:embed="rId8" cstate="print">
-            <a:extLst>
-              <a:ext uri="{28A0092B-C50C-407E-A947-70E740481C1C}">
-                <a14:useLocalDpi xmlns:a14="http://schemas.microsoft.com/office/drawing/2010/main" val="0"/>
-              </a:ext>
-            </a:extLst>
-          </a:blip>
-          <a:srcRect/>
-          <a:stretch>
-            <a:fillRect/>
-          </a:stretch>
-        </p:blipFill>
-        <p:spPr bwMode="auto">
-          <a:xfrm>
-            <a:off x="8807294" y="3213753"/>
-            <a:ext cx="1677481" cy="1677481"/>
-          </a:xfrm>
-          <a:prstGeom prst="rect">
-            <a:avLst/>
-          </a:prstGeom>
-          <a:noFill/>
-          <a:extLst>
-            <a:ext uri="{909E8E84-426E-40DD-AFC4-6F175D3DCCD1}">
-              <a14:hiddenFill xmlns:a14="http://schemas.microsoft.com/office/drawing/2010/main">
-                <a:solidFill>
-                  <a:srgbClr val="FFFFFF"/>
-                </a:solidFill>
-              </a14:hiddenFill>
-            </a:ext>
-          </a:extLst>
-        </p:spPr>
-      </p:pic>
+            <a:r>
+              <a:rPr lang="ru-RU" sz="3200" b="1" dirty="0">
+                <a:solidFill>
+                  <a:schemeClr val="bg1"/>
+                </a:solidFill>
+                <a:latin typeface="Bahnschrift Light SemiCondensed" panose="020B0502040204020203" pitchFamily="34" charset="0"/>
+              </a:rPr>
+              <a:t>ПРОГРАММНАЯ РЕАЛИЗАЦИЯ</a:t>
+            </a:r>
+            <a:r>
+              <a:rPr lang="ru-RU" sz="2800" dirty="0">
+                <a:solidFill>
+                  <a:schemeClr val="bg1"/>
+                </a:solidFill>
+                <a:latin typeface="Bahnschrift Light SemiCondensed" panose="020B0502040204020203" pitchFamily="34" charset="0"/>
+              </a:rPr>
+              <a:t/>
+            </a:r>
+            <a:br>
+              <a:rPr lang="ru-RU" sz="2800" dirty="0">
+                <a:solidFill>
+                  <a:schemeClr val="bg1"/>
+                </a:solidFill>
+                <a:latin typeface="Bahnschrift Light SemiCondensed" panose="020B0502040204020203" pitchFamily="34" charset="0"/>
+              </a:rPr>
+            </a:br>
+            <a:endParaRPr lang="ru-RU" sz="2800" dirty="0">
+              <a:solidFill>
+                <a:schemeClr val="accent1">
+                  <a:lumMod val="60000"/>
+                  <a:lumOff val="40000"/>
+                </a:schemeClr>
+              </a:solidFill>
+              <a:latin typeface="Bahnschrift Light SemiCondensed" panose="020B0502040204020203" pitchFamily="34" charset="0"/>
+            </a:endParaRPr>
+          </a:p>
+        </p:txBody>
+      </p:sp>
     </p:spTree>
     <p:extLst>
       <p:ext uri="{BB962C8B-B14F-4D97-AF65-F5344CB8AC3E}">
-        <p14:creationId xmlns:p14="http://schemas.microsoft.com/office/powerpoint/2010/main" val="1687211999"/>
+        <p14:creationId xmlns:p14="http://schemas.microsoft.com/office/powerpoint/2010/main" val="183982669"/>
       </p:ext>
     </p:extLst>
   </p:cSld>
@@ -5318,14 +5793,14 @@
       </p:grpSpPr>
       <p:sp>
         <p:nvSpPr>
-          <p:cNvPr id="3" name="Прямоугольник 2"/>
+          <p:cNvPr id="9" name="Прямоугольник 8"/>
           <p:cNvSpPr/>
           <p:nvPr/>
         </p:nvSpPr>
         <p:spPr>
           <a:xfrm>
-            <a:off x="717754" y="657602"/>
-            <a:ext cx="5515406" cy="1015663"/>
+            <a:off x="1434193" y="438815"/>
+            <a:ext cx="3520362" cy="523220"/>
           </a:xfrm>
           <a:prstGeom prst="rect">
             <a:avLst/>
@@ -5337,40 +5812,92 @@
           </a:bodyPr>
           <a:lstStyle/>
           <a:p>
-            <a:r>
-              <a:rPr lang="ru-RU" sz="3200" b="1" dirty="0">
-                <a:solidFill>
-                  <a:schemeClr val="bg1"/>
-                </a:solidFill>
-                <a:latin typeface="Bahnschrift Light SemiCondensed" panose="020B0502040204020203" pitchFamily="34" charset="0"/>
-              </a:rPr>
-              <a:t>ПРОГРАММНАЯ РЕАЛИЗАЦИЯ</a:t>
-            </a:r>
-            <a:r>
-              <a:rPr lang="ru-RU" sz="2800" dirty="0">
-                <a:solidFill>
-                  <a:schemeClr val="bg1"/>
-                </a:solidFill>
-                <a:latin typeface="Bahnschrift Light SemiCondensed" panose="020B0502040204020203" pitchFamily="34" charset="0"/>
-              </a:rPr>
-              <a:t/>
-            </a:r>
-            <a:br>
-              <a:rPr lang="ru-RU" sz="2800" dirty="0">
-                <a:solidFill>
-                  <a:schemeClr val="bg1"/>
-                </a:solidFill>
-                <a:latin typeface="Bahnschrift Light SemiCondensed" panose="020B0502040204020203" pitchFamily="34" charset="0"/>
-              </a:rPr>
-            </a:br>
-            <a:endParaRPr lang="ru-RU" sz="2800" dirty="0">
-              <a:solidFill>
-                <a:schemeClr val="accent1">
-                  <a:lumMod val="60000"/>
-                  <a:lumOff val="40000"/>
-                </a:schemeClr>
-              </a:solidFill>
-              <a:latin typeface="Bahnschrift Light SemiCondensed" panose="020B0502040204020203" pitchFamily="34" charset="0"/>
+            <a:pPr fontAlgn="auto">
+              <a:spcBef>
+                <a:spcPts val="0"/>
+              </a:spcBef>
+              <a:spcAft>
+                <a:spcPts val="0"/>
+              </a:spcAft>
+              <a:defRPr/>
+            </a:pPr>
+            <a:r>
+              <a:rPr lang="ru-RU" sz="2800" b="1" dirty="0">
+                <a:solidFill>
+                  <a:schemeClr val="accent5">
+                    <a:lumMod val="75000"/>
+                  </a:schemeClr>
+                </a:solidFill>
+                <a:latin typeface="Bahnschrift Light SemiCondensed" panose="020B0502040204020203" pitchFamily="34" charset="0"/>
+                <a:cs typeface="Calibri"/>
+              </a:rPr>
+              <a:t>Тестирование модели</a:t>
+            </a:r>
+          </a:p>
+        </p:txBody>
+      </p:sp>
+      <p:pic>
+        <p:nvPicPr>
+          <p:cNvPr id="3" name="Рисунок 2"/>
+          <p:cNvPicPr>
+            <a:picLocks noChangeAspect="1"/>
+          </p:cNvPicPr>
+          <p:nvPr/>
+        </p:nvPicPr>
+        <p:blipFill>
+          <a:blip r:embed="rId3"/>
+          <a:stretch>
+            <a:fillRect/>
+          </a:stretch>
+        </p:blipFill>
+        <p:spPr>
+          <a:xfrm>
+            <a:off x="1434193" y="2831352"/>
+            <a:ext cx="9784928" cy="2888230"/>
+          </a:xfrm>
+          <a:prstGeom prst="rect">
+            <a:avLst/>
+          </a:prstGeom>
+        </p:spPr>
+      </p:pic>
+      <p:sp>
+        <p:nvSpPr>
+          <p:cNvPr id="2" name="TextBox 1"/>
+          <p:cNvSpPr txBox="1"/>
+          <p:nvPr/>
+        </p:nvSpPr>
+        <p:spPr>
+          <a:xfrm>
+            <a:off x="1388159" y="1388862"/>
+            <a:ext cx="9805481" cy="1015663"/>
+          </a:xfrm>
+          <a:prstGeom prst="rect">
+            <a:avLst/>
+          </a:prstGeom>
+          <a:noFill/>
+        </p:spPr>
+        <p:txBody>
+          <a:bodyPr wrap="square" rtlCol="0">
+            <a:spAutoFit/>
+          </a:bodyPr>
+          <a:lstStyle/>
+          <a:p>
+            <a:r>
+              <a:rPr lang="ru-RU" sz="2000" dirty="0" smtClean="0">
+                <a:latin typeface="Bahnschrift" panose="020B0502040204020203" pitchFamily="34" charset="0"/>
+              </a:rPr>
+              <a:t>Представим приближенный к реальности кейс…</a:t>
+            </a:r>
+          </a:p>
+          <a:p>
+            <a:r>
+              <a:rPr lang="ru-RU" sz="2000" dirty="0" smtClean="0">
+                <a:latin typeface="Bahnschrift" panose="020B0502040204020203" pitchFamily="34" charset="0"/>
+              </a:rPr>
+              <a:t>В небольшой компании в 30 человек нужно внедрить пропускную систему с идентификацией по лицу</a:t>
+            </a:r>
+            <a:endParaRPr lang="ru-RU" sz="2000" dirty="0">
+              <a:latin typeface="Bahnschrift" panose="020B0502040204020203" pitchFamily="34" charset="0"/>
             </a:endParaRPr>
           </a:p>
         </p:txBody>
@@ -5378,7 +5905,7 @@
     </p:spTree>
     <p:extLst>
       <p:ext uri="{BB962C8B-B14F-4D97-AF65-F5344CB8AC3E}">
-        <p14:creationId xmlns:p14="http://schemas.microsoft.com/office/powerpoint/2010/main" val="183982669"/>
+        <p14:creationId xmlns:p14="http://schemas.microsoft.com/office/powerpoint/2010/main" val="4185349489"/>
       </p:ext>
     </p:extLst>
   </p:cSld>
@@ -5434,7 +5961,7 @@
         </p:nvSpPr>
         <p:spPr>
           <a:xfrm>
-            <a:off x="1434193" y="1071113"/>
+            <a:off x="1317461" y="223737"/>
             <a:ext cx="3520362" cy="523220"/>
           </a:xfrm>
           <a:prstGeom prst="rect">
@@ -5471,10 +5998,152 @@
           </a:p>
         </p:txBody>
       </p:sp>
+      <p:pic>
+        <p:nvPicPr>
+          <p:cNvPr id="3" name="Рисунок 2"/>
+          <p:cNvPicPr>
+            <a:picLocks noChangeAspect="1"/>
+          </p:cNvPicPr>
+          <p:nvPr/>
+        </p:nvPicPr>
+        <p:blipFill>
+          <a:blip r:embed="rId3"/>
+          <a:stretch>
+            <a:fillRect/>
+          </a:stretch>
+        </p:blipFill>
+        <p:spPr>
+          <a:xfrm>
+            <a:off x="397637" y="1582033"/>
+            <a:ext cx="4592651" cy="5034252"/>
+          </a:xfrm>
+          <a:prstGeom prst="rect">
+            <a:avLst/>
+          </a:prstGeom>
+        </p:spPr>
+      </p:pic>
+      <p:pic>
+        <p:nvPicPr>
+          <p:cNvPr id="4" name="Рисунок 3"/>
+          <p:cNvPicPr>
+            <a:picLocks noChangeAspect="1"/>
+          </p:cNvPicPr>
+          <p:nvPr/>
+        </p:nvPicPr>
+        <p:blipFill>
+          <a:blip r:embed="rId4"/>
+          <a:stretch>
+            <a:fillRect/>
+          </a:stretch>
+        </p:blipFill>
+        <p:spPr>
+          <a:xfrm>
+            <a:off x="5705493" y="1566485"/>
+            <a:ext cx="6269256" cy="5049800"/>
+          </a:xfrm>
+          <a:prstGeom prst="rect">
+            <a:avLst/>
+          </a:prstGeom>
+        </p:spPr>
+      </p:pic>
+      <p:sp>
+        <p:nvSpPr>
+          <p:cNvPr id="2" name="TextBox 1"/>
+          <p:cNvSpPr txBox="1"/>
+          <p:nvPr/>
+        </p:nvSpPr>
+        <p:spPr>
+          <a:xfrm>
+            <a:off x="486383" y="746957"/>
+            <a:ext cx="4503905" cy="923330"/>
+          </a:xfrm>
+          <a:prstGeom prst="rect">
+            <a:avLst/>
+          </a:prstGeom>
+          <a:noFill/>
+        </p:spPr>
+        <p:txBody>
+          <a:bodyPr wrap="square" rtlCol="0">
+            <a:spAutoFit/>
+          </a:bodyPr>
+          <a:lstStyle/>
+          <a:p>
+            <a:r>
+              <a:rPr lang="ru-RU" dirty="0" smtClean="0">
+                <a:latin typeface="Bahnschrift" panose="020B0502040204020203" pitchFamily="34" charset="0"/>
+              </a:rPr>
+              <a:t>По 3 фотографии от каждого из </a:t>
+            </a:r>
+            <a:r>
+              <a:rPr lang="en-US" dirty="0" smtClean="0">
+                <a:latin typeface="Bahnschrift" panose="020B0502040204020203" pitchFamily="34" charset="0"/>
+              </a:rPr>
+              <a:t>30 </a:t>
+            </a:r>
+            <a:r>
+              <a:rPr lang="ru-RU" dirty="0" smtClean="0">
+                <a:latin typeface="Bahnschrift" panose="020B0502040204020203" pitchFamily="34" charset="0"/>
+              </a:rPr>
+              <a:t>сотрудников для обучения</a:t>
+            </a:r>
+          </a:p>
+          <a:p>
+            <a:r>
+              <a:rPr lang="ru-RU" dirty="0" smtClean="0">
+                <a:latin typeface="Bahnschrift" panose="020B0502040204020203" pitchFamily="34" charset="0"/>
+              </a:rPr>
+              <a:t>1 фотография для </a:t>
+            </a:r>
+            <a:r>
+              <a:rPr lang="ru-RU" dirty="0" err="1" smtClean="0">
+                <a:latin typeface="Bahnschrift" panose="020B0502040204020203" pitchFamily="34" charset="0"/>
+              </a:rPr>
+              <a:t>валидации</a:t>
+            </a:r>
+            <a:endParaRPr lang="ru-RU" dirty="0">
+              <a:latin typeface="Bahnschrift" panose="020B0502040204020203" pitchFamily="34" charset="0"/>
+            </a:endParaRPr>
+          </a:p>
+        </p:txBody>
+      </p:sp>
+      <p:sp>
+        <p:nvSpPr>
+          <p:cNvPr id="6" name="TextBox 5"/>
+          <p:cNvSpPr txBox="1"/>
+          <p:nvPr/>
+        </p:nvSpPr>
+        <p:spPr>
+          <a:xfrm>
+            <a:off x="7470844" y="1023956"/>
+            <a:ext cx="2441641" cy="369332"/>
+          </a:xfrm>
+          <a:prstGeom prst="rect">
+            <a:avLst/>
+          </a:prstGeom>
+          <a:noFill/>
+        </p:spPr>
+        <p:txBody>
+          <a:bodyPr wrap="square" rtlCol="0">
+            <a:spAutoFit/>
+          </a:bodyPr>
+          <a:lstStyle/>
+          <a:p>
+            <a:r>
+              <a:rPr lang="ru-RU" dirty="0" smtClean="0">
+                <a:latin typeface="Bahnschrift" panose="020B0502040204020203" pitchFamily="34" charset="0"/>
+              </a:rPr>
+              <a:t>20 «не сотрудников»</a:t>
+            </a:r>
+            <a:endParaRPr lang="ru-RU" dirty="0">
+              <a:latin typeface="Bahnschrift" panose="020B0502040204020203" pitchFamily="34" charset="0"/>
+            </a:endParaRPr>
+          </a:p>
+        </p:txBody>
+      </p:sp>
     </p:spTree>
     <p:extLst>
       <p:ext uri="{BB962C8B-B14F-4D97-AF65-F5344CB8AC3E}">
-        <p14:creationId xmlns:p14="http://schemas.microsoft.com/office/powerpoint/2010/main" val="4185349489"/>
+        <p14:creationId xmlns:p14="http://schemas.microsoft.com/office/powerpoint/2010/main" val="3272746392"/>
       </p:ext>
     </p:extLst>
   </p:cSld>

--- a/presentation.pptx
+++ b/presentation.pptx
@@ -4527,7 +4527,7 @@
         <p:spPr>
           <a:xfrm>
             <a:off x="971550" y="1962150"/>
-            <a:ext cx="5987537" cy="646331"/>
+            <a:ext cx="9777514" cy="2862322"/>
           </a:xfrm>
           <a:prstGeom prst="rect">
             <a:avLst/>
@@ -4535,13 +4535,13 @@
           <a:noFill/>
         </p:spPr>
         <p:txBody>
-          <a:bodyPr wrap="none" rtlCol="0">
+          <a:bodyPr wrap="square" rtlCol="0">
             <a:spAutoFit/>
           </a:bodyPr>
           <a:lstStyle/>
           <a:p>
             <a:r>
-              <a:rPr lang="ru-RU" altLang="ru-RU" dirty="0">
+              <a:rPr lang="ru-RU" altLang="ru-RU" dirty="0" smtClean="0">
                 <a:solidFill>
                   <a:schemeClr val="accent5">
                     <a:lumMod val="75000"/>
@@ -4550,12 +4550,10 @@
                 <a:latin typeface="Bahnschrift Light SemiCondensed" panose="020B0502040204020203" pitchFamily="34" charset="0"/>
                 <a:cs typeface="Times New Roman" panose="02020603050405020304" pitchFamily="18" charset="0"/>
               </a:rPr>
-              <a:t>Результаты должны совпадать с задачами и целью проекта. </a:t>
-            </a:r>
-          </a:p>
-          <a:p>
-            <a:r>
-              <a:rPr lang="ru-RU" altLang="ru-RU" dirty="0">
+              <a:t>Все поставленные задачи были выполнены, </a:t>
+            </a:r>
+            <a:r>
+              <a:rPr lang="ru-RU" altLang="ru-RU" dirty="0" smtClean="0">
                 <a:solidFill>
                   <a:schemeClr val="accent5">
                     <a:lumMod val="75000"/>
@@ -4564,8 +4562,364 @@
                 <a:latin typeface="Bahnschrift Light SemiCondensed" panose="020B0502040204020203" pitchFamily="34" charset="0"/>
                 <a:cs typeface="Times New Roman" panose="02020603050405020304" pitchFamily="18" charset="0"/>
               </a:rPr>
-              <a:t>В выводе делается заключение о степени решения проблемы.</a:t>
-            </a:r>
+              <a:t>ц</a:t>
+            </a:r>
+            <a:r>
+              <a:rPr lang="ru-RU" altLang="ru-RU" dirty="0" smtClean="0">
+                <a:solidFill>
+                  <a:schemeClr val="accent5">
+                    <a:lumMod val="75000"/>
+                  </a:schemeClr>
+                </a:solidFill>
+                <a:latin typeface="Bahnschrift Light SemiCondensed" panose="020B0502040204020203" pitchFamily="34" charset="0"/>
+                <a:cs typeface="Times New Roman" panose="02020603050405020304" pitchFamily="18" charset="0"/>
+              </a:rPr>
+              <a:t>ель достигнута.</a:t>
+            </a:r>
+          </a:p>
+          <a:p>
+            <a:r>
+              <a:rPr lang="ru-RU" altLang="ru-RU" dirty="0" smtClean="0">
+                <a:solidFill>
+                  <a:schemeClr val="accent5">
+                    <a:lumMod val="75000"/>
+                  </a:schemeClr>
+                </a:solidFill>
+                <a:latin typeface="Bahnschrift Light SemiCondensed" panose="020B0502040204020203" pitchFamily="34" charset="0"/>
+                <a:cs typeface="Times New Roman" panose="02020603050405020304" pitchFamily="18" charset="0"/>
+              </a:rPr>
+              <a:t>Модель построенная на </a:t>
+            </a:r>
+            <a:r>
+              <a:rPr lang="en-US" altLang="ru-RU" dirty="0" smtClean="0">
+                <a:solidFill>
+                  <a:schemeClr val="accent5">
+                    <a:lumMod val="75000"/>
+                  </a:schemeClr>
+                </a:solidFill>
+                <a:latin typeface="Bahnschrift Light SemiCondensed" panose="020B0502040204020203" pitchFamily="34" charset="0"/>
+                <a:cs typeface="Times New Roman" panose="02020603050405020304" pitchFamily="18" charset="0"/>
+              </a:rPr>
+              <a:t>HOG-</a:t>
+            </a:r>
+            <a:r>
+              <a:rPr lang="ru-RU" altLang="ru-RU" dirty="0" smtClean="0">
+                <a:solidFill>
+                  <a:schemeClr val="accent5">
+                    <a:lumMod val="75000"/>
+                  </a:schemeClr>
+                </a:solidFill>
+                <a:latin typeface="Bahnschrift Light SemiCondensed" panose="020B0502040204020203" pitchFamily="34" charset="0"/>
+                <a:cs typeface="Times New Roman" panose="02020603050405020304" pitchFamily="18" charset="0"/>
+              </a:rPr>
+              <a:t>детекторе, распознавателе </a:t>
+            </a:r>
+            <a:r>
+              <a:rPr lang="en-US" altLang="ru-RU" dirty="0" smtClean="0">
+                <a:solidFill>
+                  <a:schemeClr val="accent5">
+                    <a:lumMod val="75000"/>
+                  </a:schemeClr>
+                </a:solidFill>
+                <a:latin typeface="Bahnschrift Light SemiCondensed" panose="020B0502040204020203" pitchFamily="34" charset="0"/>
+                <a:cs typeface="Times New Roman" panose="02020603050405020304" pitchFamily="18" charset="0"/>
+              </a:rPr>
+              <a:t>VGG16</a:t>
+            </a:r>
+            <a:r>
+              <a:rPr lang="ru-RU" altLang="ru-RU" dirty="0" smtClean="0">
+                <a:solidFill>
+                  <a:schemeClr val="accent5">
+                    <a:lumMod val="75000"/>
+                  </a:schemeClr>
+                </a:solidFill>
+                <a:latin typeface="Bahnschrift Light SemiCondensed" panose="020B0502040204020203" pitchFamily="34" charset="0"/>
+                <a:cs typeface="Times New Roman" panose="02020603050405020304" pitchFamily="18" charset="0"/>
+              </a:rPr>
+              <a:t> и классификаторе </a:t>
+            </a:r>
+            <a:r>
+              <a:rPr lang="en-US" altLang="ru-RU" dirty="0" smtClean="0">
+                <a:solidFill>
+                  <a:schemeClr val="accent5">
+                    <a:lumMod val="75000"/>
+                  </a:schemeClr>
+                </a:solidFill>
+                <a:latin typeface="Bahnschrift Light SemiCondensed" panose="020B0502040204020203" pitchFamily="34" charset="0"/>
+                <a:cs typeface="Times New Roman" panose="02020603050405020304" pitchFamily="18" charset="0"/>
+              </a:rPr>
+              <a:t>SVM </a:t>
+            </a:r>
+            <a:r>
+              <a:rPr lang="ru-RU" altLang="ru-RU" dirty="0" smtClean="0">
+                <a:solidFill>
+                  <a:schemeClr val="accent5">
+                    <a:lumMod val="75000"/>
+                  </a:schemeClr>
+                </a:solidFill>
+                <a:latin typeface="Bahnschrift Light SemiCondensed" panose="020B0502040204020203" pitchFamily="34" charset="0"/>
+                <a:cs typeface="Times New Roman" panose="02020603050405020304" pitchFamily="18" charset="0"/>
+              </a:rPr>
+              <a:t>может считаться </a:t>
+            </a:r>
+            <a:r>
+              <a:rPr lang="en-US" altLang="ru-RU" dirty="0" smtClean="0">
+                <a:solidFill>
+                  <a:schemeClr val="accent5">
+                    <a:lumMod val="75000"/>
+                  </a:schemeClr>
+                </a:solidFill>
+                <a:latin typeface="Bahnschrift Light SemiCondensed" panose="020B0502040204020203" pitchFamily="34" charset="0"/>
+                <a:cs typeface="Times New Roman" panose="02020603050405020304" pitchFamily="18" charset="0"/>
+              </a:rPr>
+              <a:t>baseline </a:t>
+            </a:r>
+            <a:r>
+              <a:rPr lang="ru-RU" altLang="ru-RU" dirty="0" smtClean="0">
+                <a:solidFill>
+                  <a:schemeClr val="accent5">
+                    <a:lumMod val="75000"/>
+                  </a:schemeClr>
+                </a:solidFill>
+                <a:latin typeface="Bahnschrift Light SemiCondensed" panose="020B0502040204020203" pitchFamily="34" charset="0"/>
+                <a:cs typeface="Times New Roman" panose="02020603050405020304" pitchFamily="18" charset="0"/>
+              </a:rPr>
+              <a:t>моделью.</a:t>
+            </a:r>
+            <a:endParaRPr lang="ru-RU" altLang="ru-RU" dirty="0">
+              <a:solidFill>
+                <a:schemeClr val="accent5">
+                  <a:lumMod val="75000"/>
+                </a:schemeClr>
+              </a:solidFill>
+              <a:latin typeface="Bahnschrift Light SemiCondensed" panose="020B0502040204020203" pitchFamily="34" charset="0"/>
+              <a:cs typeface="Times New Roman" panose="02020603050405020304" pitchFamily="18" charset="0"/>
+            </a:endParaRPr>
+          </a:p>
+          <a:p>
+            <a:r>
+              <a:rPr lang="ru-RU" altLang="ru-RU" dirty="0" smtClean="0">
+                <a:solidFill>
+                  <a:schemeClr val="accent5">
+                    <a:lumMod val="75000"/>
+                  </a:schemeClr>
+                </a:solidFill>
+                <a:latin typeface="Bahnschrift Light SemiCondensed" panose="020B0502040204020203" pitchFamily="34" charset="0"/>
+                <a:cs typeface="Times New Roman" panose="02020603050405020304" pitchFamily="18" charset="0"/>
+              </a:rPr>
+              <a:t>Модель можно использовать для пропускной системы или системы </a:t>
+            </a:r>
+            <a:r>
+              <a:rPr lang="ru-RU" altLang="ru-RU" dirty="0" err="1" smtClean="0">
+                <a:solidFill>
+                  <a:schemeClr val="accent5">
+                    <a:lumMod val="75000"/>
+                  </a:schemeClr>
+                </a:solidFill>
+                <a:latin typeface="Bahnschrift Light SemiCondensed" panose="020B0502040204020203" pitchFamily="34" charset="0"/>
+                <a:cs typeface="Times New Roman" panose="02020603050405020304" pitchFamily="18" charset="0"/>
+              </a:rPr>
+              <a:t>прокторинга</a:t>
+            </a:r>
+            <a:r>
+              <a:rPr lang="ru-RU" altLang="ru-RU" dirty="0" smtClean="0">
+                <a:solidFill>
+                  <a:schemeClr val="accent5">
+                    <a:lumMod val="75000"/>
+                  </a:schemeClr>
+                </a:solidFill>
+                <a:latin typeface="Bahnschrift Light SemiCondensed" panose="020B0502040204020203" pitchFamily="34" charset="0"/>
+                <a:cs typeface="Times New Roman" panose="02020603050405020304" pitchFamily="18" charset="0"/>
+              </a:rPr>
+              <a:t>. </a:t>
+            </a:r>
+          </a:p>
+          <a:p>
+            <a:r>
+              <a:rPr lang="ru-RU" altLang="ru-RU" dirty="0" smtClean="0">
+                <a:solidFill>
+                  <a:schemeClr val="accent5">
+                    <a:lumMod val="75000"/>
+                  </a:schemeClr>
+                </a:solidFill>
+                <a:latin typeface="Bahnschrift Light SemiCondensed" panose="020B0502040204020203" pitchFamily="34" charset="0"/>
+                <a:cs typeface="Times New Roman" panose="02020603050405020304" pitchFamily="18" charset="0"/>
+              </a:rPr>
+              <a:t>Текущее состояние системы позволяет использовать её совместно с существующей традиционными способами пропускного контроля. </a:t>
+            </a:r>
+          </a:p>
+          <a:p>
+            <a:r>
+              <a:rPr lang="ru-RU" altLang="ru-RU" dirty="0" smtClean="0">
+                <a:solidFill>
+                  <a:schemeClr val="accent5">
+                    <a:lumMod val="75000"/>
+                  </a:schemeClr>
+                </a:solidFill>
+                <a:latin typeface="Bahnschrift Light SemiCondensed" panose="020B0502040204020203" pitchFamily="34" charset="0"/>
+                <a:cs typeface="Times New Roman" panose="02020603050405020304" pitchFamily="18" charset="0"/>
+              </a:rPr>
+              <a:t>Для дальнейшего развития модели можно:</a:t>
+            </a:r>
+          </a:p>
+          <a:p>
+            <a:pPr marL="285750" indent="-285750">
+              <a:buFont typeface="Arial" panose="020B0604020202020204" pitchFamily="34" charset="0"/>
+              <a:buChar char="•"/>
+            </a:pPr>
+            <a:r>
+              <a:rPr lang="ru-RU" altLang="ru-RU" dirty="0" smtClean="0">
+                <a:solidFill>
+                  <a:schemeClr val="accent5">
+                    <a:lumMod val="75000"/>
+                  </a:schemeClr>
+                </a:solidFill>
+                <a:latin typeface="Bahnschrift Light SemiCondensed" panose="020B0502040204020203" pitchFamily="34" charset="0"/>
+                <a:cs typeface="Times New Roman" panose="02020603050405020304" pitchFamily="18" charset="0"/>
+              </a:rPr>
+              <a:t>Расширить </a:t>
+            </a:r>
+            <a:r>
+              <a:rPr lang="ru-RU" altLang="ru-RU" dirty="0" err="1" smtClean="0">
+                <a:solidFill>
+                  <a:schemeClr val="accent5">
+                    <a:lumMod val="75000"/>
+                  </a:schemeClr>
+                </a:solidFill>
+                <a:latin typeface="Bahnschrift Light SemiCondensed" panose="020B0502040204020203" pitchFamily="34" charset="0"/>
+                <a:cs typeface="Times New Roman" panose="02020603050405020304" pitchFamily="18" charset="0"/>
+              </a:rPr>
+              <a:t>датасет</a:t>
+            </a:r>
+            <a:r>
+              <a:rPr lang="ru-RU" altLang="ru-RU" dirty="0" smtClean="0">
+                <a:solidFill>
+                  <a:schemeClr val="accent5">
+                    <a:lumMod val="75000"/>
+                  </a:schemeClr>
+                </a:solidFill>
+                <a:latin typeface="Bahnschrift Light SemiCondensed" panose="020B0502040204020203" pitchFamily="34" charset="0"/>
+                <a:cs typeface="Times New Roman" panose="02020603050405020304" pitchFamily="18" charset="0"/>
+              </a:rPr>
+              <a:t> для обучения;</a:t>
+            </a:r>
+          </a:p>
+          <a:p>
+            <a:pPr marL="285750" indent="-285750">
+              <a:buFont typeface="Arial" panose="020B0604020202020204" pitchFamily="34" charset="0"/>
+              <a:buChar char="•"/>
+            </a:pPr>
+            <a:r>
+              <a:rPr lang="ru-RU" altLang="ru-RU" dirty="0" smtClean="0">
+                <a:solidFill>
+                  <a:schemeClr val="accent5">
+                    <a:lumMod val="75000"/>
+                  </a:schemeClr>
+                </a:solidFill>
+                <a:latin typeface="Bahnschrift Light SemiCondensed" panose="020B0502040204020203" pitchFamily="34" charset="0"/>
+                <a:cs typeface="Times New Roman" panose="02020603050405020304" pitchFamily="18" charset="0"/>
+              </a:rPr>
+              <a:t>Применить </a:t>
+            </a:r>
+            <a:r>
+              <a:rPr lang="ru-RU" altLang="ru-RU" dirty="0" err="1" smtClean="0">
+                <a:solidFill>
+                  <a:schemeClr val="accent5">
+                    <a:lumMod val="75000"/>
+                  </a:schemeClr>
+                </a:solidFill>
+                <a:latin typeface="Bahnschrift Light SemiCondensed" panose="020B0502040204020203" pitchFamily="34" charset="0"/>
+                <a:cs typeface="Times New Roman" panose="02020603050405020304" pitchFamily="18" charset="0"/>
+              </a:rPr>
+              <a:t>нейросетевой</a:t>
+            </a:r>
+            <a:r>
+              <a:rPr lang="ru-RU" altLang="ru-RU" dirty="0" smtClean="0">
+                <a:solidFill>
+                  <a:schemeClr val="accent5">
+                    <a:lumMod val="75000"/>
+                  </a:schemeClr>
+                </a:solidFill>
+                <a:latin typeface="Bahnschrift Light SemiCondensed" panose="020B0502040204020203" pitchFamily="34" charset="0"/>
+                <a:cs typeface="Times New Roman" panose="02020603050405020304" pitchFamily="18" charset="0"/>
+              </a:rPr>
+              <a:t> классификатор;</a:t>
+            </a:r>
+          </a:p>
+          <a:p>
+            <a:pPr marL="285750" indent="-285750">
+              <a:buFont typeface="Arial" panose="020B0604020202020204" pitchFamily="34" charset="0"/>
+              <a:buChar char="•"/>
+            </a:pPr>
+            <a:r>
+              <a:rPr lang="ru-RU" altLang="ru-RU" dirty="0" smtClean="0">
+                <a:solidFill>
+                  <a:schemeClr val="accent5">
+                    <a:lumMod val="75000"/>
+                  </a:schemeClr>
+                </a:solidFill>
+                <a:latin typeface="Bahnschrift Light SemiCondensed" panose="020B0502040204020203" pitchFamily="34" charset="0"/>
+                <a:cs typeface="Times New Roman" panose="02020603050405020304" pitchFamily="18" charset="0"/>
+              </a:rPr>
+              <a:t>Использовать более сложную модель, чем </a:t>
+            </a:r>
+            <a:r>
+              <a:rPr lang="en-US" altLang="ru-RU" dirty="0" smtClean="0">
+                <a:solidFill>
+                  <a:schemeClr val="accent5">
+                    <a:lumMod val="75000"/>
+                  </a:schemeClr>
+                </a:solidFill>
+                <a:latin typeface="Bahnschrift Light SemiCondensed" panose="020B0502040204020203" pitchFamily="34" charset="0"/>
+                <a:cs typeface="Times New Roman" panose="02020603050405020304" pitchFamily="18" charset="0"/>
+              </a:rPr>
+              <a:t>VGG16</a:t>
+            </a:r>
+            <a:r>
+              <a:rPr lang="ru-RU" altLang="ru-RU" dirty="0" smtClean="0">
+                <a:solidFill>
+                  <a:schemeClr val="accent5">
+                    <a:lumMod val="75000"/>
+                  </a:schemeClr>
+                </a:solidFill>
+                <a:latin typeface="Bahnschrift Light SemiCondensed" panose="020B0502040204020203" pitchFamily="34" charset="0"/>
+                <a:cs typeface="Times New Roman" panose="02020603050405020304" pitchFamily="18" charset="0"/>
+              </a:rPr>
+              <a:t>, возможно</a:t>
+            </a:r>
+            <a:r>
+              <a:rPr lang="en-US" altLang="ru-RU" dirty="0">
+                <a:solidFill>
+                  <a:schemeClr val="accent5">
+                    <a:lumMod val="75000"/>
+                  </a:schemeClr>
+                </a:solidFill>
+                <a:latin typeface="Bahnschrift Light SemiCondensed" panose="020B0502040204020203" pitchFamily="34" charset="0"/>
+                <a:cs typeface="Times New Roman" panose="02020603050405020304" pitchFamily="18" charset="0"/>
+              </a:rPr>
+              <a:t> </a:t>
+            </a:r>
+            <a:r>
+              <a:rPr lang="en-US" altLang="ru-RU" dirty="0" smtClean="0">
+                <a:solidFill>
+                  <a:schemeClr val="accent5">
+                    <a:lumMod val="75000"/>
+                  </a:schemeClr>
+                </a:solidFill>
+                <a:latin typeface="Bahnschrift Light SemiCondensed" panose="020B0502040204020203" pitchFamily="34" charset="0"/>
+                <a:cs typeface="Times New Roman" panose="02020603050405020304" pitchFamily="18" charset="0"/>
+              </a:rPr>
+              <a:t>ResNet50.</a:t>
+            </a:r>
+            <a:endParaRPr lang="ru-RU" altLang="ru-RU" dirty="0" smtClean="0">
+              <a:solidFill>
+                <a:schemeClr val="accent5">
+                  <a:lumMod val="75000"/>
+                </a:schemeClr>
+              </a:solidFill>
+              <a:latin typeface="Bahnschrift Light SemiCondensed" panose="020B0502040204020203" pitchFamily="34" charset="0"/>
+              <a:cs typeface="Times New Roman" panose="02020603050405020304" pitchFamily="18" charset="0"/>
+            </a:endParaRPr>
           </a:p>
         </p:txBody>
       </p:sp>
@@ -5210,7 +5564,7 @@
         <p:spPr>
           <a:xfrm>
             <a:off x="1953701" y="1747531"/>
-            <a:ext cx="7701681" cy="461665"/>
+            <a:ext cx="7701681" cy="830997"/>
           </a:xfrm>
           <a:prstGeom prst="rect">
             <a:avLst/>
@@ -5227,7 +5581,31 @@
               <a:rPr lang="ru-RU" sz="2400" dirty="0" smtClean="0">
                 <a:latin typeface="Bahnschrift Light SemiCondensed" panose="020B0502040204020203" pitchFamily="34" charset="0"/>
               </a:rPr>
-              <a:t>Реализовать систему идентификации человека по лицу</a:t>
+              <a:t>Упростить пропускной контроль </a:t>
+            </a:r>
+            <a:r>
+              <a:rPr lang="ru-RU" sz="2400" dirty="0">
+                <a:latin typeface="Bahnschrift Light SemiCondensed" panose="020B0502040204020203" pitchFamily="34" charset="0"/>
+              </a:rPr>
+              <a:t>с помощью </a:t>
+            </a:r>
+            <a:r>
+              <a:rPr lang="ru-RU" sz="2400" dirty="0" smtClean="0">
+                <a:latin typeface="Bahnschrift Light SemiCondensed" panose="020B0502040204020203" pitchFamily="34" charset="0"/>
+              </a:rPr>
+              <a:t>системы </a:t>
+            </a:r>
+            <a:r>
+              <a:rPr lang="ru-RU" sz="2400" dirty="0">
+                <a:latin typeface="Bahnschrift Light SemiCondensed" panose="020B0502040204020203" pitchFamily="34" charset="0"/>
+              </a:rPr>
+              <a:t>идентификации человека по </a:t>
+            </a:r>
+            <a:r>
+              <a:rPr lang="ru-RU" sz="2400" dirty="0" smtClean="0">
+                <a:latin typeface="Bahnschrift Light SemiCondensed" panose="020B0502040204020203" pitchFamily="34" charset="0"/>
+              </a:rPr>
+              <a:t>лицу</a:t>
             </a:r>
             <a:endParaRPr lang="ru-RU" sz="2400" dirty="0">
               <a:latin typeface="Bahnschrift Light SemiCondensed" panose="020B0502040204020203" pitchFamily="34" charset="0"/>

--- a/presentation.pptx
+++ b/presentation.pptx
@@ -12,14 +12,17 @@
     <p:sldId id="261" r:id="rId6"/>
     <p:sldId id="271" r:id="rId7"/>
     <p:sldId id="265" r:id="rId8"/>
-    <p:sldId id="273" r:id="rId9"/>
-    <p:sldId id="276" r:id="rId10"/>
-    <p:sldId id="275" r:id="rId11"/>
-    <p:sldId id="277" r:id="rId12"/>
-    <p:sldId id="278" r:id="rId13"/>
-    <p:sldId id="279" r:id="rId14"/>
-    <p:sldId id="266" r:id="rId15"/>
-    <p:sldId id="267" r:id="rId16"/>
+    <p:sldId id="280" r:id="rId9"/>
+    <p:sldId id="281" r:id="rId10"/>
+    <p:sldId id="282" r:id="rId11"/>
+    <p:sldId id="273" r:id="rId12"/>
+    <p:sldId id="276" r:id="rId13"/>
+    <p:sldId id="275" r:id="rId14"/>
+    <p:sldId id="277" r:id="rId15"/>
+    <p:sldId id="278" r:id="rId16"/>
+    <p:sldId id="279" r:id="rId17"/>
+    <p:sldId id="266" r:id="rId18"/>
+    <p:sldId id="267" r:id="rId19"/>
   </p:sldIdLst>
   <p:sldSz cx="12192000" cy="6858000"/>
   <p:notesSz cx="6858000" cy="9144000"/>
@@ -255,7 +258,7 @@
           <a:p>
             <a:fld id="{44DFBB45-DAC6-4119-B571-663DA2F63C37}" type="datetimeFigureOut">
               <a:rPr lang="ru-RU" smtClean="0"/>
-              <a:t>30.05.2023</a:t>
+              <a:t>31.05.2023</a:t>
             </a:fld>
             <a:endParaRPr lang="ru-RU"/>
           </a:p>
@@ -423,7 +426,7 @@
           <a:p>
             <a:fld id="{44DFBB45-DAC6-4119-B571-663DA2F63C37}" type="datetimeFigureOut">
               <a:rPr lang="ru-RU" smtClean="0"/>
-              <a:t>30.05.2023</a:t>
+              <a:t>31.05.2023</a:t>
             </a:fld>
             <a:endParaRPr lang="ru-RU"/>
           </a:p>
@@ -601,7 +604,7 @@
           <a:p>
             <a:fld id="{44DFBB45-DAC6-4119-B571-663DA2F63C37}" type="datetimeFigureOut">
               <a:rPr lang="ru-RU" smtClean="0"/>
-              <a:t>30.05.2023</a:t>
+              <a:t>31.05.2023</a:t>
             </a:fld>
             <a:endParaRPr lang="ru-RU"/>
           </a:p>
@@ -769,7 +772,7 @@
           <a:p>
             <a:fld id="{44DFBB45-DAC6-4119-B571-663DA2F63C37}" type="datetimeFigureOut">
               <a:rPr lang="ru-RU" smtClean="0"/>
-              <a:t>30.05.2023</a:t>
+              <a:t>31.05.2023</a:t>
             </a:fld>
             <a:endParaRPr lang="ru-RU"/>
           </a:p>
@@ -1014,7 +1017,7 @@
           <a:p>
             <a:fld id="{44DFBB45-DAC6-4119-B571-663DA2F63C37}" type="datetimeFigureOut">
               <a:rPr lang="ru-RU" smtClean="0"/>
-              <a:t>30.05.2023</a:t>
+              <a:t>31.05.2023</a:t>
             </a:fld>
             <a:endParaRPr lang="ru-RU"/>
           </a:p>
@@ -1243,7 +1246,7 @@
           <a:p>
             <a:fld id="{44DFBB45-DAC6-4119-B571-663DA2F63C37}" type="datetimeFigureOut">
               <a:rPr lang="ru-RU" smtClean="0"/>
-              <a:t>30.05.2023</a:t>
+              <a:t>31.05.2023</a:t>
             </a:fld>
             <a:endParaRPr lang="ru-RU"/>
           </a:p>
@@ -1607,7 +1610,7 @@
           <a:p>
             <a:fld id="{44DFBB45-DAC6-4119-B571-663DA2F63C37}" type="datetimeFigureOut">
               <a:rPr lang="ru-RU" smtClean="0"/>
-              <a:t>30.05.2023</a:t>
+              <a:t>31.05.2023</a:t>
             </a:fld>
             <a:endParaRPr lang="ru-RU"/>
           </a:p>
@@ -1724,7 +1727,7 @@
           <a:p>
             <a:fld id="{44DFBB45-DAC6-4119-B571-663DA2F63C37}" type="datetimeFigureOut">
               <a:rPr lang="ru-RU" smtClean="0"/>
-              <a:t>30.05.2023</a:t>
+              <a:t>31.05.2023</a:t>
             </a:fld>
             <a:endParaRPr lang="ru-RU"/>
           </a:p>
@@ -1819,7 +1822,7 @@
           <a:p>
             <a:fld id="{44DFBB45-DAC6-4119-B571-663DA2F63C37}" type="datetimeFigureOut">
               <a:rPr lang="ru-RU" smtClean="0"/>
-              <a:t>30.05.2023</a:t>
+              <a:t>31.05.2023</a:t>
             </a:fld>
             <a:endParaRPr lang="ru-RU"/>
           </a:p>
@@ -2094,7 +2097,7 @@
           <a:p>
             <a:fld id="{44DFBB45-DAC6-4119-B571-663DA2F63C37}" type="datetimeFigureOut">
               <a:rPr lang="ru-RU" smtClean="0"/>
-              <a:t>30.05.2023</a:t>
+              <a:t>31.05.2023</a:t>
             </a:fld>
             <a:endParaRPr lang="ru-RU"/>
           </a:p>
@@ -2346,7 +2349,7 @@
           <a:p>
             <a:fld id="{44DFBB45-DAC6-4119-B571-663DA2F63C37}" type="datetimeFigureOut">
               <a:rPr lang="ru-RU" smtClean="0"/>
-              <a:t>30.05.2023</a:t>
+              <a:t>31.05.2023</a:t>
             </a:fld>
             <a:endParaRPr lang="ru-RU"/>
           </a:p>
@@ -2557,7 +2560,7 @@
           <a:p>
             <a:fld id="{44DFBB45-DAC6-4119-B571-663DA2F63C37}" type="datetimeFigureOut">
               <a:rPr lang="ru-RU" smtClean="0"/>
-              <a:t>30.05.2023</a:t>
+              <a:t>31.05.2023</a:t>
             </a:fld>
             <a:endParaRPr lang="ru-RU"/>
           </a:p>
@@ -3251,7 +3254,7 @@
 </file>
 
 <file path=ppt/slides/slide10.xml><?xml version="1.0" encoding="utf-8"?>
-<p:sld xmlns:a="http://schemas.openxmlformats.org/drawingml/2006/main" xmlns:r="http://schemas.openxmlformats.org/officeDocument/2006/relationships" xmlns:p="http://schemas.openxmlformats.org/presentationml/2006/main" show="0">
+<p:sld xmlns:a="http://schemas.openxmlformats.org/drawingml/2006/main" xmlns:r="http://schemas.openxmlformats.org/officeDocument/2006/relationships" xmlns:p="http://schemas.openxmlformats.org/presentationml/2006/main">
   <p:cSld>
     <p:bg>
       <p:bgPr>
@@ -3289,40 +3292,78 @@
         </p:nvSpPr>
         <p:spPr>
           <a:xfrm>
-            <a:off x="542684" y="304149"/>
-            <a:ext cx="2765501" cy="523220"/>
+            <a:off x="717753" y="657602"/>
+            <a:ext cx="8862851" cy="1015663"/>
           </a:xfrm>
           <a:prstGeom prst="rect">
             <a:avLst/>
           </a:prstGeom>
         </p:spPr>
         <p:txBody>
-          <a:bodyPr wrap="none">
+          <a:bodyPr wrap="square">
             <a:spAutoFit/>
           </a:bodyPr>
           <a:lstStyle/>
           <a:p>
             <a:r>
-              <a:rPr lang="ru-RU" sz="2800" dirty="0" smtClean="0">
+              <a:rPr lang="ru-RU" sz="3200" b="1" dirty="0">
                 <a:solidFill>
                   <a:schemeClr val="bg1"/>
                 </a:solidFill>
                 <a:latin typeface="Bahnschrift Light SemiCondensed" panose="020B0502040204020203" pitchFamily="34" charset="0"/>
               </a:rPr>
-              <a:t>Тестовый </a:t>
-            </a:r>
-            <a:r>
-              <a:rPr lang="ru-RU" sz="2800" dirty="0" err="1" smtClean="0">
+              <a:t>ПРОГРАММНАЯ </a:t>
+            </a:r>
+            <a:r>
+              <a:rPr lang="ru-RU" sz="3200" b="1" dirty="0" smtClean="0">
                 <a:solidFill>
                   <a:schemeClr val="bg1"/>
                 </a:solidFill>
                 <a:latin typeface="Bahnschrift Light SemiCondensed" panose="020B0502040204020203" pitchFamily="34" charset="0"/>
               </a:rPr>
-              <a:t>датасет</a:t>
-            </a:r>
+              <a:t>РЕАЛИЗАЦИЯ</a:t>
+            </a:r>
+            <a:r>
+              <a:rPr lang="en-US" sz="3200" b="1" dirty="0" smtClean="0">
+                <a:solidFill>
+                  <a:schemeClr val="bg1"/>
+                </a:solidFill>
+                <a:latin typeface="Bahnschrift Light SemiCondensed" panose="020B0502040204020203" pitchFamily="34" charset="0"/>
+              </a:rPr>
+              <a:t>: </a:t>
+            </a:r>
+            <a:r>
+              <a:rPr lang="ru-RU" sz="3200" b="1" dirty="0" smtClean="0">
+                <a:solidFill>
+                  <a:schemeClr val="bg1"/>
+                </a:solidFill>
+                <a:latin typeface="Bahnschrift Light SemiCondensed" panose="020B0502040204020203" pitchFamily="34" charset="0"/>
+              </a:rPr>
+              <a:t>классификация</a:t>
+            </a:r>
+            <a:r>
+              <a:rPr lang="ru-RU" sz="2800" dirty="0">
+                <a:solidFill>
+                  <a:schemeClr val="bg1"/>
+                </a:solidFill>
+                <a:latin typeface="Bahnschrift Light SemiCondensed" panose="020B0502040204020203" pitchFamily="34" charset="0"/>
+              </a:rPr>
+              <a:t/>
+            </a:r>
+            <a:br>
+              <a:rPr lang="ru-RU" sz="2800" dirty="0">
+                <a:solidFill>
+                  <a:schemeClr val="bg1"/>
+                </a:solidFill>
+                <a:latin typeface="Bahnschrift Light SemiCondensed" panose="020B0502040204020203" pitchFamily="34" charset="0"/>
+              </a:rPr>
+            </a:br>
             <a:endParaRPr lang="ru-RU" sz="2800" dirty="0">
               <a:solidFill>
-                <a:schemeClr val="bg1"/>
+                <a:schemeClr val="accent1">
+                  <a:lumMod val="60000"/>
+                  <a:lumOff val="40000"/>
+                </a:schemeClr>
               </a:solidFill>
               <a:latin typeface="Bahnschrift Light SemiCondensed" panose="020B0502040204020203" pitchFamily="34" charset="0"/>
             </a:endParaRPr>
@@ -3331,7 +3372,7 @@
       </p:sp>
       <p:pic>
         <p:nvPicPr>
-          <p:cNvPr id="4" name="Рисунок 3"/>
+          <p:cNvPr id="5" name="Рисунок 4"/>
           <p:cNvPicPr>
             <a:picLocks noChangeAspect="1"/>
           </p:cNvPicPr>
@@ -3345,8 +3386,56 @@
         </p:blipFill>
         <p:spPr>
           <a:xfrm>
-            <a:off x="2369497" y="1489542"/>
-            <a:ext cx="7453006" cy="3878916"/>
+            <a:off x="1006344" y="1764323"/>
+            <a:ext cx="4053065" cy="1275440"/>
+          </a:xfrm>
+          <a:prstGeom prst="rect">
+            <a:avLst/>
+          </a:prstGeom>
+        </p:spPr>
+      </p:pic>
+      <p:pic>
+        <p:nvPicPr>
+          <p:cNvPr id="7" name="Рисунок 6"/>
+          <p:cNvPicPr>
+            <a:picLocks noChangeAspect="1"/>
+          </p:cNvPicPr>
+          <p:nvPr/>
+        </p:nvPicPr>
+        <p:blipFill>
+          <a:blip r:embed="rId4"/>
+          <a:stretch>
+            <a:fillRect/>
+          </a:stretch>
+        </p:blipFill>
+        <p:spPr>
+          <a:xfrm>
+            <a:off x="1006344" y="4664989"/>
+            <a:ext cx="9535222" cy="612306"/>
+          </a:xfrm>
+          <a:prstGeom prst="rect">
+            <a:avLst/>
+          </a:prstGeom>
+        </p:spPr>
+      </p:pic>
+      <p:pic>
+        <p:nvPicPr>
+          <p:cNvPr id="9" name="Рисунок 8"/>
+          <p:cNvPicPr>
+            <a:picLocks noChangeAspect="1"/>
+          </p:cNvPicPr>
+          <p:nvPr/>
+        </p:nvPicPr>
+        <p:blipFill>
+          <a:blip r:embed="rId5"/>
+          <a:stretch>
+            <a:fillRect/>
+          </a:stretch>
+        </p:blipFill>
+        <p:spPr>
+          <a:xfrm>
+            <a:off x="1006344" y="3480849"/>
+            <a:ext cx="6411220" cy="743054"/>
           </a:xfrm>
           <a:prstGeom prst="rect">
             <a:avLst/>
@@ -3356,21 +3445,13 @@
     </p:spTree>
     <p:extLst>
       <p:ext uri="{BB962C8B-B14F-4D97-AF65-F5344CB8AC3E}">
-        <p14:creationId xmlns:p14="http://schemas.microsoft.com/office/powerpoint/2010/main" val="1889419787"/>
+        <p14:creationId xmlns:p14="http://schemas.microsoft.com/office/powerpoint/2010/main" val="1574300199"/>
       </p:ext>
     </p:extLst>
   </p:cSld>
   <p:clrMapOvr>
     <a:masterClrMapping/>
   </p:clrMapOvr>
-  <mc:AlternateContent xmlns:mc="http://schemas.openxmlformats.org/markup-compatibility/2006">
-    <mc:Choice xmlns:p14="http://schemas.microsoft.com/office/powerpoint/2010/main" Requires="p14">
-      <p:transition spd="slow" p14:dur="2000"/>
-    </mc:Choice>
-    <mc:Fallback>
-      <p:transition spd="slow"/>
-    </mc:Fallback>
-  </mc:AlternateContent>
   <p:timing>
     <p:tnLst>
       <p:par>
@@ -3420,7 +3501,7 @@
         </p:nvSpPr>
         <p:spPr>
           <a:xfrm>
-            <a:off x="1317461" y="223737"/>
+            <a:off x="1434193" y="438815"/>
             <a:ext cx="3520362" cy="523220"/>
           </a:xfrm>
           <a:prstGeom prst="rect">
@@ -3457,55 +3538,9 @@
           </a:p>
         </p:txBody>
       </p:sp>
-      <p:sp>
-        <p:nvSpPr>
-          <p:cNvPr id="2" name="TextBox 1"/>
-          <p:cNvSpPr txBox="1"/>
-          <p:nvPr/>
-        </p:nvSpPr>
-        <p:spPr>
-          <a:xfrm>
-            <a:off x="2738335" y="1885094"/>
-            <a:ext cx="6410528" cy="646331"/>
-          </a:xfrm>
-          <a:prstGeom prst="rect">
-            <a:avLst/>
-          </a:prstGeom>
-          <a:noFill/>
-        </p:spPr>
-        <p:txBody>
-          <a:bodyPr wrap="square" rtlCol="0">
-            <a:spAutoFit/>
-          </a:bodyPr>
-          <a:lstStyle/>
-          <a:p>
-            <a:r>
-              <a:rPr lang="ru-RU" dirty="0" smtClean="0">
-                <a:latin typeface="Bahnschrift" panose="020B0502040204020203" pitchFamily="34" charset="0"/>
-              </a:rPr>
-              <a:t>Для каждого сотрудника сформируем </a:t>
-            </a:r>
-            <a:r>
-              <a:rPr lang="ru-RU" dirty="0" err="1" smtClean="0">
-                <a:latin typeface="Bahnschrift" panose="020B0502040204020203" pitchFamily="34" charset="0"/>
-              </a:rPr>
-              <a:t>эмбеддинг</a:t>
-            </a:r>
-            <a:r>
-              <a:rPr lang="ru-RU" dirty="0" smtClean="0">
-                <a:latin typeface="Bahnschrift" panose="020B0502040204020203" pitchFamily="34" charset="0"/>
-              </a:rPr>
-              <a:t>, описывающий признаки его лица.</a:t>
-            </a:r>
-            <a:endParaRPr lang="ru-RU" dirty="0">
-              <a:latin typeface="Bahnschrift" panose="020B0502040204020203" pitchFamily="34" charset="0"/>
-            </a:endParaRPr>
-          </a:p>
-        </p:txBody>
-      </p:sp>
       <p:pic>
         <p:nvPicPr>
-          <p:cNvPr id="5" name="Рисунок 4"/>
+          <p:cNvPr id="3" name="Рисунок 2"/>
           <p:cNvPicPr>
             <a:picLocks noChangeAspect="1"/>
           </p:cNvPicPr>
@@ -3519,18 +3554,60 @@
         </p:blipFill>
         <p:spPr>
           <a:xfrm>
-            <a:off x="2738335" y="2602257"/>
-            <a:ext cx="5921253" cy="3132091"/>
+            <a:off x="1434193" y="2831352"/>
+            <a:ext cx="9784928" cy="2888230"/>
           </a:xfrm>
           <a:prstGeom prst="rect">
             <a:avLst/>
           </a:prstGeom>
         </p:spPr>
       </p:pic>
+      <p:sp>
+        <p:nvSpPr>
+          <p:cNvPr id="2" name="TextBox 1"/>
+          <p:cNvSpPr txBox="1"/>
+          <p:nvPr/>
+        </p:nvSpPr>
+        <p:spPr>
+          <a:xfrm>
+            <a:off x="1388159" y="1388862"/>
+            <a:ext cx="9805481" cy="1015663"/>
+          </a:xfrm>
+          <a:prstGeom prst="rect">
+            <a:avLst/>
+          </a:prstGeom>
+          <a:noFill/>
+        </p:spPr>
+        <p:txBody>
+          <a:bodyPr wrap="square" rtlCol="0">
+            <a:spAutoFit/>
+          </a:bodyPr>
+          <a:lstStyle/>
+          <a:p>
+            <a:r>
+              <a:rPr lang="ru-RU" sz="2000" dirty="0" smtClean="0">
+                <a:latin typeface="Bahnschrift" panose="020B0502040204020203" pitchFamily="34" charset="0"/>
+              </a:rPr>
+              <a:t>Представим приближенный к реальности кейс…</a:t>
+            </a:r>
+          </a:p>
+          <a:p>
+            <a:r>
+              <a:rPr lang="ru-RU" sz="2000" dirty="0" smtClean="0">
+                <a:latin typeface="Bahnschrift" panose="020B0502040204020203" pitchFamily="34" charset="0"/>
+              </a:rPr>
+              <a:t>В небольшой компании в 30 человек нужно внедрить пропускную систему с идентификацией по лицу</a:t>
+            </a:r>
+            <a:endParaRPr lang="ru-RU" sz="2000" dirty="0">
+              <a:latin typeface="Bahnschrift" panose="020B0502040204020203" pitchFamily="34" charset="0"/>
+            </a:endParaRPr>
+          </a:p>
+        </p:txBody>
+      </p:sp>
     </p:spTree>
     <p:extLst>
       <p:ext uri="{BB962C8B-B14F-4D97-AF65-F5344CB8AC3E}">
-        <p14:creationId xmlns:p14="http://schemas.microsoft.com/office/powerpoint/2010/main" val="4047632449"/>
+        <p14:creationId xmlns:p14="http://schemas.microsoft.com/office/powerpoint/2010/main" val="4185349489"/>
       </p:ext>
     </p:extLst>
   </p:cSld>
@@ -3623,43 +3700,9 @@
           </a:p>
         </p:txBody>
       </p:sp>
-      <p:sp>
-        <p:nvSpPr>
-          <p:cNvPr id="2" name="TextBox 1"/>
-          <p:cNvSpPr txBox="1"/>
-          <p:nvPr/>
-        </p:nvSpPr>
-        <p:spPr>
-          <a:xfrm>
-            <a:off x="2738335" y="1885094"/>
-            <a:ext cx="6410528" cy="646331"/>
-          </a:xfrm>
-          <a:prstGeom prst="rect">
-            <a:avLst/>
-          </a:prstGeom>
-          <a:noFill/>
-        </p:spPr>
-        <p:txBody>
-          <a:bodyPr wrap="square" rtlCol="0">
-            <a:spAutoFit/>
-          </a:bodyPr>
-          <a:lstStyle/>
-          <a:p>
-            <a:r>
-              <a:rPr lang="ru-RU" dirty="0" smtClean="0">
-                <a:latin typeface="Bahnschrift" panose="020B0502040204020203" pitchFamily="34" charset="0"/>
-              </a:rPr>
-              <a:t>Обучим классификатор на тренировочной выборке и оценим точность на тестовой</a:t>
-            </a:r>
-            <a:endParaRPr lang="ru-RU" dirty="0">
-              <a:latin typeface="Bahnschrift" panose="020B0502040204020203" pitchFamily="34" charset="0"/>
-            </a:endParaRPr>
-          </a:p>
-        </p:txBody>
-      </p:sp>
       <p:pic>
         <p:nvPicPr>
-          <p:cNvPr id="4" name="Рисунок 3"/>
+          <p:cNvPr id="3" name="Рисунок 2"/>
           <p:cNvPicPr>
             <a:picLocks noChangeAspect="1"/>
           </p:cNvPicPr>
@@ -3673,18 +3716,136 @@
         </p:blipFill>
         <p:spPr>
           <a:xfrm>
-            <a:off x="1692612" y="2694598"/>
-            <a:ext cx="8058133" cy="974964"/>
+            <a:off x="397637" y="1582033"/>
+            <a:ext cx="4592651" cy="5034252"/>
           </a:xfrm>
           <a:prstGeom prst="rect">
             <a:avLst/>
           </a:prstGeom>
         </p:spPr>
       </p:pic>
+      <p:pic>
+        <p:nvPicPr>
+          <p:cNvPr id="4" name="Рисунок 3"/>
+          <p:cNvPicPr>
+            <a:picLocks noChangeAspect="1"/>
+          </p:cNvPicPr>
+          <p:nvPr/>
+        </p:nvPicPr>
+        <p:blipFill>
+          <a:blip r:embed="rId4"/>
+          <a:stretch>
+            <a:fillRect/>
+          </a:stretch>
+        </p:blipFill>
+        <p:spPr>
+          <a:xfrm>
+            <a:off x="5705493" y="1566485"/>
+            <a:ext cx="6269256" cy="5049800"/>
+          </a:xfrm>
+          <a:prstGeom prst="rect">
+            <a:avLst/>
+          </a:prstGeom>
+        </p:spPr>
+      </p:pic>
+      <p:sp>
+        <p:nvSpPr>
+          <p:cNvPr id="2" name="TextBox 1"/>
+          <p:cNvSpPr txBox="1"/>
+          <p:nvPr/>
+        </p:nvSpPr>
+        <p:spPr>
+          <a:xfrm>
+            <a:off x="486383" y="746957"/>
+            <a:ext cx="4503905" cy="923330"/>
+          </a:xfrm>
+          <a:prstGeom prst="rect">
+            <a:avLst/>
+          </a:prstGeom>
+          <a:noFill/>
+        </p:spPr>
+        <p:txBody>
+          <a:bodyPr wrap="square" rtlCol="0">
+            <a:spAutoFit/>
+          </a:bodyPr>
+          <a:lstStyle/>
+          <a:p>
+            <a:r>
+              <a:rPr lang="ru-RU" dirty="0" smtClean="0">
+                <a:latin typeface="Bahnschrift" panose="020B0502040204020203" pitchFamily="34" charset="0"/>
+              </a:rPr>
+              <a:t>По 3 фотографии от каждого из </a:t>
+            </a:r>
+            <a:r>
+              <a:rPr lang="en-US" dirty="0" smtClean="0">
+                <a:latin typeface="Bahnschrift" panose="020B0502040204020203" pitchFamily="34" charset="0"/>
+              </a:rPr>
+              <a:t>30 </a:t>
+            </a:r>
+            <a:r>
+              <a:rPr lang="ru-RU" dirty="0" smtClean="0">
+                <a:latin typeface="Bahnschrift" panose="020B0502040204020203" pitchFamily="34" charset="0"/>
+              </a:rPr>
+              <a:t>сотрудников для обучения</a:t>
+            </a:r>
+          </a:p>
+          <a:p>
+            <a:r>
+              <a:rPr lang="ru-RU" dirty="0" smtClean="0">
+                <a:latin typeface="Bahnschrift" panose="020B0502040204020203" pitchFamily="34" charset="0"/>
+              </a:rPr>
+              <a:t>1 фотография для </a:t>
+            </a:r>
+            <a:r>
+              <a:rPr lang="ru-RU" dirty="0" err="1" smtClean="0">
+                <a:latin typeface="Bahnschrift" panose="020B0502040204020203" pitchFamily="34" charset="0"/>
+              </a:rPr>
+              <a:t>валидации</a:t>
+            </a:r>
+            <a:endParaRPr lang="ru-RU" dirty="0">
+              <a:latin typeface="Bahnschrift" panose="020B0502040204020203" pitchFamily="34" charset="0"/>
+            </a:endParaRPr>
+          </a:p>
+        </p:txBody>
+      </p:sp>
+      <p:sp>
+        <p:nvSpPr>
+          <p:cNvPr id="6" name="TextBox 5"/>
+          <p:cNvSpPr txBox="1"/>
+          <p:nvPr/>
+        </p:nvSpPr>
+        <p:spPr>
+          <a:xfrm>
+            <a:off x="7470844" y="1023956"/>
+            <a:ext cx="2441641" cy="369332"/>
+          </a:xfrm>
+          <a:prstGeom prst="rect">
+            <a:avLst/>
+          </a:prstGeom>
+          <a:noFill/>
+        </p:spPr>
+        <p:txBody>
+          <a:bodyPr wrap="square" rtlCol="0">
+            <a:spAutoFit/>
+          </a:bodyPr>
+          <a:lstStyle/>
+          <a:p>
+            <a:r>
+              <a:rPr lang="ru-RU" dirty="0" smtClean="0">
+                <a:latin typeface="Bahnschrift" panose="020B0502040204020203" pitchFamily="34" charset="0"/>
+              </a:rPr>
+              <a:t>20 «не сотрудников»</a:t>
+            </a:r>
+            <a:endParaRPr lang="ru-RU" dirty="0">
+              <a:latin typeface="Bahnschrift" panose="020B0502040204020203" pitchFamily="34" charset="0"/>
+            </a:endParaRPr>
+          </a:p>
+        </p:txBody>
+      </p:sp>
     </p:spTree>
     <p:extLst>
       <p:ext uri="{BB962C8B-B14F-4D97-AF65-F5344CB8AC3E}">
-        <p14:creationId xmlns:p14="http://schemas.microsoft.com/office/powerpoint/2010/main" val="2126926154"/>
+        <p14:creationId xmlns:p14="http://schemas.microsoft.com/office/powerpoint/2010/main" val="3272746392"/>
       </p:ext>
     </p:extLst>
   </p:cSld>
@@ -3702,7 +3863,7 @@
 </file>
 
 <file path=ppt/slides/slide13.xml><?xml version="1.0" encoding="utf-8"?>
-<p:sld xmlns:a="http://schemas.openxmlformats.org/drawingml/2006/main" xmlns:r="http://schemas.openxmlformats.org/officeDocument/2006/relationships" xmlns:p="http://schemas.openxmlformats.org/presentationml/2006/main">
+<p:sld xmlns:a="http://schemas.openxmlformats.org/drawingml/2006/main" xmlns:r="http://schemas.openxmlformats.org/officeDocument/2006/relationships" xmlns:p="http://schemas.openxmlformats.org/presentationml/2006/main" show="0">
   <p:cSld>
     <p:bg>
       <p:bgPr>
@@ -3734,52 +3895,55 @@
       </p:grpSpPr>
       <p:sp>
         <p:nvSpPr>
-          <p:cNvPr id="9" name="Прямоугольник 8"/>
+          <p:cNvPr id="3" name="Прямоугольник 2"/>
           <p:cNvSpPr/>
           <p:nvPr/>
         </p:nvSpPr>
         <p:spPr>
           <a:xfrm>
-            <a:off x="1317461" y="223737"/>
-            <a:ext cx="3520362" cy="523220"/>
+            <a:off x="542684" y="304149"/>
+            <a:ext cx="2765501" cy="523220"/>
           </a:xfrm>
           <a:prstGeom prst="rect">
             <a:avLst/>
           </a:prstGeom>
         </p:spPr>
         <p:txBody>
-          <a:bodyPr wrap="square">
+          <a:bodyPr wrap="none">
             <a:spAutoFit/>
           </a:bodyPr>
           <a:lstStyle/>
           <a:p>
-            <a:pPr fontAlgn="auto">
-              <a:spcBef>
-                <a:spcPts val="0"/>
-              </a:spcBef>
-              <a:spcAft>
-                <a:spcPts val="0"/>
-              </a:spcAft>
-              <a:defRPr/>
-            </a:pPr>
-            <a:r>
-              <a:rPr lang="ru-RU" sz="2800" b="1" dirty="0">
-                <a:solidFill>
-                  <a:schemeClr val="accent5">
-                    <a:lumMod val="75000"/>
-                  </a:schemeClr>
-                </a:solidFill>
-                <a:latin typeface="Bahnschrift Light SemiCondensed" panose="020B0502040204020203" pitchFamily="34" charset="0"/>
-                <a:cs typeface="Calibri"/>
-              </a:rPr>
-              <a:t>Тестирование модели</a:t>
-            </a:r>
+            <a:r>
+              <a:rPr lang="ru-RU" sz="2800" dirty="0" smtClean="0">
+                <a:solidFill>
+                  <a:schemeClr val="bg1"/>
+                </a:solidFill>
+                <a:latin typeface="Bahnschrift Light SemiCondensed" panose="020B0502040204020203" pitchFamily="34" charset="0"/>
+              </a:rPr>
+              <a:t>Тестовый </a:t>
+            </a:r>
+            <a:r>
+              <a:rPr lang="ru-RU" sz="2800" dirty="0" err="1" smtClean="0">
+                <a:solidFill>
+                  <a:schemeClr val="bg1"/>
+                </a:solidFill>
+                <a:latin typeface="Bahnschrift Light SemiCondensed" panose="020B0502040204020203" pitchFamily="34" charset="0"/>
+              </a:rPr>
+              <a:t>датасет</a:t>
+            </a:r>
+            <a:endParaRPr lang="ru-RU" sz="2800" dirty="0">
+              <a:solidFill>
+                <a:schemeClr val="bg1"/>
+              </a:solidFill>
+              <a:latin typeface="Bahnschrift Light SemiCondensed" panose="020B0502040204020203" pitchFamily="34" charset="0"/>
+            </a:endParaRPr>
           </a:p>
         </p:txBody>
       </p:sp>
       <p:pic>
         <p:nvPicPr>
-          <p:cNvPr id="3" name="Рисунок 2"/>
+          <p:cNvPr id="4" name="Рисунок 3"/>
           <p:cNvPicPr>
             <a:picLocks noChangeAspect="1"/>
           </p:cNvPicPr>
@@ -3793,8 +3957,8 @@
         </p:blipFill>
         <p:spPr>
           <a:xfrm>
-            <a:off x="1038303" y="1059693"/>
-            <a:ext cx="10348857" cy="4991533"/>
+            <a:off x="2369497" y="1489542"/>
+            <a:ext cx="7453006" cy="3878916"/>
           </a:xfrm>
           <a:prstGeom prst="rect">
             <a:avLst/>
@@ -3804,13 +3968,21 @@
     </p:spTree>
     <p:extLst>
       <p:ext uri="{BB962C8B-B14F-4D97-AF65-F5344CB8AC3E}">
-        <p14:creationId xmlns:p14="http://schemas.microsoft.com/office/powerpoint/2010/main" val="3123754232"/>
+        <p14:creationId xmlns:p14="http://schemas.microsoft.com/office/powerpoint/2010/main" val="1889419787"/>
       </p:ext>
     </p:extLst>
   </p:cSld>
   <p:clrMapOvr>
     <a:masterClrMapping/>
   </p:clrMapOvr>
+  <mc:AlternateContent xmlns:mc="http://schemas.openxmlformats.org/markup-compatibility/2006" xmlns:p14="http://schemas.microsoft.com/office/powerpoint/2010/main">
+    <mc:Choice Requires="p14">
+      <p:transition spd="slow" p14:dur="2000"/>
+    </mc:Choice>
+    <mc:Fallback xmlns="">
+      <p:transition spd="slow"/>
+    </mc:Fallback>
+  </mc:AlternateContent>
   <p:timing>
     <p:tnLst>
       <p:par>
@@ -3854,14 +4026,14 @@
       </p:grpSpPr>
       <p:sp>
         <p:nvSpPr>
-          <p:cNvPr id="5" name="Прямоугольник 4"/>
+          <p:cNvPr id="9" name="Прямоугольник 8"/>
           <p:cNvSpPr/>
           <p:nvPr/>
         </p:nvSpPr>
         <p:spPr>
           <a:xfrm>
-            <a:off x="971550" y="1068715"/>
-            <a:ext cx="3768090" cy="523220"/>
+            <a:off x="1317461" y="223737"/>
+            <a:ext cx="3520362" cy="523220"/>
           </a:xfrm>
           <a:prstGeom prst="rect">
             <a:avLst/>
@@ -3883,39 +4055,30 @@
               <a:defRPr/>
             </a:pPr>
             <a:r>
-              <a:rPr lang="ru-RU" altLang="ru-RU" sz="2800" b="1" dirty="0">
+              <a:rPr lang="ru-RU" sz="2800" b="1" dirty="0">
                 <a:solidFill>
                   <a:schemeClr val="accent5">
-                    <a:lumMod val="50000"/>
+                    <a:lumMod val="75000"/>
                   </a:schemeClr>
                 </a:solidFill>
                 <a:latin typeface="Bahnschrift Light SemiCondensed" panose="020B0502040204020203" pitchFamily="34" charset="0"/>
-                <a:cs typeface="Arial" panose="020B0604020202020204" pitchFamily="34" charset="0"/>
-              </a:rPr>
-              <a:t>РЕЗУЛЬТАТЫ И ВЫВОДЫ</a:t>
-            </a:r>
-            <a:endParaRPr lang="ru-RU" sz="2800" b="1" dirty="0">
-              <a:solidFill>
-                <a:schemeClr val="accent5">
-                  <a:lumMod val="50000"/>
-                </a:schemeClr>
-              </a:solidFill>
-              <a:latin typeface="Bahnschrift Light SemiCondensed" panose="020B0502040204020203" pitchFamily="34" charset="0"/>
-              <a:cs typeface="Calibri"/>
-            </a:endParaRPr>
-          </a:p>
-        </p:txBody>
-      </p:sp>
-      <p:sp>
-        <p:nvSpPr>
-          <p:cNvPr id="6" name="TextBox 5"/>
+                <a:cs typeface="Calibri"/>
+              </a:rPr>
+              <a:t>Тестирование модели</a:t>
+            </a:r>
+          </a:p>
+        </p:txBody>
+      </p:sp>
+      <p:sp>
+        <p:nvSpPr>
+          <p:cNvPr id="2" name="TextBox 1"/>
           <p:cNvSpPr txBox="1"/>
           <p:nvPr/>
         </p:nvSpPr>
         <p:spPr>
           <a:xfrm>
-            <a:off x="971550" y="1962150"/>
-            <a:ext cx="5987537" cy="646331"/>
+            <a:off x="2738335" y="1885094"/>
+            <a:ext cx="6410528" cy="646331"/>
           </a:xfrm>
           <a:prstGeom prst="rect">
             <a:avLst/>
@@ -3923,44 +4086,63 @@
           <a:noFill/>
         </p:spPr>
         <p:txBody>
-          <a:bodyPr wrap="none" rtlCol="0">
+          <a:bodyPr wrap="square" rtlCol="0">
             <a:spAutoFit/>
           </a:bodyPr>
           <a:lstStyle/>
           <a:p>
             <a:r>
-              <a:rPr lang="ru-RU" altLang="ru-RU" dirty="0">
-                <a:solidFill>
-                  <a:schemeClr val="accent5">
-                    <a:lumMod val="75000"/>
-                  </a:schemeClr>
-                </a:solidFill>
-                <a:latin typeface="Bahnschrift Light SemiCondensed" panose="020B0502040204020203" pitchFamily="34" charset="0"/>
-                <a:cs typeface="Times New Roman" panose="02020603050405020304" pitchFamily="18" charset="0"/>
-              </a:rPr>
-              <a:t>Результаты должны совпадать с задачами и целью проекта. </a:t>
-            </a:r>
-          </a:p>
-          <a:p>
-            <a:r>
-              <a:rPr lang="ru-RU" altLang="ru-RU" dirty="0">
-                <a:solidFill>
-                  <a:schemeClr val="accent5">
-                    <a:lumMod val="75000"/>
-                  </a:schemeClr>
-                </a:solidFill>
-                <a:latin typeface="Bahnschrift Light SemiCondensed" panose="020B0502040204020203" pitchFamily="34" charset="0"/>
-                <a:cs typeface="Times New Roman" panose="02020603050405020304" pitchFamily="18" charset="0"/>
-              </a:rPr>
-              <a:t>В выводе делается заключение о степени решения проблемы.</a:t>
-            </a:r>
-          </a:p>
-        </p:txBody>
-      </p:sp>
+              <a:rPr lang="ru-RU" dirty="0" smtClean="0">
+                <a:latin typeface="Bahnschrift" panose="020B0502040204020203" pitchFamily="34" charset="0"/>
+              </a:rPr>
+              <a:t>Для каждого сотрудника сформируем </a:t>
+            </a:r>
+            <a:r>
+              <a:rPr lang="ru-RU" dirty="0" err="1" smtClean="0">
+                <a:latin typeface="Bahnschrift" panose="020B0502040204020203" pitchFamily="34" charset="0"/>
+              </a:rPr>
+              <a:t>эмбеддинг</a:t>
+            </a:r>
+            <a:r>
+              <a:rPr lang="ru-RU" dirty="0" smtClean="0">
+                <a:latin typeface="Bahnschrift" panose="020B0502040204020203" pitchFamily="34" charset="0"/>
+              </a:rPr>
+              <a:t>, описывающий признаки его лица.</a:t>
+            </a:r>
+            <a:endParaRPr lang="ru-RU" dirty="0">
+              <a:latin typeface="Bahnschrift" panose="020B0502040204020203" pitchFamily="34" charset="0"/>
+            </a:endParaRPr>
+          </a:p>
+        </p:txBody>
+      </p:sp>
+      <p:pic>
+        <p:nvPicPr>
+          <p:cNvPr id="5" name="Рисунок 4"/>
+          <p:cNvPicPr>
+            <a:picLocks noChangeAspect="1"/>
+          </p:cNvPicPr>
+          <p:nvPr/>
+        </p:nvPicPr>
+        <p:blipFill>
+          <a:blip r:embed="rId3"/>
+          <a:stretch>
+            <a:fillRect/>
+          </a:stretch>
+        </p:blipFill>
+        <p:spPr>
+          <a:xfrm>
+            <a:off x="2738335" y="2602257"/>
+            <a:ext cx="5921253" cy="3132091"/>
+          </a:xfrm>
+          <a:prstGeom prst="rect">
+            <a:avLst/>
+          </a:prstGeom>
+        </p:spPr>
+      </p:pic>
     </p:spTree>
     <p:extLst>
       <p:ext uri="{BB962C8B-B14F-4D97-AF65-F5344CB8AC3E}">
-        <p14:creationId xmlns:p14="http://schemas.microsoft.com/office/powerpoint/2010/main" val="589772208"/>
+        <p14:creationId xmlns:p14="http://schemas.microsoft.com/office/powerpoint/2010/main" val="4047632449"/>
       </p:ext>
     </p:extLst>
   </p:cSld>
@@ -4010,6 +4192,436 @@
       </p:grpSpPr>
       <p:sp>
         <p:nvSpPr>
+          <p:cNvPr id="9" name="Прямоугольник 8"/>
+          <p:cNvSpPr/>
+          <p:nvPr/>
+        </p:nvSpPr>
+        <p:spPr>
+          <a:xfrm>
+            <a:off x="1317461" y="223737"/>
+            <a:ext cx="3520362" cy="523220"/>
+          </a:xfrm>
+          <a:prstGeom prst="rect">
+            <a:avLst/>
+          </a:prstGeom>
+        </p:spPr>
+        <p:txBody>
+          <a:bodyPr wrap="square">
+            <a:spAutoFit/>
+          </a:bodyPr>
+          <a:lstStyle/>
+          <a:p>
+            <a:pPr fontAlgn="auto">
+              <a:spcBef>
+                <a:spcPts val="0"/>
+              </a:spcBef>
+              <a:spcAft>
+                <a:spcPts val="0"/>
+              </a:spcAft>
+              <a:defRPr/>
+            </a:pPr>
+            <a:r>
+              <a:rPr lang="ru-RU" sz="2800" b="1" dirty="0">
+                <a:solidFill>
+                  <a:schemeClr val="accent5">
+                    <a:lumMod val="75000"/>
+                  </a:schemeClr>
+                </a:solidFill>
+                <a:latin typeface="Bahnschrift Light SemiCondensed" panose="020B0502040204020203" pitchFamily="34" charset="0"/>
+                <a:cs typeface="Calibri"/>
+              </a:rPr>
+              <a:t>Тестирование модели</a:t>
+            </a:r>
+          </a:p>
+        </p:txBody>
+      </p:sp>
+      <p:sp>
+        <p:nvSpPr>
+          <p:cNvPr id="2" name="TextBox 1"/>
+          <p:cNvSpPr txBox="1"/>
+          <p:nvPr/>
+        </p:nvSpPr>
+        <p:spPr>
+          <a:xfrm>
+            <a:off x="2738335" y="1885094"/>
+            <a:ext cx="6410528" cy="646331"/>
+          </a:xfrm>
+          <a:prstGeom prst="rect">
+            <a:avLst/>
+          </a:prstGeom>
+          <a:noFill/>
+        </p:spPr>
+        <p:txBody>
+          <a:bodyPr wrap="square" rtlCol="0">
+            <a:spAutoFit/>
+          </a:bodyPr>
+          <a:lstStyle/>
+          <a:p>
+            <a:r>
+              <a:rPr lang="ru-RU" dirty="0" smtClean="0">
+                <a:latin typeface="Bahnschrift" panose="020B0502040204020203" pitchFamily="34" charset="0"/>
+              </a:rPr>
+              <a:t>Обучим классификатор на тренировочной выборке и оценим точность на тестовой</a:t>
+            </a:r>
+            <a:endParaRPr lang="ru-RU" dirty="0">
+              <a:latin typeface="Bahnschrift" panose="020B0502040204020203" pitchFamily="34" charset="0"/>
+            </a:endParaRPr>
+          </a:p>
+        </p:txBody>
+      </p:sp>
+      <p:pic>
+        <p:nvPicPr>
+          <p:cNvPr id="4" name="Рисунок 3"/>
+          <p:cNvPicPr>
+            <a:picLocks noChangeAspect="1"/>
+          </p:cNvPicPr>
+          <p:nvPr/>
+        </p:nvPicPr>
+        <p:blipFill>
+          <a:blip r:embed="rId3"/>
+          <a:stretch>
+            <a:fillRect/>
+          </a:stretch>
+        </p:blipFill>
+        <p:spPr>
+          <a:xfrm>
+            <a:off x="1692612" y="2694598"/>
+            <a:ext cx="8058133" cy="974964"/>
+          </a:xfrm>
+          <a:prstGeom prst="rect">
+            <a:avLst/>
+          </a:prstGeom>
+        </p:spPr>
+      </p:pic>
+    </p:spTree>
+    <p:extLst>
+      <p:ext uri="{BB962C8B-B14F-4D97-AF65-F5344CB8AC3E}">
+        <p14:creationId xmlns:p14="http://schemas.microsoft.com/office/powerpoint/2010/main" val="2126926154"/>
+      </p:ext>
+    </p:extLst>
+  </p:cSld>
+  <p:clrMapOvr>
+    <a:masterClrMapping/>
+  </p:clrMapOvr>
+  <p:timing>
+    <p:tnLst>
+      <p:par>
+        <p:cTn id="1" dur="indefinite" restart="never" nodeType="tmRoot"/>
+      </p:par>
+    </p:tnLst>
+  </p:timing>
+</p:sld>
+</file>
+
+<file path=ppt/slides/slide16.xml><?xml version="1.0" encoding="utf-8"?>
+<p:sld xmlns:a="http://schemas.openxmlformats.org/drawingml/2006/main" xmlns:r="http://schemas.openxmlformats.org/officeDocument/2006/relationships" xmlns:p="http://schemas.openxmlformats.org/presentationml/2006/main">
+  <p:cSld>
+    <p:bg>
+      <p:bgPr>
+        <a:blipFill dpi="0" rotWithShape="1">
+          <a:blip r:embed="rId2">
+            <a:lum/>
+          </a:blip>
+          <a:srcRect/>
+          <a:stretch>
+            <a:fillRect/>
+          </a:stretch>
+        </a:blipFill>
+        <a:effectLst/>
+      </p:bgPr>
+    </p:bg>
+    <p:spTree>
+      <p:nvGrpSpPr>
+        <p:cNvPr id="1" name=""/>
+        <p:cNvGrpSpPr/>
+        <p:nvPr/>
+      </p:nvGrpSpPr>
+      <p:grpSpPr>
+        <a:xfrm>
+          <a:off x="0" y="0"/>
+          <a:ext cx="0" cy="0"/>
+          <a:chOff x="0" y="0"/>
+          <a:chExt cx="0" cy="0"/>
+        </a:xfrm>
+      </p:grpSpPr>
+      <p:sp>
+        <p:nvSpPr>
+          <p:cNvPr id="9" name="Прямоугольник 8"/>
+          <p:cNvSpPr/>
+          <p:nvPr/>
+        </p:nvSpPr>
+        <p:spPr>
+          <a:xfrm>
+            <a:off x="1317461" y="223737"/>
+            <a:ext cx="3520362" cy="523220"/>
+          </a:xfrm>
+          <a:prstGeom prst="rect">
+            <a:avLst/>
+          </a:prstGeom>
+        </p:spPr>
+        <p:txBody>
+          <a:bodyPr wrap="square">
+            <a:spAutoFit/>
+          </a:bodyPr>
+          <a:lstStyle/>
+          <a:p>
+            <a:pPr fontAlgn="auto">
+              <a:spcBef>
+                <a:spcPts val="0"/>
+              </a:spcBef>
+              <a:spcAft>
+                <a:spcPts val="0"/>
+              </a:spcAft>
+              <a:defRPr/>
+            </a:pPr>
+            <a:r>
+              <a:rPr lang="ru-RU" sz="2800" b="1" dirty="0">
+                <a:solidFill>
+                  <a:schemeClr val="accent5">
+                    <a:lumMod val="75000"/>
+                  </a:schemeClr>
+                </a:solidFill>
+                <a:latin typeface="Bahnschrift Light SemiCondensed" panose="020B0502040204020203" pitchFamily="34" charset="0"/>
+                <a:cs typeface="Calibri"/>
+              </a:rPr>
+              <a:t>Тестирование модели</a:t>
+            </a:r>
+          </a:p>
+        </p:txBody>
+      </p:sp>
+      <p:pic>
+        <p:nvPicPr>
+          <p:cNvPr id="3" name="Рисунок 2"/>
+          <p:cNvPicPr>
+            <a:picLocks noChangeAspect="1"/>
+          </p:cNvPicPr>
+          <p:nvPr/>
+        </p:nvPicPr>
+        <p:blipFill>
+          <a:blip r:embed="rId3"/>
+          <a:stretch>
+            <a:fillRect/>
+          </a:stretch>
+        </p:blipFill>
+        <p:spPr>
+          <a:xfrm>
+            <a:off x="1038303" y="1059693"/>
+            <a:ext cx="10348857" cy="4991533"/>
+          </a:xfrm>
+          <a:prstGeom prst="rect">
+            <a:avLst/>
+          </a:prstGeom>
+        </p:spPr>
+      </p:pic>
+    </p:spTree>
+    <p:extLst>
+      <p:ext uri="{BB962C8B-B14F-4D97-AF65-F5344CB8AC3E}">
+        <p14:creationId xmlns:p14="http://schemas.microsoft.com/office/powerpoint/2010/main" val="3123754232"/>
+      </p:ext>
+    </p:extLst>
+  </p:cSld>
+  <p:clrMapOvr>
+    <a:masterClrMapping/>
+  </p:clrMapOvr>
+  <p:timing>
+    <p:tnLst>
+      <p:par>
+        <p:cTn id="1" dur="indefinite" restart="never" nodeType="tmRoot"/>
+      </p:par>
+    </p:tnLst>
+  </p:timing>
+</p:sld>
+</file>
+
+<file path=ppt/slides/slide17.xml><?xml version="1.0" encoding="utf-8"?>
+<p:sld xmlns:a="http://schemas.openxmlformats.org/drawingml/2006/main" xmlns:r="http://schemas.openxmlformats.org/officeDocument/2006/relationships" xmlns:p="http://schemas.openxmlformats.org/presentationml/2006/main">
+  <p:cSld>
+    <p:bg>
+      <p:bgPr>
+        <a:blipFill dpi="0" rotWithShape="1">
+          <a:blip r:embed="rId2">
+            <a:lum/>
+          </a:blip>
+          <a:srcRect/>
+          <a:stretch>
+            <a:fillRect/>
+          </a:stretch>
+        </a:blipFill>
+        <a:effectLst/>
+      </p:bgPr>
+    </p:bg>
+    <p:spTree>
+      <p:nvGrpSpPr>
+        <p:cNvPr id="1" name=""/>
+        <p:cNvGrpSpPr/>
+        <p:nvPr/>
+      </p:nvGrpSpPr>
+      <p:grpSpPr>
+        <a:xfrm>
+          <a:off x="0" y="0"/>
+          <a:ext cx="0" cy="0"/>
+          <a:chOff x="0" y="0"/>
+          <a:chExt cx="0" cy="0"/>
+        </a:xfrm>
+      </p:grpSpPr>
+      <p:sp>
+        <p:nvSpPr>
+          <p:cNvPr id="5" name="Прямоугольник 4"/>
+          <p:cNvSpPr/>
+          <p:nvPr/>
+        </p:nvSpPr>
+        <p:spPr>
+          <a:xfrm>
+            <a:off x="971550" y="1068715"/>
+            <a:ext cx="3768090" cy="523220"/>
+          </a:xfrm>
+          <a:prstGeom prst="rect">
+            <a:avLst/>
+          </a:prstGeom>
+        </p:spPr>
+        <p:txBody>
+          <a:bodyPr wrap="square">
+            <a:spAutoFit/>
+          </a:bodyPr>
+          <a:lstStyle/>
+          <a:p>
+            <a:pPr fontAlgn="auto">
+              <a:spcBef>
+                <a:spcPts val="0"/>
+              </a:spcBef>
+              <a:spcAft>
+                <a:spcPts val="0"/>
+              </a:spcAft>
+              <a:defRPr/>
+            </a:pPr>
+            <a:r>
+              <a:rPr lang="ru-RU" altLang="ru-RU" sz="2800" b="1" dirty="0">
+                <a:solidFill>
+                  <a:schemeClr val="accent5">
+                    <a:lumMod val="50000"/>
+                  </a:schemeClr>
+                </a:solidFill>
+                <a:latin typeface="Bahnschrift Light SemiCondensed" panose="020B0502040204020203" pitchFamily="34" charset="0"/>
+                <a:cs typeface="Arial" panose="020B0604020202020204" pitchFamily="34" charset="0"/>
+              </a:rPr>
+              <a:t>РЕЗУЛЬТАТЫ И ВЫВОДЫ</a:t>
+            </a:r>
+            <a:endParaRPr lang="ru-RU" sz="2800" b="1" dirty="0">
+              <a:solidFill>
+                <a:schemeClr val="accent5">
+                  <a:lumMod val="50000"/>
+                </a:schemeClr>
+              </a:solidFill>
+              <a:latin typeface="Bahnschrift Light SemiCondensed" panose="020B0502040204020203" pitchFamily="34" charset="0"/>
+              <a:cs typeface="Calibri"/>
+            </a:endParaRPr>
+          </a:p>
+        </p:txBody>
+      </p:sp>
+      <p:sp>
+        <p:nvSpPr>
+          <p:cNvPr id="6" name="TextBox 5"/>
+          <p:cNvSpPr txBox="1"/>
+          <p:nvPr/>
+        </p:nvSpPr>
+        <p:spPr>
+          <a:xfrm>
+            <a:off x="971550" y="1962150"/>
+            <a:ext cx="5987537" cy="646331"/>
+          </a:xfrm>
+          <a:prstGeom prst="rect">
+            <a:avLst/>
+          </a:prstGeom>
+          <a:noFill/>
+        </p:spPr>
+        <p:txBody>
+          <a:bodyPr wrap="none" rtlCol="0">
+            <a:spAutoFit/>
+          </a:bodyPr>
+          <a:lstStyle/>
+          <a:p>
+            <a:r>
+              <a:rPr lang="ru-RU" altLang="ru-RU" dirty="0">
+                <a:solidFill>
+                  <a:schemeClr val="accent5">
+                    <a:lumMod val="75000"/>
+                  </a:schemeClr>
+                </a:solidFill>
+                <a:latin typeface="Bahnschrift Light SemiCondensed" panose="020B0502040204020203" pitchFamily="34" charset="0"/>
+                <a:cs typeface="Times New Roman" panose="02020603050405020304" pitchFamily="18" charset="0"/>
+              </a:rPr>
+              <a:t>Результаты должны совпадать с задачами и целью проекта. </a:t>
+            </a:r>
+          </a:p>
+          <a:p>
+            <a:r>
+              <a:rPr lang="ru-RU" altLang="ru-RU" dirty="0">
+                <a:solidFill>
+                  <a:schemeClr val="accent5">
+                    <a:lumMod val="75000"/>
+                  </a:schemeClr>
+                </a:solidFill>
+                <a:latin typeface="Bahnschrift Light SemiCondensed" panose="020B0502040204020203" pitchFamily="34" charset="0"/>
+                <a:cs typeface="Times New Roman" panose="02020603050405020304" pitchFamily="18" charset="0"/>
+              </a:rPr>
+              <a:t>В выводе делается заключение о степени решения проблемы.</a:t>
+            </a:r>
+          </a:p>
+        </p:txBody>
+      </p:sp>
+    </p:spTree>
+    <p:extLst>
+      <p:ext uri="{BB962C8B-B14F-4D97-AF65-F5344CB8AC3E}">
+        <p14:creationId xmlns:p14="http://schemas.microsoft.com/office/powerpoint/2010/main" val="589772208"/>
+      </p:ext>
+    </p:extLst>
+  </p:cSld>
+  <p:clrMapOvr>
+    <a:masterClrMapping/>
+  </p:clrMapOvr>
+  <p:timing>
+    <p:tnLst>
+      <p:par>
+        <p:cTn id="1" dur="indefinite" restart="never" nodeType="tmRoot"/>
+      </p:par>
+    </p:tnLst>
+  </p:timing>
+</p:sld>
+</file>
+
+<file path=ppt/slides/slide18.xml><?xml version="1.0" encoding="utf-8"?>
+<p:sld xmlns:a="http://schemas.openxmlformats.org/drawingml/2006/main" xmlns:r="http://schemas.openxmlformats.org/officeDocument/2006/relationships" xmlns:p="http://schemas.openxmlformats.org/presentationml/2006/main">
+  <p:cSld>
+    <p:bg>
+      <p:bgPr>
+        <a:blipFill dpi="0" rotWithShape="1">
+          <a:blip r:embed="rId2">
+            <a:lum/>
+          </a:blip>
+          <a:srcRect/>
+          <a:stretch>
+            <a:fillRect/>
+          </a:stretch>
+        </a:blipFill>
+        <a:effectLst/>
+      </p:bgPr>
+    </p:bg>
+    <p:spTree>
+      <p:nvGrpSpPr>
+        <p:cNvPr id="1" name=""/>
+        <p:cNvGrpSpPr/>
+        <p:nvPr/>
+      </p:nvGrpSpPr>
+      <p:grpSpPr>
+        <a:xfrm>
+          <a:off x="0" y="0"/>
+          <a:ext cx="0" cy="0"/>
+          <a:chOff x="0" y="0"/>
+          <a:chExt cx="0" cy="0"/>
+        </a:xfrm>
+      </p:grpSpPr>
+      <p:sp>
+        <p:nvSpPr>
           <p:cNvPr id="3" name="Прямоугольник 2"/>
           <p:cNvSpPr/>
           <p:nvPr/>
@@ -4107,12 +4719,12 @@
         <p:spPr>
           <a:xfrm>
             <a:off x="916459" y="687087"/>
-            <a:ext cx="7408905" cy="1116313"/>
+            <a:ext cx="8944233" cy="1874881"/>
           </a:xfrm>
         </p:spPr>
         <p:txBody>
           <a:bodyPr>
-            <a:normAutofit/>
+            <a:normAutofit fontScale="90000"/>
           </a:bodyPr>
           <a:lstStyle/>
           <a:p>
@@ -4162,7 +4774,7 @@
               <a:t>    </a:t>
             </a:r>
             <a:r>
-              <a:rPr lang="ru-RU" sz="2800" dirty="0">
+              <a:rPr lang="ru-RU" sz="2800" dirty="0" smtClean="0">
                 <a:solidFill>
                   <a:schemeClr val="accent1">
                     <a:lumMod val="60000"/>
@@ -4171,8 +4783,17 @@
                 </a:solidFill>
                 <a:latin typeface="Bahnschrift Light SemiCondensed" panose="020B0502040204020203" pitchFamily="34" charset="0"/>
               </a:rPr>
-              <a:t>текст</a:t>
-            </a:r>
+              <a:t>Идентификация – установление тождественности неизвестного лица с разыскиваемым человеком на основании индивидуальных физических или биологических признаков.</a:t>
+            </a:r>
+            <a:endParaRPr lang="ru-RU" sz="2800" dirty="0">
+              <a:solidFill>
+                <a:schemeClr val="accent1">
+                  <a:lumMod val="60000"/>
+                  <a:lumOff val="40000"/>
+                </a:schemeClr>
+              </a:solidFill>
+              <a:latin typeface="Bahnschrift Light SemiCondensed" panose="020B0502040204020203" pitchFamily="34" charset="0"/>
+            </a:endParaRPr>
           </a:p>
         </p:txBody>
       </p:sp>
@@ -4187,7 +4808,7 @@
         <p:spPr>
           <a:xfrm>
             <a:off x="916459" y="2907162"/>
-            <a:ext cx="4105091" cy="771697"/>
+            <a:ext cx="9908060" cy="1095878"/>
           </a:xfrm>
           <a:prstGeom prst="rect">
             <a:avLst/>
@@ -4255,10 +4876,19 @@
                 </a:solidFill>
                 <a:latin typeface="Bahnschrift Light SemiCondensed" panose="020B0502040204020203" pitchFamily="34" charset="0"/>
               </a:rPr>
-              <a:t>    </a:t>
-            </a:r>
-            <a:r>
-              <a:rPr lang="ru-RU" sz="2800" dirty="0">
+              <a:t>   </a:t>
+            </a:r>
+            <a:r>
+              <a:rPr lang="ru-RU" sz="2800" dirty="0" smtClean="0">
+                <a:solidFill>
+                  <a:schemeClr val="bg1"/>
+                </a:solidFill>
+                <a:latin typeface="Bahnschrift Light SemiCondensed" panose="020B0502040204020203" pitchFamily="34" charset="0"/>
+              </a:rPr>
+              <a:t> </a:t>
+            </a:r>
+            <a:r>
+              <a:rPr lang="ru-RU" sz="2800" dirty="0" smtClean="0">
                 <a:solidFill>
                   <a:schemeClr val="accent1">
                     <a:lumMod val="60000"/>
@@ -4267,7 +4897,7 @@
                 </a:solidFill>
                 <a:latin typeface="Bahnschrift Light SemiCondensed" panose="020B0502040204020203" pitchFamily="34" charset="0"/>
               </a:rPr>
-              <a:t>текст</a:t>
+              <a:t>Необходим биометрический метод идентификации человека.</a:t>
             </a:r>
             <a:endParaRPr lang="ru-RU" sz="2800" dirty="0">
               <a:solidFill>
@@ -5689,8 +6319,8 @@
         </p:nvSpPr>
         <p:spPr>
           <a:xfrm>
-            <a:off x="717754" y="657602"/>
-            <a:ext cx="5515406" cy="1015663"/>
+            <a:off x="717753" y="657602"/>
+            <a:ext cx="8862851" cy="1015663"/>
           </a:xfrm>
           <a:prstGeom prst="rect">
             <a:avLst/>
@@ -5709,7 +6339,34 @@
                 </a:solidFill>
                 <a:latin typeface="Bahnschrift Light SemiCondensed" panose="020B0502040204020203" pitchFamily="34" charset="0"/>
               </a:rPr>
-              <a:t>ПРОГРАММНАЯ РЕАЛИЗАЦИЯ</a:t>
+              <a:t>ПРОГРАММНАЯ </a:t>
+            </a:r>
+            <a:r>
+              <a:rPr lang="ru-RU" sz="3200" b="1" dirty="0" smtClean="0">
+                <a:solidFill>
+                  <a:schemeClr val="bg1"/>
+                </a:solidFill>
+                <a:latin typeface="Bahnschrift Light SemiCondensed" panose="020B0502040204020203" pitchFamily="34" charset="0"/>
+              </a:rPr>
+              <a:t>РЕАЛИЗАЦИЯ</a:t>
+            </a:r>
+            <a:r>
+              <a:rPr lang="en-US" sz="3200" b="1" dirty="0" smtClean="0">
+                <a:solidFill>
+                  <a:schemeClr val="bg1"/>
+                </a:solidFill>
+                <a:latin typeface="Bahnschrift Light SemiCondensed" panose="020B0502040204020203" pitchFamily="34" charset="0"/>
+              </a:rPr>
+              <a:t>: </a:t>
+            </a:r>
+            <a:r>
+              <a:rPr lang="ru-RU" sz="3200" b="1" dirty="0" err="1" smtClean="0">
+                <a:solidFill>
+                  <a:schemeClr val="bg1"/>
+                </a:solidFill>
+                <a:latin typeface="Bahnschrift Light SemiCondensed" panose="020B0502040204020203" pitchFamily="34" charset="0"/>
+              </a:rPr>
+              <a:t>детекция</a:t>
             </a:r>
             <a:r>
               <a:rPr lang="ru-RU" sz="2800" dirty="0">
@@ -5740,6 +6397,54 @@
           </a:p>
         </p:txBody>
       </p:sp>
+      <p:pic>
+        <p:nvPicPr>
+          <p:cNvPr id="4" name="Рисунок 3"/>
+          <p:cNvPicPr>
+            <a:picLocks noChangeAspect="1"/>
+          </p:cNvPicPr>
+          <p:nvPr/>
+        </p:nvPicPr>
+        <p:blipFill>
+          <a:blip r:embed="rId3"/>
+          <a:stretch>
+            <a:fillRect/>
+          </a:stretch>
+        </p:blipFill>
+        <p:spPr>
+          <a:xfrm>
+            <a:off x="3327540" y="3996734"/>
+            <a:ext cx="4677428" cy="2324424"/>
+          </a:xfrm>
+          <a:prstGeom prst="rect">
+            <a:avLst/>
+          </a:prstGeom>
+        </p:spPr>
+      </p:pic>
+      <p:pic>
+        <p:nvPicPr>
+          <p:cNvPr id="5" name="Рисунок 4"/>
+          <p:cNvPicPr>
+            <a:picLocks noChangeAspect="1"/>
+          </p:cNvPicPr>
+          <p:nvPr/>
+        </p:nvPicPr>
+        <p:blipFill>
+          <a:blip r:embed="rId4"/>
+          <a:stretch>
+            <a:fillRect/>
+          </a:stretch>
+        </p:blipFill>
+        <p:spPr>
+          <a:xfrm>
+            <a:off x="1523497" y="2197865"/>
+            <a:ext cx="8765562" cy="1160437"/>
+          </a:xfrm>
+          <a:prstGeom prst="rect">
+            <a:avLst/>
+          </a:prstGeom>
+        </p:spPr>
+      </p:pic>
     </p:spTree>
     <p:extLst>
       <p:ext uri="{BB962C8B-B14F-4D97-AF65-F5344CB8AC3E}">
@@ -5793,14 +6498,14 @@
       </p:grpSpPr>
       <p:sp>
         <p:nvSpPr>
-          <p:cNvPr id="9" name="Прямоугольник 8"/>
+          <p:cNvPr id="3" name="Прямоугольник 2"/>
           <p:cNvSpPr/>
           <p:nvPr/>
         </p:nvSpPr>
         <p:spPr>
           <a:xfrm>
-            <a:off x="1434193" y="438815"/>
-            <a:ext cx="3520362" cy="523220"/>
+            <a:off x="717753" y="657602"/>
+            <a:ext cx="8862851" cy="1015663"/>
           </a:xfrm>
           <a:prstGeom prst="rect">
             <a:avLst/>
@@ -5812,33 +6517,74 @@
           </a:bodyPr>
           <a:lstStyle/>
           <a:p>
-            <a:pPr fontAlgn="auto">
-              <a:spcBef>
-                <a:spcPts val="0"/>
-              </a:spcBef>
-              <a:spcAft>
-                <a:spcPts val="0"/>
-              </a:spcAft>
-              <a:defRPr/>
-            </a:pPr>
-            <a:r>
-              <a:rPr lang="ru-RU" sz="2800" b="1" dirty="0">
-                <a:solidFill>
-                  <a:schemeClr val="accent5">
-                    <a:lumMod val="75000"/>
-                  </a:schemeClr>
-                </a:solidFill>
-                <a:latin typeface="Bahnschrift Light SemiCondensed" panose="020B0502040204020203" pitchFamily="34" charset="0"/>
-                <a:cs typeface="Calibri"/>
-              </a:rPr>
-              <a:t>Тестирование модели</a:t>
-            </a:r>
+            <a:r>
+              <a:rPr lang="ru-RU" sz="3200" b="1" dirty="0">
+                <a:solidFill>
+                  <a:schemeClr val="bg1"/>
+                </a:solidFill>
+                <a:latin typeface="Bahnschrift Light SemiCondensed" panose="020B0502040204020203" pitchFamily="34" charset="0"/>
+              </a:rPr>
+              <a:t>ПРОГРАММНАЯ </a:t>
+            </a:r>
+            <a:r>
+              <a:rPr lang="ru-RU" sz="3200" b="1" dirty="0" smtClean="0">
+                <a:solidFill>
+                  <a:schemeClr val="bg1"/>
+                </a:solidFill>
+                <a:latin typeface="Bahnschrift Light SemiCondensed" panose="020B0502040204020203" pitchFamily="34" charset="0"/>
+              </a:rPr>
+              <a:t>РЕАЛИЗАЦИЯ</a:t>
+            </a:r>
+            <a:r>
+              <a:rPr lang="en-US" sz="3200" b="1" dirty="0" smtClean="0">
+                <a:solidFill>
+                  <a:schemeClr val="bg1"/>
+                </a:solidFill>
+                <a:latin typeface="Bahnschrift Light SemiCondensed" panose="020B0502040204020203" pitchFamily="34" charset="0"/>
+              </a:rPr>
+              <a:t>:</a:t>
+            </a:r>
+            <a:r>
+              <a:rPr lang="ru-RU" sz="3200" b="1" dirty="0" smtClean="0">
+                <a:solidFill>
+                  <a:schemeClr val="bg1"/>
+                </a:solidFill>
+                <a:latin typeface="Bahnschrift Light SemiCondensed" panose="020B0502040204020203" pitchFamily="34" charset="0"/>
+              </a:rPr>
+              <a:t> выравнивание</a:t>
+            </a:r>
+            <a:r>
+              <a:rPr lang="ru-RU" sz="2800" dirty="0">
+                <a:solidFill>
+                  <a:schemeClr val="bg1"/>
+                </a:solidFill>
+                <a:latin typeface="Bahnschrift Light SemiCondensed" panose="020B0502040204020203" pitchFamily="34" charset="0"/>
+              </a:rPr>
+              <a:t/>
+            </a:r>
+            <a:br>
+              <a:rPr lang="ru-RU" sz="2800" dirty="0">
+                <a:solidFill>
+                  <a:schemeClr val="bg1"/>
+                </a:solidFill>
+                <a:latin typeface="Bahnschrift Light SemiCondensed" panose="020B0502040204020203" pitchFamily="34" charset="0"/>
+              </a:rPr>
+            </a:br>
+            <a:endParaRPr lang="ru-RU" sz="2800" dirty="0">
+              <a:solidFill>
+                <a:schemeClr val="accent1">
+                  <a:lumMod val="60000"/>
+                  <a:lumOff val="40000"/>
+                </a:schemeClr>
+              </a:solidFill>
+              <a:latin typeface="Bahnschrift Light SemiCondensed" panose="020B0502040204020203" pitchFamily="34" charset="0"/>
+            </a:endParaRPr>
           </a:p>
         </p:txBody>
       </p:sp>
       <p:pic>
         <p:nvPicPr>
-          <p:cNvPr id="3" name="Рисунок 2"/>
+          <p:cNvPr id="5" name="Рисунок 4"/>
           <p:cNvPicPr>
             <a:picLocks noChangeAspect="1"/>
           </p:cNvPicPr>
@@ -5852,60 +6598,66 @@
         </p:blipFill>
         <p:spPr>
           <a:xfrm>
-            <a:off x="1434193" y="2831352"/>
-            <a:ext cx="9784928" cy="2888230"/>
+            <a:off x="834143" y="1317697"/>
+            <a:ext cx="3220062" cy="2225728"/>
           </a:xfrm>
           <a:prstGeom prst="rect">
             <a:avLst/>
           </a:prstGeom>
         </p:spPr>
       </p:pic>
-      <p:sp>
-        <p:nvSpPr>
-          <p:cNvPr id="2" name="TextBox 1"/>
-          <p:cNvSpPr txBox="1"/>
+      <p:pic>
+        <p:nvPicPr>
+          <p:cNvPr id="6" name="Рисунок 5"/>
+          <p:cNvPicPr>
+            <a:picLocks noChangeAspect="1"/>
+          </p:cNvPicPr>
           <p:nvPr/>
-        </p:nvSpPr>
-        <p:spPr>
-          <a:xfrm>
-            <a:off x="1388159" y="1388862"/>
-            <a:ext cx="9805481" cy="1015663"/>
+        </p:nvPicPr>
+        <p:blipFill>
+          <a:blip r:embed="rId4"/>
+          <a:stretch>
+            <a:fillRect/>
+          </a:stretch>
+        </p:blipFill>
+        <p:spPr>
+          <a:xfrm>
+            <a:off x="9580604" y="4134374"/>
+            <a:ext cx="2023370" cy="2017872"/>
           </a:xfrm>
           <a:prstGeom prst="rect">
             <a:avLst/>
           </a:prstGeom>
-          <a:noFill/>
-        </p:spPr>
-        <p:txBody>
-          <a:bodyPr wrap="square" rtlCol="0">
-            <a:spAutoFit/>
-          </a:bodyPr>
-          <a:lstStyle/>
-          <a:p>
-            <a:r>
-              <a:rPr lang="ru-RU" sz="2000" dirty="0" smtClean="0">
-                <a:latin typeface="Bahnschrift" panose="020B0502040204020203" pitchFamily="34" charset="0"/>
-              </a:rPr>
-              <a:t>Представим приближенный к реальности кейс…</a:t>
-            </a:r>
-          </a:p>
-          <a:p>
-            <a:r>
-              <a:rPr lang="ru-RU" sz="2000" dirty="0" smtClean="0">
-                <a:latin typeface="Bahnschrift" panose="020B0502040204020203" pitchFamily="34" charset="0"/>
-              </a:rPr>
-              <a:t>В небольшой компании в 30 человек нужно внедрить пропускную систему с идентификацией по лицу</a:t>
-            </a:r>
-            <a:endParaRPr lang="ru-RU" sz="2000" dirty="0">
-              <a:latin typeface="Bahnschrift" panose="020B0502040204020203" pitchFamily="34" charset="0"/>
-            </a:endParaRPr>
-          </a:p>
-        </p:txBody>
-      </p:sp>
+        </p:spPr>
+      </p:pic>
+      <p:pic>
+        <p:nvPicPr>
+          <p:cNvPr id="7" name="Рисунок 6"/>
+          <p:cNvPicPr>
+            <a:picLocks noChangeAspect="1"/>
+          </p:cNvPicPr>
+          <p:nvPr/>
+        </p:nvPicPr>
+        <p:blipFill>
+          <a:blip r:embed="rId5"/>
+          <a:stretch>
+            <a:fillRect/>
+          </a:stretch>
+        </p:blipFill>
+        <p:spPr>
+          <a:xfrm>
+            <a:off x="2757212" y="4231133"/>
+            <a:ext cx="6305897" cy="1879581"/>
+          </a:xfrm>
+          <a:prstGeom prst="rect">
+            <a:avLst/>
+          </a:prstGeom>
+        </p:spPr>
+      </p:pic>
     </p:spTree>
     <p:extLst>
       <p:ext uri="{BB962C8B-B14F-4D97-AF65-F5344CB8AC3E}">
-        <p14:creationId xmlns:p14="http://schemas.microsoft.com/office/powerpoint/2010/main" val="4185349489"/>
+        <p14:creationId xmlns:p14="http://schemas.microsoft.com/office/powerpoint/2010/main" val="1105680867"/>
       </p:ext>
     </p:extLst>
   </p:cSld>
@@ -5955,14 +6707,14 @@
       </p:grpSpPr>
       <p:sp>
         <p:nvSpPr>
-          <p:cNvPr id="9" name="Прямоугольник 8"/>
+          <p:cNvPr id="3" name="Прямоугольник 2"/>
           <p:cNvSpPr/>
           <p:nvPr/>
         </p:nvSpPr>
         <p:spPr>
           <a:xfrm>
-            <a:off x="1317461" y="223737"/>
-            <a:ext cx="3520362" cy="523220"/>
+            <a:off x="717753" y="657602"/>
+            <a:ext cx="8862851" cy="1015663"/>
           </a:xfrm>
           <a:prstGeom prst="rect">
             <a:avLst/>
@@ -5974,33 +6726,74 @@
           </a:bodyPr>
           <a:lstStyle/>
           <a:p>
-            <a:pPr fontAlgn="auto">
-              <a:spcBef>
-                <a:spcPts val="0"/>
-              </a:spcBef>
-              <a:spcAft>
-                <a:spcPts val="0"/>
-              </a:spcAft>
-              <a:defRPr/>
-            </a:pPr>
-            <a:r>
-              <a:rPr lang="ru-RU" sz="2800" b="1" dirty="0">
-                <a:solidFill>
-                  <a:schemeClr val="accent5">
-                    <a:lumMod val="75000"/>
-                  </a:schemeClr>
-                </a:solidFill>
-                <a:latin typeface="Bahnschrift Light SemiCondensed" panose="020B0502040204020203" pitchFamily="34" charset="0"/>
-                <a:cs typeface="Calibri"/>
-              </a:rPr>
-              <a:t>Тестирование модели</a:t>
-            </a:r>
+            <a:r>
+              <a:rPr lang="ru-RU" sz="3200" b="1" dirty="0">
+                <a:solidFill>
+                  <a:schemeClr val="bg1"/>
+                </a:solidFill>
+                <a:latin typeface="Bahnschrift Light SemiCondensed" panose="020B0502040204020203" pitchFamily="34" charset="0"/>
+              </a:rPr>
+              <a:t>ПРОГРАММНАЯ </a:t>
+            </a:r>
+            <a:r>
+              <a:rPr lang="ru-RU" sz="3200" b="1" dirty="0" smtClean="0">
+                <a:solidFill>
+                  <a:schemeClr val="bg1"/>
+                </a:solidFill>
+                <a:latin typeface="Bahnschrift Light SemiCondensed" panose="020B0502040204020203" pitchFamily="34" charset="0"/>
+              </a:rPr>
+              <a:t>РЕАЛИЗАЦИЯ</a:t>
+            </a:r>
+            <a:r>
+              <a:rPr lang="en-US" sz="3200" b="1" dirty="0" smtClean="0">
+                <a:solidFill>
+                  <a:schemeClr val="bg1"/>
+                </a:solidFill>
+                <a:latin typeface="Bahnschrift Light SemiCondensed" panose="020B0502040204020203" pitchFamily="34" charset="0"/>
+              </a:rPr>
+              <a:t>: </a:t>
+            </a:r>
+            <a:r>
+              <a:rPr lang="ru-RU" sz="3200" b="1" dirty="0" smtClean="0">
+                <a:solidFill>
+                  <a:schemeClr val="bg1"/>
+                </a:solidFill>
+                <a:latin typeface="Bahnschrift Light SemiCondensed" panose="020B0502040204020203" pitchFamily="34" charset="0"/>
+              </a:rPr>
+              <a:t>распознавание</a:t>
+            </a:r>
+            <a:r>
+              <a:rPr lang="ru-RU" sz="2800" dirty="0">
+                <a:solidFill>
+                  <a:schemeClr val="bg1"/>
+                </a:solidFill>
+                <a:latin typeface="Bahnschrift Light SemiCondensed" panose="020B0502040204020203" pitchFamily="34" charset="0"/>
+              </a:rPr>
+              <a:t/>
+            </a:r>
+            <a:br>
+              <a:rPr lang="ru-RU" sz="2800" dirty="0">
+                <a:solidFill>
+                  <a:schemeClr val="bg1"/>
+                </a:solidFill>
+                <a:latin typeface="Bahnschrift Light SemiCondensed" panose="020B0502040204020203" pitchFamily="34" charset="0"/>
+              </a:rPr>
+            </a:br>
+            <a:endParaRPr lang="ru-RU" sz="2800" dirty="0">
+              <a:solidFill>
+                <a:schemeClr val="accent1">
+                  <a:lumMod val="60000"/>
+                  <a:lumOff val="40000"/>
+                </a:schemeClr>
+              </a:solidFill>
+              <a:latin typeface="Bahnschrift Light SemiCondensed" panose="020B0502040204020203" pitchFamily="34" charset="0"/>
+            </a:endParaRPr>
           </a:p>
         </p:txBody>
       </p:sp>
       <p:pic>
         <p:nvPicPr>
-          <p:cNvPr id="3" name="Рисунок 2"/>
+          <p:cNvPr id="8" name="Рисунок 7"/>
           <p:cNvPicPr>
             <a:picLocks noChangeAspect="1"/>
           </p:cNvPicPr>
@@ -6014,8 +6807,8 @@
         </p:blipFill>
         <p:spPr>
           <a:xfrm>
-            <a:off x="397637" y="1582033"/>
-            <a:ext cx="4592651" cy="5034252"/>
+            <a:off x="2093472" y="1649093"/>
+            <a:ext cx="2023370" cy="2017872"/>
           </a:xfrm>
           <a:prstGeom prst="rect">
             <a:avLst/>
@@ -6024,7 +6817,7 @@
       </p:pic>
       <p:pic>
         <p:nvPicPr>
-          <p:cNvPr id="4" name="Рисунок 3"/>
+          <p:cNvPr id="2" name="Рисунок 1"/>
           <p:cNvPicPr>
             <a:picLocks noChangeAspect="1"/>
           </p:cNvPicPr>
@@ -6038,112 +6831,42 @@
         </p:blipFill>
         <p:spPr>
           <a:xfrm>
-            <a:off x="5705493" y="1566485"/>
-            <a:ext cx="6269256" cy="5049800"/>
+            <a:off x="5028156" y="1649093"/>
+            <a:ext cx="5283720" cy="2017872"/>
           </a:xfrm>
           <a:prstGeom prst="rect">
             <a:avLst/>
           </a:prstGeom>
         </p:spPr>
       </p:pic>
-      <p:sp>
-        <p:nvSpPr>
-          <p:cNvPr id="2" name="TextBox 1"/>
-          <p:cNvSpPr txBox="1"/>
+      <p:pic>
+        <p:nvPicPr>
+          <p:cNvPr id="4" name="Рисунок 3"/>
+          <p:cNvPicPr>
+            <a:picLocks noChangeAspect="1"/>
+          </p:cNvPicPr>
           <p:nvPr/>
-        </p:nvSpPr>
-        <p:spPr>
-          <a:xfrm>
-            <a:off x="486383" y="746957"/>
-            <a:ext cx="4503905" cy="923330"/>
+        </p:nvPicPr>
+        <p:blipFill>
+          <a:blip r:embed="rId5"/>
+          <a:stretch>
+            <a:fillRect/>
+          </a:stretch>
+        </p:blipFill>
+        <p:spPr>
+          <a:xfrm>
+            <a:off x="2093472" y="4471727"/>
+            <a:ext cx="8218403" cy="808143"/>
           </a:xfrm>
           <a:prstGeom prst="rect">
             <a:avLst/>
           </a:prstGeom>
-          <a:noFill/>
-        </p:spPr>
-        <p:txBody>
-          <a:bodyPr wrap="square" rtlCol="0">
-            <a:spAutoFit/>
-          </a:bodyPr>
-          <a:lstStyle/>
-          <a:p>
-            <a:r>
-              <a:rPr lang="ru-RU" dirty="0" smtClean="0">
-                <a:latin typeface="Bahnschrift" panose="020B0502040204020203" pitchFamily="34" charset="0"/>
-              </a:rPr>
-              <a:t>По 3 фотографии от каждого из </a:t>
-            </a:r>
-            <a:r>
-              <a:rPr lang="en-US" dirty="0" smtClean="0">
-                <a:latin typeface="Bahnschrift" panose="020B0502040204020203" pitchFamily="34" charset="0"/>
-              </a:rPr>
-              <a:t>30 </a:t>
-            </a:r>
-            <a:r>
-              <a:rPr lang="ru-RU" dirty="0" smtClean="0">
-                <a:latin typeface="Bahnschrift" panose="020B0502040204020203" pitchFamily="34" charset="0"/>
-              </a:rPr>
-              <a:t>сотрудников для обучения</a:t>
-            </a:r>
-          </a:p>
-          <a:p>
-            <a:r>
-              <a:rPr lang="ru-RU" dirty="0" smtClean="0">
-                <a:latin typeface="Bahnschrift" panose="020B0502040204020203" pitchFamily="34" charset="0"/>
-              </a:rPr>
-              <a:t>1 фотография для </a:t>
-            </a:r>
-            <a:r>
-              <a:rPr lang="ru-RU" dirty="0" err="1" smtClean="0">
-                <a:latin typeface="Bahnschrift" panose="020B0502040204020203" pitchFamily="34" charset="0"/>
-              </a:rPr>
-              <a:t>валидации</a:t>
-            </a:r>
-            <a:endParaRPr lang="ru-RU" dirty="0">
-              <a:latin typeface="Bahnschrift" panose="020B0502040204020203" pitchFamily="34" charset="0"/>
-            </a:endParaRPr>
-          </a:p>
-        </p:txBody>
-      </p:sp>
-      <p:sp>
-        <p:nvSpPr>
-          <p:cNvPr id="6" name="TextBox 5"/>
-          <p:cNvSpPr txBox="1"/>
-          <p:nvPr/>
-        </p:nvSpPr>
-        <p:spPr>
-          <a:xfrm>
-            <a:off x="7470844" y="1023956"/>
-            <a:ext cx="2441641" cy="369332"/>
-          </a:xfrm>
-          <a:prstGeom prst="rect">
-            <a:avLst/>
-          </a:prstGeom>
-          <a:noFill/>
-        </p:spPr>
-        <p:txBody>
-          <a:bodyPr wrap="square" rtlCol="0">
-            <a:spAutoFit/>
-          </a:bodyPr>
-          <a:lstStyle/>
-          <a:p>
-            <a:r>
-              <a:rPr lang="ru-RU" dirty="0" smtClean="0">
-                <a:latin typeface="Bahnschrift" panose="020B0502040204020203" pitchFamily="34" charset="0"/>
-              </a:rPr>
-              <a:t>20 «не сотрудников»</a:t>
-            </a:r>
-            <a:endParaRPr lang="ru-RU" dirty="0">
-              <a:latin typeface="Bahnschrift" panose="020B0502040204020203" pitchFamily="34" charset="0"/>
-            </a:endParaRPr>
-          </a:p>
-        </p:txBody>
-      </p:sp>
+        </p:spPr>
+      </p:pic>
     </p:spTree>
     <p:extLst>
       <p:ext uri="{BB962C8B-B14F-4D97-AF65-F5344CB8AC3E}">
-        <p14:creationId xmlns:p14="http://schemas.microsoft.com/office/powerpoint/2010/main" val="3272746392"/>
+        <p14:creationId xmlns:p14="http://schemas.microsoft.com/office/powerpoint/2010/main" val="4033616484"/>
       </p:ext>
     </p:extLst>
   </p:cSld>

--- a/presentation.pptx
+++ b/presentation.pptx
@@ -1,9 +1,15 @@
 
 <file path=ppt/presentation.xml><?xml version="1.0" encoding="utf-8"?>
-<p:presentation xmlns:a="http://schemas.openxmlformats.org/drawingml/2006/main" xmlns:r="http://schemas.openxmlformats.org/officeDocument/2006/relationships" xmlns:p="http://schemas.openxmlformats.org/presentationml/2006/main" saveSubsetFonts="1">
+<p:presentation xmlns:a="http://schemas.openxmlformats.org/drawingml/2006/main" xmlns:r="http://schemas.openxmlformats.org/officeDocument/2006/relationships" xmlns:p="http://schemas.openxmlformats.org/presentationml/2006/main" showSpecialPlsOnTitleSld="0" saveSubsetFonts="1">
   <p:sldMasterIdLst>
     <p:sldMasterId id="2147483797" r:id="rId1"/>
   </p:sldMasterIdLst>
+  <p:notesMasterIdLst>
+    <p:notesMasterId r:id="rId20"/>
+  </p:notesMasterIdLst>
+  <p:handoutMasterIdLst>
+    <p:handoutMasterId r:id="rId21"/>
+  </p:handoutMasterIdLst>
   <p:sldIdLst>
     <p:sldId id="269" r:id="rId2"/>
     <p:sldId id="268" r:id="rId3"/>
@@ -129,6 +135,521 @@
 </p:presentation>
 </file>
 
+<file path=ppt/handoutMasters/handoutMaster1.xml><?xml version="1.0" encoding="utf-8"?>
+<p:handoutMaster xmlns:a="http://schemas.openxmlformats.org/drawingml/2006/main" xmlns:r="http://schemas.openxmlformats.org/officeDocument/2006/relationships" xmlns:p="http://schemas.openxmlformats.org/presentationml/2006/main">
+  <p:cSld>
+    <p:bg>
+      <p:bgRef idx="1001">
+        <a:schemeClr val="bg1"/>
+      </p:bgRef>
+    </p:bg>
+    <p:spTree>
+      <p:nvGrpSpPr>
+        <p:cNvPr id="1" name=""/>
+        <p:cNvGrpSpPr/>
+        <p:nvPr/>
+      </p:nvGrpSpPr>
+      <p:grpSpPr>
+        <a:xfrm>
+          <a:off x="0" y="0"/>
+          <a:ext cx="0" cy="0"/>
+          <a:chOff x="0" y="0"/>
+          <a:chExt cx="0" cy="0"/>
+        </a:xfrm>
+      </p:grpSpPr>
+      <p:sp>
+        <p:nvSpPr>
+          <p:cNvPr id="2" name="Верхний колонтитул 1"/>
+          <p:cNvSpPr>
+            <a:spLocks noGrp="1"/>
+          </p:cNvSpPr>
+          <p:nvPr>
+            <p:ph type="hdr" sz="quarter"/>
+          </p:nvPr>
+        </p:nvSpPr>
+        <p:spPr>
+          <a:xfrm>
+            <a:off x="0" y="0"/>
+            <a:ext cx="2971800" cy="458788"/>
+          </a:xfrm>
+          <a:prstGeom prst="rect">
+            <a:avLst/>
+          </a:prstGeom>
+        </p:spPr>
+        <p:txBody>
+          <a:bodyPr vert="horz" lIns="91440" tIns="45720" rIns="91440" bIns="45720" rtlCol="0"/>
+          <a:lstStyle>
+            <a:lvl1pPr algn="l">
+              <a:defRPr sz="1200"/>
+            </a:lvl1pPr>
+          </a:lstStyle>
+          <a:p>
+            <a:endParaRPr lang="ru-RU"/>
+          </a:p>
+        </p:txBody>
+      </p:sp>
+      <p:sp>
+        <p:nvSpPr>
+          <p:cNvPr id="3" name="Дата 2"/>
+          <p:cNvSpPr>
+            <a:spLocks noGrp="1"/>
+          </p:cNvSpPr>
+          <p:nvPr>
+            <p:ph type="dt" sz="quarter" idx="1"/>
+          </p:nvPr>
+        </p:nvSpPr>
+        <p:spPr>
+          <a:xfrm>
+            <a:off x="3884613" y="0"/>
+            <a:ext cx="2971800" cy="458788"/>
+          </a:xfrm>
+          <a:prstGeom prst="rect">
+            <a:avLst/>
+          </a:prstGeom>
+        </p:spPr>
+        <p:txBody>
+          <a:bodyPr vert="horz" lIns="91440" tIns="45720" rIns="91440" bIns="45720" rtlCol="0"/>
+          <a:lstStyle>
+            <a:lvl1pPr algn="r">
+              <a:defRPr sz="1200"/>
+            </a:lvl1pPr>
+          </a:lstStyle>
+          <a:p>
+            <a:fld id="{FD1997E7-12D1-4FBC-996A-F4B11AFC9D63}" type="datetimeFigureOut">
+              <a:rPr lang="ru-RU" smtClean="0"/>
+              <a:t>03.06.2023</a:t>
+            </a:fld>
+            <a:endParaRPr lang="ru-RU"/>
+          </a:p>
+        </p:txBody>
+      </p:sp>
+      <p:sp>
+        <p:nvSpPr>
+          <p:cNvPr id="4" name="Нижний колонтитул 3"/>
+          <p:cNvSpPr>
+            <a:spLocks noGrp="1"/>
+          </p:cNvSpPr>
+          <p:nvPr>
+            <p:ph type="ftr" sz="quarter" idx="2"/>
+          </p:nvPr>
+        </p:nvSpPr>
+        <p:spPr>
+          <a:xfrm>
+            <a:off x="0" y="8685213"/>
+            <a:ext cx="2971800" cy="458787"/>
+          </a:xfrm>
+          <a:prstGeom prst="rect">
+            <a:avLst/>
+          </a:prstGeom>
+        </p:spPr>
+        <p:txBody>
+          <a:bodyPr vert="horz" lIns="91440" tIns="45720" rIns="91440" bIns="45720" rtlCol="0" anchor="b"/>
+          <a:lstStyle>
+            <a:lvl1pPr algn="l">
+              <a:defRPr sz="1200"/>
+            </a:lvl1pPr>
+          </a:lstStyle>
+          <a:p>
+            <a:endParaRPr lang="ru-RU"/>
+          </a:p>
+        </p:txBody>
+      </p:sp>
+      <p:sp>
+        <p:nvSpPr>
+          <p:cNvPr id="5" name="Номер слайда 4"/>
+          <p:cNvSpPr>
+            <a:spLocks noGrp="1"/>
+          </p:cNvSpPr>
+          <p:nvPr>
+            <p:ph type="sldNum" sz="quarter" idx="3"/>
+          </p:nvPr>
+        </p:nvSpPr>
+        <p:spPr>
+          <a:xfrm>
+            <a:off x="3884613" y="8685213"/>
+            <a:ext cx="2971800" cy="458787"/>
+          </a:xfrm>
+          <a:prstGeom prst="rect">
+            <a:avLst/>
+          </a:prstGeom>
+        </p:spPr>
+        <p:txBody>
+          <a:bodyPr vert="horz" lIns="91440" tIns="45720" rIns="91440" bIns="45720" rtlCol="0" anchor="b"/>
+          <a:lstStyle>
+            <a:lvl1pPr algn="r">
+              <a:defRPr sz="1200"/>
+            </a:lvl1pPr>
+          </a:lstStyle>
+          <a:p>
+            <a:fld id="{55E75D14-2A64-4854-AE48-A16F2CD93CE8}" type="slidenum">
+              <a:rPr lang="ru-RU" smtClean="0"/>
+              <a:t>‹#›</a:t>
+            </a:fld>
+            <a:endParaRPr lang="ru-RU"/>
+          </a:p>
+        </p:txBody>
+      </p:sp>
+    </p:spTree>
+    <p:extLst>
+      <p:ext uri="{BB962C8B-B14F-4D97-AF65-F5344CB8AC3E}">
+        <p14:creationId xmlns:p14="http://schemas.microsoft.com/office/powerpoint/2010/main" val="3687673161"/>
+      </p:ext>
+    </p:extLst>
+  </p:cSld>
+  <p:clrMap bg1="lt1" tx1="dk1" bg2="lt2" tx2="dk2" accent1="accent1" accent2="accent2" accent3="accent3" accent4="accent4" accent5="accent5" accent6="accent6" hlink="hlink" folHlink="folHlink"/>
+</p:handoutMaster>
+</file>
+
+<file path=ppt/notesMasters/notesMaster1.xml><?xml version="1.0" encoding="utf-8"?>
+<p:notesMaster xmlns:a="http://schemas.openxmlformats.org/drawingml/2006/main" xmlns:r="http://schemas.openxmlformats.org/officeDocument/2006/relationships" xmlns:p="http://schemas.openxmlformats.org/presentationml/2006/main">
+  <p:cSld>
+    <p:bg>
+      <p:bgRef idx="1001">
+        <a:schemeClr val="bg1"/>
+      </p:bgRef>
+    </p:bg>
+    <p:spTree>
+      <p:nvGrpSpPr>
+        <p:cNvPr id="1" name=""/>
+        <p:cNvGrpSpPr/>
+        <p:nvPr/>
+      </p:nvGrpSpPr>
+      <p:grpSpPr>
+        <a:xfrm>
+          <a:off x="0" y="0"/>
+          <a:ext cx="0" cy="0"/>
+          <a:chOff x="0" y="0"/>
+          <a:chExt cx="0" cy="0"/>
+        </a:xfrm>
+      </p:grpSpPr>
+      <p:sp>
+        <p:nvSpPr>
+          <p:cNvPr id="2" name="Верхний колонтитул 1"/>
+          <p:cNvSpPr>
+            <a:spLocks noGrp="1"/>
+          </p:cNvSpPr>
+          <p:nvPr>
+            <p:ph type="hdr" sz="quarter"/>
+          </p:nvPr>
+        </p:nvSpPr>
+        <p:spPr>
+          <a:xfrm>
+            <a:off x="0" y="0"/>
+            <a:ext cx="2971800" cy="458788"/>
+          </a:xfrm>
+          <a:prstGeom prst="rect">
+            <a:avLst/>
+          </a:prstGeom>
+        </p:spPr>
+        <p:txBody>
+          <a:bodyPr vert="horz" lIns="91440" tIns="45720" rIns="91440" bIns="45720" rtlCol="0"/>
+          <a:lstStyle>
+            <a:lvl1pPr algn="l">
+              <a:defRPr sz="1200"/>
+            </a:lvl1pPr>
+          </a:lstStyle>
+          <a:p>
+            <a:endParaRPr lang="ru-RU"/>
+          </a:p>
+        </p:txBody>
+      </p:sp>
+      <p:sp>
+        <p:nvSpPr>
+          <p:cNvPr id="3" name="Дата 2"/>
+          <p:cNvSpPr>
+            <a:spLocks noGrp="1"/>
+          </p:cNvSpPr>
+          <p:nvPr>
+            <p:ph type="dt" idx="1"/>
+          </p:nvPr>
+        </p:nvSpPr>
+        <p:spPr>
+          <a:xfrm>
+            <a:off x="3884613" y="0"/>
+            <a:ext cx="2971800" cy="458788"/>
+          </a:xfrm>
+          <a:prstGeom prst="rect">
+            <a:avLst/>
+          </a:prstGeom>
+        </p:spPr>
+        <p:txBody>
+          <a:bodyPr vert="horz" lIns="91440" tIns="45720" rIns="91440" bIns="45720" rtlCol="0"/>
+          <a:lstStyle>
+            <a:lvl1pPr algn="r">
+              <a:defRPr sz="1200"/>
+            </a:lvl1pPr>
+          </a:lstStyle>
+          <a:p>
+            <a:fld id="{8D23FE6B-B823-4197-BA54-2FC26EEABCEE}" type="datetimeFigureOut">
+              <a:rPr lang="ru-RU" smtClean="0"/>
+              <a:t>03.06.2023</a:t>
+            </a:fld>
+            <a:endParaRPr lang="ru-RU"/>
+          </a:p>
+        </p:txBody>
+      </p:sp>
+      <p:sp>
+        <p:nvSpPr>
+          <p:cNvPr id="4" name="Образ слайда 3"/>
+          <p:cNvSpPr>
+            <a:spLocks noGrp="1" noRot="1" noChangeAspect="1"/>
+          </p:cNvSpPr>
+          <p:nvPr>
+            <p:ph type="sldImg" idx="2"/>
+          </p:nvPr>
+        </p:nvSpPr>
+        <p:spPr>
+          <a:xfrm>
+            <a:off x="685800" y="1143000"/>
+            <a:ext cx="5486400" cy="3086100"/>
+          </a:xfrm>
+          <a:prstGeom prst="rect">
+            <a:avLst/>
+          </a:prstGeom>
+          <a:noFill/>
+          <a:ln w="12700">
+            <a:solidFill>
+              <a:prstClr val="black"/>
+            </a:solidFill>
+          </a:ln>
+        </p:spPr>
+        <p:txBody>
+          <a:bodyPr vert="horz" lIns="91440" tIns="45720" rIns="91440" bIns="45720" rtlCol="0" anchor="ctr"/>
+          <a:lstStyle/>
+          <a:p>
+            <a:endParaRPr lang="ru-RU"/>
+          </a:p>
+        </p:txBody>
+      </p:sp>
+      <p:sp>
+        <p:nvSpPr>
+          <p:cNvPr id="5" name="Заметки 4"/>
+          <p:cNvSpPr>
+            <a:spLocks noGrp="1"/>
+          </p:cNvSpPr>
+          <p:nvPr>
+            <p:ph type="body" sz="quarter" idx="3"/>
+          </p:nvPr>
+        </p:nvSpPr>
+        <p:spPr>
+          <a:xfrm>
+            <a:off x="685800" y="4400550"/>
+            <a:ext cx="5486400" cy="3600450"/>
+          </a:xfrm>
+          <a:prstGeom prst="rect">
+            <a:avLst/>
+          </a:prstGeom>
+        </p:spPr>
+        <p:txBody>
+          <a:bodyPr vert="horz" lIns="91440" tIns="45720" rIns="91440" bIns="45720" rtlCol="0"/>
+          <a:lstStyle/>
+          <a:p>
+            <a:pPr lvl="0"/>
+            <a:r>
+              <a:rPr lang="ru-RU" smtClean="0"/>
+              <a:t>Образец текста</a:t>
+            </a:r>
+          </a:p>
+          <a:p>
+            <a:pPr lvl="1"/>
+            <a:r>
+              <a:rPr lang="ru-RU" smtClean="0"/>
+              <a:t>Второй уровень</a:t>
+            </a:r>
+          </a:p>
+          <a:p>
+            <a:pPr lvl="2"/>
+            <a:r>
+              <a:rPr lang="ru-RU" smtClean="0"/>
+              <a:t>Третий уровень</a:t>
+            </a:r>
+          </a:p>
+          <a:p>
+            <a:pPr lvl="3"/>
+            <a:r>
+              <a:rPr lang="ru-RU" smtClean="0"/>
+              <a:t>Четвертый уровень</a:t>
+            </a:r>
+          </a:p>
+          <a:p>
+            <a:pPr lvl="4"/>
+            <a:r>
+              <a:rPr lang="ru-RU" smtClean="0"/>
+              <a:t>Пятый уровень</a:t>
+            </a:r>
+            <a:endParaRPr lang="ru-RU"/>
+          </a:p>
+        </p:txBody>
+      </p:sp>
+      <p:sp>
+        <p:nvSpPr>
+          <p:cNvPr id="6" name="Нижний колонтитул 5"/>
+          <p:cNvSpPr>
+            <a:spLocks noGrp="1"/>
+          </p:cNvSpPr>
+          <p:nvPr>
+            <p:ph type="ftr" sz="quarter" idx="4"/>
+          </p:nvPr>
+        </p:nvSpPr>
+        <p:spPr>
+          <a:xfrm>
+            <a:off x="0" y="8685213"/>
+            <a:ext cx="2971800" cy="458787"/>
+          </a:xfrm>
+          <a:prstGeom prst="rect">
+            <a:avLst/>
+          </a:prstGeom>
+        </p:spPr>
+        <p:txBody>
+          <a:bodyPr vert="horz" lIns="91440" tIns="45720" rIns="91440" bIns="45720" rtlCol="0" anchor="b"/>
+          <a:lstStyle>
+            <a:lvl1pPr algn="l">
+              <a:defRPr sz="1200"/>
+            </a:lvl1pPr>
+          </a:lstStyle>
+          <a:p>
+            <a:endParaRPr lang="ru-RU"/>
+          </a:p>
+        </p:txBody>
+      </p:sp>
+      <p:sp>
+        <p:nvSpPr>
+          <p:cNvPr id="7" name="Номер слайда 6"/>
+          <p:cNvSpPr>
+            <a:spLocks noGrp="1"/>
+          </p:cNvSpPr>
+          <p:nvPr>
+            <p:ph type="sldNum" sz="quarter" idx="5"/>
+          </p:nvPr>
+        </p:nvSpPr>
+        <p:spPr>
+          <a:xfrm>
+            <a:off x="3884613" y="8685213"/>
+            <a:ext cx="2971800" cy="458787"/>
+          </a:xfrm>
+          <a:prstGeom prst="rect">
+            <a:avLst/>
+          </a:prstGeom>
+        </p:spPr>
+        <p:txBody>
+          <a:bodyPr vert="horz" lIns="91440" tIns="45720" rIns="91440" bIns="45720" rtlCol="0" anchor="b"/>
+          <a:lstStyle>
+            <a:lvl1pPr algn="r">
+              <a:defRPr sz="1200"/>
+            </a:lvl1pPr>
+          </a:lstStyle>
+          <a:p>
+            <a:fld id="{55381EDC-8438-4ABF-95B9-08729175B00D}" type="slidenum">
+              <a:rPr lang="ru-RU" smtClean="0"/>
+              <a:t>‹#›</a:t>
+            </a:fld>
+            <a:endParaRPr lang="ru-RU"/>
+          </a:p>
+        </p:txBody>
+      </p:sp>
+    </p:spTree>
+    <p:extLst>
+      <p:ext uri="{BB962C8B-B14F-4D97-AF65-F5344CB8AC3E}">
+        <p14:creationId xmlns:p14="http://schemas.microsoft.com/office/powerpoint/2010/main" val="208057083"/>
+      </p:ext>
+    </p:extLst>
+  </p:cSld>
+  <p:clrMap bg1="lt1" tx1="dk1" bg2="lt2" tx2="dk2" accent1="accent1" accent2="accent2" accent3="accent3" accent4="accent4" accent5="accent5" accent6="accent6" hlink="hlink" folHlink="folHlink"/>
+  <p:notesStyle>
+    <a:lvl1pPr marL="0" algn="l" defTabSz="914400" rtl="0" eaLnBrk="1" latinLnBrk="0" hangingPunct="1">
+      <a:defRPr sz="1200" kern="1200">
+        <a:solidFill>
+          <a:schemeClr val="tx1"/>
+        </a:solidFill>
+        <a:latin typeface="+mn-lt"/>
+        <a:ea typeface="+mn-ea"/>
+        <a:cs typeface="+mn-cs"/>
+      </a:defRPr>
+    </a:lvl1pPr>
+    <a:lvl2pPr marL="457200" algn="l" defTabSz="914400" rtl="0" eaLnBrk="1" latinLnBrk="0" hangingPunct="1">
+      <a:defRPr sz="1200" kern="1200">
+        <a:solidFill>
+          <a:schemeClr val="tx1"/>
+        </a:solidFill>
+        <a:latin typeface="+mn-lt"/>
+        <a:ea typeface="+mn-ea"/>
+        <a:cs typeface="+mn-cs"/>
+      </a:defRPr>
+    </a:lvl2pPr>
+    <a:lvl3pPr marL="914400" algn="l" defTabSz="914400" rtl="0" eaLnBrk="1" latinLnBrk="0" hangingPunct="1">
+      <a:defRPr sz="1200" kern="1200">
+        <a:solidFill>
+          <a:schemeClr val="tx1"/>
+        </a:solidFill>
+        <a:latin typeface="+mn-lt"/>
+        <a:ea typeface="+mn-ea"/>
+        <a:cs typeface="+mn-cs"/>
+      </a:defRPr>
+    </a:lvl3pPr>
+    <a:lvl4pPr marL="1371600" algn="l" defTabSz="914400" rtl="0" eaLnBrk="1" latinLnBrk="0" hangingPunct="1">
+      <a:defRPr sz="1200" kern="1200">
+        <a:solidFill>
+          <a:schemeClr val="tx1"/>
+        </a:solidFill>
+        <a:latin typeface="+mn-lt"/>
+        <a:ea typeface="+mn-ea"/>
+        <a:cs typeface="+mn-cs"/>
+      </a:defRPr>
+    </a:lvl4pPr>
+    <a:lvl5pPr marL="1828800" algn="l" defTabSz="914400" rtl="0" eaLnBrk="1" latinLnBrk="0" hangingPunct="1">
+      <a:defRPr sz="1200" kern="1200">
+        <a:solidFill>
+          <a:schemeClr val="tx1"/>
+        </a:solidFill>
+        <a:latin typeface="+mn-lt"/>
+        <a:ea typeface="+mn-ea"/>
+        <a:cs typeface="+mn-cs"/>
+      </a:defRPr>
+    </a:lvl5pPr>
+    <a:lvl6pPr marL="2286000" algn="l" defTabSz="914400" rtl="0" eaLnBrk="1" latinLnBrk="0" hangingPunct="1">
+      <a:defRPr sz="1200" kern="1200">
+        <a:solidFill>
+          <a:schemeClr val="tx1"/>
+        </a:solidFill>
+        <a:latin typeface="+mn-lt"/>
+        <a:ea typeface="+mn-ea"/>
+        <a:cs typeface="+mn-cs"/>
+      </a:defRPr>
+    </a:lvl6pPr>
+    <a:lvl7pPr marL="2743200" algn="l" defTabSz="914400" rtl="0" eaLnBrk="1" latinLnBrk="0" hangingPunct="1">
+      <a:defRPr sz="1200" kern="1200">
+        <a:solidFill>
+          <a:schemeClr val="tx1"/>
+        </a:solidFill>
+        <a:latin typeface="+mn-lt"/>
+        <a:ea typeface="+mn-ea"/>
+        <a:cs typeface="+mn-cs"/>
+      </a:defRPr>
+    </a:lvl7pPr>
+    <a:lvl8pPr marL="3200400" algn="l" defTabSz="914400" rtl="0" eaLnBrk="1" latinLnBrk="0" hangingPunct="1">
+      <a:defRPr sz="1200" kern="1200">
+        <a:solidFill>
+          <a:schemeClr val="tx1"/>
+        </a:solidFill>
+        <a:latin typeface="+mn-lt"/>
+        <a:ea typeface="+mn-ea"/>
+        <a:cs typeface="+mn-cs"/>
+      </a:defRPr>
+    </a:lvl8pPr>
+    <a:lvl9pPr marL="3657600" algn="l" defTabSz="914400" rtl="0" eaLnBrk="1" latinLnBrk="0" hangingPunct="1">
+      <a:defRPr sz="1200" kern="1200">
+        <a:solidFill>
+          <a:schemeClr val="tx1"/>
+        </a:solidFill>
+        <a:latin typeface="+mn-lt"/>
+        <a:ea typeface="+mn-ea"/>
+        <a:cs typeface="+mn-cs"/>
+      </a:defRPr>
+    </a:lvl9pPr>
+  </p:notesStyle>
+</p:notesMaster>
+</file>
+
 <file path=ppt/slideLayouts/slideLayout1.xml><?xml version="1.0" encoding="utf-8"?>
 <p:sldLayout xmlns:a="http://schemas.openxmlformats.org/drawingml/2006/main" xmlns:r="http://schemas.openxmlformats.org/officeDocument/2006/relationships" xmlns:p="http://schemas.openxmlformats.org/presentationml/2006/main" type="title" preserve="1">
   <p:cSld name="Титульный слайд">
@@ -256,9 +777,9 @@
           <a:bodyPr/>
           <a:lstStyle/>
           <a:p>
-            <a:fld id="{44DFBB45-DAC6-4119-B571-663DA2F63C37}" type="datetimeFigureOut">
+            <a:fld id="{87B2390D-3FCD-419D-ABA5-D2C52467DC58}" type="datetime1">
               <a:rPr lang="ru-RU" smtClean="0"/>
-              <a:t>31.05.2023</a:t>
+              <a:t>03.06.2023</a:t>
             </a:fld>
             <a:endParaRPr lang="ru-RU"/>
           </a:p>
@@ -424,9 +945,9 @@
           <a:bodyPr/>
           <a:lstStyle/>
           <a:p>
-            <a:fld id="{44DFBB45-DAC6-4119-B571-663DA2F63C37}" type="datetimeFigureOut">
+            <a:fld id="{5D1DFA7A-AFFE-478F-B926-E8E6D26611BE}" type="datetime1">
               <a:rPr lang="ru-RU" smtClean="0"/>
-              <a:t>31.05.2023</a:t>
+              <a:t>03.06.2023</a:t>
             </a:fld>
             <a:endParaRPr lang="ru-RU"/>
           </a:p>
@@ -602,9 +1123,9 @@
           <a:bodyPr/>
           <a:lstStyle/>
           <a:p>
-            <a:fld id="{44DFBB45-DAC6-4119-B571-663DA2F63C37}" type="datetimeFigureOut">
+            <a:fld id="{F0CC37A3-9778-41C2-9E7B-AE90A23203A8}" type="datetime1">
               <a:rPr lang="ru-RU" smtClean="0"/>
-              <a:t>31.05.2023</a:t>
+              <a:t>03.06.2023</a:t>
             </a:fld>
             <a:endParaRPr lang="ru-RU"/>
           </a:p>
@@ -770,9 +1291,9 @@
           <a:bodyPr/>
           <a:lstStyle/>
           <a:p>
-            <a:fld id="{44DFBB45-DAC6-4119-B571-663DA2F63C37}" type="datetimeFigureOut">
+            <a:fld id="{3A7637E1-B10E-4D7B-82E6-C62565B08DE3}" type="datetime1">
               <a:rPr lang="ru-RU" smtClean="0"/>
-              <a:t>31.05.2023</a:t>
+              <a:t>03.06.2023</a:t>
             </a:fld>
             <a:endParaRPr lang="ru-RU"/>
           </a:p>
@@ -1015,9 +1536,9 @@
           <a:bodyPr/>
           <a:lstStyle/>
           <a:p>
-            <a:fld id="{44DFBB45-DAC6-4119-B571-663DA2F63C37}" type="datetimeFigureOut">
+            <a:fld id="{E5F0544A-54C7-4899-B9B2-987C888733ED}" type="datetime1">
               <a:rPr lang="ru-RU" smtClean="0"/>
-              <a:t>31.05.2023</a:t>
+              <a:t>03.06.2023</a:t>
             </a:fld>
             <a:endParaRPr lang="ru-RU"/>
           </a:p>
@@ -1244,9 +1765,9 @@
           <a:bodyPr/>
           <a:lstStyle/>
           <a:p>
-            <a:fld id="{44DFBB45-DAC6-4119-B571-663DA2F63C37}" type="datetimeFigureOut">
+            <a:fld id="{03EB27F1-054D-4104-9C77-4787D6F8FC44}" type="datetime1">
               <a:rPr lang="ru-RU" smtClean="0"/>
-              <a:t>31.05.2023</a:t>
+              <a:t>03.06.2023</a:t>
             </a:fld>
             <a:endParaRPr lang="ru-RU"/>
           </a:p>
@@ -1608,9 +2129,9 @@
           <a:bodyPr/>
           <a:lstStyle/>
           <a:p>
-            <a:fld id="{44DFBB45-DAC6-4119-B571-663DA2F63C37}" type="datetimeFigureOut">
+            <a:fld id="{4688F068-9CCF-4FB1-8B4F-BCA74682C771}" type="datetime1">
               <a:rPr lang="ru-RU" smtClean="0"/>
-              <a:t>31.05.2023</a:t>
+              <a:t>03.06.2023</a:t>
             </a:fld>
             <a:endParaRPr lang="ru-RU"/>
           </a:p>
@@ -1725,9 +2246,9 @@
           <a:bodyPr/>
           <a:lstStyle/>
           <a:p>
-            <a:fld id="{44DFBB45-DAC6-4119-B571-663DA2F63C37}" type="datetimeFigureOut">
+            <a:fld id="{1B5E5100-2132-4184-BD3B-656BD4BB32AF}" type="datetime1">
               <a:rPr lang="ru-RU" smtClean="0"/>
-              <a:t>31.05.2023</a:t>
+              <a:t>03.06.2023</a:t>
             </a:fld>
             <a:endParaRPr lang="ru-RU"/>
           </a:p>
@@ -1820,9 +2341,9 @@
           <a:bodyPr/>
           <a:lstStyle/>
           <a:p>
-            <a:fld id="{44DFBB45-DAC6-4119-B571-663DA2F63C37}" type="datetimeFigureOut">
+            <a:fld id="{C7919DD8-0A7A-4F7A-A21D-08B2DB974369}" type="datetime1">
               <a:rPr lang="ru-RU" smtClean="0"/>
-              <a:t>31.05.2023</a:t>
+              <a:t>03.06.2023</a:t>
             </a:fld>
             <a:endParaRPr lang="ru-RU"/>
           </a:p>
@@ -2095,9 +2616,9 @@
           <a:bodyPr/>
           <a:lstStyle/>
           <a:p>
-            <a:fld id="{44DFBB45-DAC6-4119-B571-663DA2F63C37}" type="datetimeFigureOut">
+            <a:fld id="{E263E158-145D-4800-A5B2-FB516E854350}" type="datetime1">
               <a:rPr lang="ru-RU" smtClean="0"/>
-              <a:t>31.05.2023</a:t>
+              <a:t>03.06.2023</a:t>
             </a:fld>
             <a:endParaRPr lang="ru-RU"/>
           </a:p>
@@ -2347,9 +2868,9 @@
           <a:bodyPr/>
           <a:lstStyle/>
           <a:p>
-            <a:fld id="{44DFBB45-DAC6-4119-B571-663DA2F63C37}" type="datetimeFigureOut">
+            <a:fld id="{F92601F9-FB67-4BC7-AC2E-6DAD1137D3F1}" type="datetime1">
               <a:rPr lang="ru-RU" smtClean="0"/>
-              <a:t>31.05.2023</a:t>
+              <a:t>03.06.2023</a:t>
             </a:fld>
             <a:endParaRPr lang="ru-RU"/>
           </a:p>
@@ -2558,9 +3079,9 @@
             </a:lvl1pPr>
           </a:lstStyle>
           <a:p>
-            <a:fld id="{44DFBB45-DAC6-4119-B571-663DA2F63C37}" type="datetimeFigureOut">
+            <a:fld id="{E1FD6A28-286C-490F-8992-67C72BBEC4DF}" type="datetime1">
               <a:rPr lang="ru-RU" smtClean="0"/>
-              <a:t>31.05.2023</a:t>
+              <a:t>03.06.2023</a:t>
             </a:fld>
             <a:endParaRPr lang="ru-RU"/>
           </a:p>
@@ -2665,6 +3186,7 @@
     <p:sldLayoutId id="2147483807" r:id="rId10"/>
     <p:sldLayoutId id="2147483808" r:id="rId11"/>
   </p:sldLayoutIdLst>
+  <p:hf hdr="0" ftr="0" dt="0"/>
   <p:txStyles>
     <p:titleStyle>
       <a:lvl1pPr algn="l" defTabSz="914400" rtl="0" eaLnBrk="1" latinLnBrk="0" hangingPunct="1">
@@ -3442,6 +3964,29 @@
           </a:prstGeom>
         </p:spPr>
       </p:pic>
+      <p:sp>
+        <p:nvSpPr>
+          <p:cNvPr id="11" name="Номер слайда 10"/>
+          <p:cNvSpPr>
+            <a:spLocks noGrp="1"/>
+          </p:cNvSpPr>
+          <p:nvPr>
+            <p:ph type="sldNum" sz="quarter" idx="12"/>
+          </p:nvPr>
+        </p:nvSpPr>
+        <p:spPr/>
+        <p:txBody>
+          <a:bodyPr/>
+          <a:lstStyle/>
+          <a:p>
+            <a:fld id="{76E7DB6D-1D52-4AEA-BFEB-ED8647A144BC}" type="slidenum">
+              <a:rPr lang="ru-RU" smtClean="0"/>
+              <a:t>10</a:t>
+            </a:fld>
+            <a:endParaRPr lang="ru-RU"/>
+          </a:p>
+        </p:txBody>
+      </p:sp>
     </p:spTree>
     <p:extLst>
       <p:ext uri="{BB962C8B-B14F-4D97-AF65-F5344CB8AC3E}">
@@ -3604,6 +4149,29 @@
           </a:p>
         </p:txBody>
       </p:sp>
+      <p:sp>
+        <p:nvSpPr>
+          <p:cNvPr id="10" name="Номер слайда 9"/>
+          <p:cNvSpPr>
+            <a:spLocks noGrp="1"/>
+          </p:cNvSpPr>
+          <p:nvPr>
+            <p:ph type="sldNum" sz="quarter" idx="12"/>
+          </p:nvPr>
+        </p:nvSpPr>
+        <p:spPr/>
+        <p:txBody>
+          <a:bodyPr/>
+          <a:lstStyle/>
+          <a:p>
+            <a:fld id="{76E7DB6D-1D52-4AEA-BFEB-ED8647A144BC}" type="slidenum">
+              <a:rPr lang="ru-RU" smtClean="0"/>
+              <a:t>11</a:t>
+            </a:fld>
+            <a:endParaRPr lang="ru-RU"/>
+          </a:p>
+        </p:txBody>
+      </p:sp>
     </p:spTree>
     <p:extLst>
       <p:ext uri="{BB962C8B-B14F-4D97-AF65-F5344CB8AC3E}">
@@ -3842,6 +4410,29 @@
           </a:p>
         </p:txBody>
       </p:sp>
+      <p:sp>
+        <p:nvSpPr>
+          <p:cNvPr id="12" name="Номер слайда 11"/>
+          <p:cNvSpPr>
+            <a:spLocks noGrp="1"/>
+          </p:cNvSpPr>
+          <p:nvPr>
+            <p:ph type="sldNum" sz="quarter" idx="12"/>
+          </p:nvPr>
+        </p:nvSpPr>
+        <p:spPr/>
+        <p:txBody>
+          <a:bodyPr/>
+          <a:lstStyle/>
+          <a:p>
+            <a:fld id="{76E7DB6D-1D52-4AEA-BFEB-ED8647A144BC}" type="slidenum">
+              <a:rPr lang="ru-RU" smtClean="0"/>
+              <a:t>12</a:t>
+            </a:fld>
+            <a:endParaRPr lang="ru-RU"/>
+          </a:p>
+        </p:txBody>
+      </p:sp>
     </p:spTree>
     <p:extLst>
       <p:ext uri="{BB962C8B-B14F-4D97-AF65-F5344CB8AC3E}">
@@ -3965,6 +4556,29 @@
           </a:prstGeom>
         </p:spPr>
       </p:pic>
+      <p:sp>
+        <p:nvSpPr>
+          <p:cNvPr id="9" name="Номер слайда 8"/>
+          <p:cNvSpPr>
+            <a:spLocks noGrp="1"/>
+          </p:cNvSpPr>
+          <p:nvPr>
+            <p:ph type="sldNum" sz="quarter" idx="12"/>
+          </p:nvPr>
+        </p:nvSpPr>
+        <p:spPr/>
+        <p:txBody>
+          <a:bodyPr/>
+          <a:lstStyle/>
+          <a:p>
+            <a:fld id="{76E7DB6D-1D52-4AEA-BFEB-ED8647A144BC}" type="slidenum">
+              <a:rPr lang="ru-RU" smtClean="0"/>
+              <a:t>13</a:t>
+            </a:fld>
+            <a:endParaRPr lang="ru-RU"/>
+          </a:p>
+        </p:txBody>
+      </p:sp>
     </p:spTree>
     <p:extLst>
       <p:ext uri="{BB962C8B-B14F-4D97-AF65-F5344CB8AC3E}">
@@ -4139,6 +4753,29 @@
           </a:prstGeom>
         </p:spPr>
       </p:pic>
+      <p:sp>
+        <p:nvSpPr>
+          <p:cNvPr id="10" name="Номер слайда 9"/>
+          <p:cNvSpPr>
+            <a:spLocks noGrp="1"/>
+          </p:cNvSpPr>
+          <p:nvPr>
+            <p:ph type="sldNum" sz="quarter" idx="12"/>
+          </p:nvPr>
+        </p:nvSpPr>
+        <p:spPr/>
+        <p:txBody>
+          <a:bodyPr/>
+          <a:lstStyle/>
+          <a:p>
+            <a:fld id="{76E7DB6D-1D52-4AEA-BFEB-ED8647A144BC}" type="slidenum">
+              <a:rPr lang="ru-RU" smtClean="0"/>
+              <a:t>14</a:t>
+            </a:fld>
+            <a:endParaRPr lang="ru-RU"/>
+          </a:p>
+        </p:txBody>
+      </p:sp>
     </p:spTree>
     <p:extLst>
       <p:ext uri="{BB962C8B-B14F-4D97-AF65-F5344CB8AC3E}">
@@ -4293,6 +4930,29 @@
           </a:prstGeom>
         </p:spPr>
       </p:pic>
+      <p:sp>
+        <p:nvSpPr>
+          <p:cNvPr id="10" name="Номер слайда 9"/>
+          <p:cNvSpPr>
+            <a:spLocks noGrp="1"/>
+          </p:cNvSpPr>
+          <p:nvPr>
+            <p:ph type="sldNum" sz="quarter" idx="12"/>
+          </p:nvPr>
+        </p:nvSpPr>
+        <p:spPr/>
+        <p:txBody>
+          <a:bodyPr/>
+          <a:lstStyle/>
+          <a:p>
+            <a:fld id="{76E7DB6D-1D52-4AEA-BFEB-ED8647A144BC}" type="slidenum">
+              <a:rPr lang="ru-RU" smtClean="0"/>
+              <a:t>15</a:t>
+            </a:fld>
+            <a:endParaRPr lang="ru-RU"/>
+          </a:p>
+        </p:txBody>
+      </p:sp>
     </p:spTree>
     <p:extLst>
       <p:ext uri="{BB962C8B-B14F-4D97-AF65-F5344CB8AC3E}">
@@ -4413,6 +5073,29 @@
           </a:prstGeom>
         </p:spPr>
       </p:pic>
+      <p:sp>
+        <p:nvSpPr>
+          <p:cNvPr id="8" name="Номер слайда 7"/>
+          <p:cNvSpPr>
+            <a:spLocks noGrp="1"/>
+          </p:cNvSpPr>
+          <p:nvPr>
+            <p:ph type="sldNum" sz="quarter" idx="12"/>
+          </p:nvPr>
+        </p:nvSpPr>
+        <p:spPr/>
+        <p:txBody>
+          <a:bodyPr/>
+          <a:lstStyle/>
+          <a:p>
+            <a:fld id="{76E7DB6D-1D52-4AEA-BFEB-ED8647A144BC}" type="slidenum">
+              <a:rPr lang="ru-RU" smtClean="0"/>
+              <a:t>16</a:t>
+            </a:fld>
+            <a:endParaRPr lang="ru-RU"/>
+          </a:p>
+        </p:txBody>
+      </p:sp>
     </p:spTree>
     <p:extLst>
       <p:ext uri="{BB962C8B-B14F-4D97-AF65-F5344CB8AC3E}">
@@ -4550,31 +5233,7 @@
                 <a:latin typeface="Bahnschrift Light SemiCondensed" panose="020B0502040204020203" pitchFamily="34" charset="0"/>
                 <a:cs typeface="Times New Roman" panose="02020603050405020304" pitchFamily="18" charset="0"/>
               </a:rPr>
-              <a:t>Все поставленные задачи были выполнены, </a:t>
-            </a:r>
-            <a:r>
-              <a:rPr lang="ru-RU" altLang="ru-RU" dirty="0" smtClean="0">
-                <a:solidFill>
-                  <a:schemeClr val="accent5">
-                    <a:lumMod val="75000"/>
-                  </a:schemeClr>
-                </a:solidFill>
-                <a:latin typeface="Bahnschrift Light SemiCondensed" panose="020B0502040204020203" pitchFamily="34" charset="0"/>
-                <a:cs typeface="Times New Roman" panose="02020603050405020304" pitchFamily="18" charset="0"/>
-              </a:rPr>
-              <a:t>ц</a:t>
-            </a:r>
-            <a:r>
-              <a:rPr lang="ru-RU" altLang="ru-RU" dirty="0" smtClean="0">
-                <a:solidFill>
-                  <a:schemeClr val="accent5">
-                    <a:lumMod val="75000"/>
-                  </a:schemeClr>
-                </a:solidFill>
-                <a:latin typeface="Bahnschrift Light SemiCondensed" panose="020B0502040204020203" pitchFamily="34" charset="0"/>
-                <a:cs typeface="Times New Roman" panose="02020603050405020304" pitchFamily="18" charset="0"/>
-              </a:rPr>
-              <a:t>ель достигнута.</a:t>
+              <a:t>Все поставленные задачи были выполнены, цель достигнута.</a:t>
             </a:r>
           </a:p>
           <a:p>
@@ -4920,6 +5579,29 @@
               <a:latin typeface="Bahnschrift Light SemiCondensed" panose="020B0502040204020203" pitchFamily="34" charset="0"/>
               <a:cs typeface="Times New Roman" panose="02020603050405020304" pitchFamily="18" charset="0"/>
             </a:endParaRPr>
+          </a:p>
+        </p:txBody>
+      </p:sp>
+      <p:sp>
+        <p:nvSpPr>
+          <p:cNvPr id="9" name="Номер слайда 8"/>
+          <p:cNvSpPr>
+            <a:spLocks noGrp="1"/>
+          </p:cNvSpPr>
+          <p:nvPr>
+            <p:ph type="sldNum" sz="quarter" idx="12"/>
+          </p:nvPr>
+        </p:nvSpPr>
+        <p:spPr/>
+        <p:txBody>
+          <a:bodyPr/>
+          <a:lstStyle/>
+          <a:p>
+            <a:fld id="{76E7DB6D-1D52-4AEA-BFEB-ED8647A144BC}" type="slidenum">
+              <a:rPr lang="ru-RU" smtClean="0"/>
+              <a:t>17</a:t>
+            </a:fld>
+            <a:endParaRPr lang="ru-RU"/>
           </a:p>
         </p:txBody>
       </p:sp>
@@ -5016,6 +5698,29 @@
           </a:p>
         </p:txBody>
       </p:sp>
+      <p:sp>
+        <p:nvSpPr>
+          <p:cNvPr id="8" name="Номер слайда 7"/>
+          <p:cNvSpPr>
+            <a:spLocks noGrp="1"/>
+          </p:cNvSpPr>
+          <p:nvPr>
+            <p:ph type="sldNum" sz="quarter" idx="12"/>
+          </p:nvPr>
+        </p:nvSpPr>
+        <p:spPr/>
+        <p:txBody>
+          <a:bodyPr/>
+          <a:lstStyle/>
+          <a:p>
+            <a:fld id="{76E7DB6D-1D52-4AEA-BFEB-ED8647A144BC}" type="slidenum">
+              <a:rPr lang="ru-RU" smtClean="0"/>
+              <a:t>18</a:t>
+            </a:fld>
+            <a:endParaRPr lang="ru-RU"/>
+          </a:p>
+        </p:txBody>
+      </p:sp>
     </p:spTree>
     <p:extLst>
       <p:ext uri="{BB962C8B-B14F-4D97-AF65-F5344CB8AC3E}">
@@ -5442,6 +6147,29 @@
           </a:p>
         </p:txBody>
       </p:sp>
+      <p:sp>
+        <p:nvSpPr>
+          <p:cNvPr id="7" name="Номер слайда 6"/>
+          <p:cNvSpPr>
+            <a:spLocks noGrp="1"/>
+          </p:cNvSpPr>
+          <p:nvPr>
+            <p:ph type="sldNum" sz="quarter" idx="12"/>
+          </p:nvPr>
+        </p:nvSpPr>
+        <p:spPr/>
+        <p:txBody>
+          <a:bodyPr/>
+          <a:lstStyle/>
+          <a:p>
+            <a:fld id="{76E7DB6D-1D52-4AEA-BFEB-ED8647A144BC}" type="slidenum">
+              <a:rPr lang="ru-RU" smtClean="0"/>
+              <a:t>2</a:t>
+            </a:fld>
+            <a:endParaRPr lang="ru-RU"/>
+          </a:p>
+        </p:txBody>
+      </p:sp>
     </p:spTree>
     <p:extLst>
       <p:ext uri="{BB962C8B-B14F-4D97-AF65-F5344CB8AC3E}">
@@ -5713,6 +6441,29 @@
               </a:rPr>
               <a:t>Провести тестирование.</a:t>
             </a:r>
+          </a:p>
+        </p:txBody>
+      </p:sp>
+      <p:sp>
+        <p:nvSpPr>
+          <p:cNvPr id="10" name="Номер слайда 9"/>
+          <p:cNvSpPr>
+            <a:spLocks noGrp="1"/>
+          </p:cNvSpPr>
+          <p:nvPr>
+            <p:ph type="sldNum" sz="quarter" idx="12"/>
+          </p:nvPr>
+        </p:nvSpPr>
+        <p:spPr/>
+        <p:txBody>
+          <a:bodyPr/>
+          <a:lstStyle/>
+          <a:p>
+            <a:fld id="{76E7DB6D-1D52-4AEA-BFEB-ED8647A144BC}" type="slidenum">
+              <a:rPr lang="ru-RU" smtClean="0"/>
+              <a:t>3</a:t>
+            </a:fld>
+            <a:endParaRPr lang="ru-RU"/>
           </a:p>
         </p:txBody>
       </p:sp>
@@ -6027,6 +6778,29 @@
           </a:ln>
         </p:spPr>
       </p:pic>
+      <p:sp>
+        <p:nvSpPr>
+          <p:cNvPr id="10" name="Номер слайда 9"/>
+          <p:cNvSpPr>
+            <a:spLocks noGrp="1"/>
+          </p:cNvSpPr>
+          <p:nvPr>
+            <p:ph type="sldNum" sz="quarter" idx="12"/>
+          </p:nvPr>
+        </p:nvSpPr>
+        <p:spPr/>
+        <p:txBody>
+          <a:bodyPr/>
+          <a:lstStyle/>
+          <a:p>
+            <a:fld id="{76E7DB6D-1D52-4AEA-BFEB-ED8647A144BC}" type="slidenum">
+              <a:rPr lang="ru-RU" smtClean="0"/>
+              <a:t>4</a:t>
+            </a:fld>
+            <a:endParaRPr lang="ru-RU"/>
+          </a:p>
+        </p:txBody>
+      </p:sp>
     </p:spTree>
     <p:extLst>
       <p:ext uri="{BB962C8B-B14F-4D97-AF65-F5344CB8AC3E}">
@@ -6296,6 +7070,29 @@
           </a:p>
         </p:txBody>
       </p:sp>
+      <p:sp>
+        <p:nvSpPr>
+          <p:cNvPr id="9" name="Номер слайда 8"/>
+          <p:cNvSpPr>
+            <a:spLocks noGrp="1"/>
+          </p:cNvSpPr>
+          <p:nvPr>
+            <p:ph type="sldNum" sz="quarter" idx="12"/>
+          </p:nvPr>
+        </p:nvSpPr>
+        <p:spPr/>
+        <p:txBody>
+          <a:bodyPr/>
+          <a:lstStyle/>
+          <a:p>
+            <a:fld id="{76E7DB6D-1D52-4AEA-BFEB-ED8647A144BC}" type="slidenum">
+              <a:rPr lang="ru-RU" smtClean="0"/>
+              <a:t>5</a:t>
+            </a:fld>
+            <a:endParaRPr lang="ru-RU"/>
+          </a:p>
+        </p:txBody>
+      </p:sp>
     </p:spTree>
     <p:extLst>
       <p:ext uri="{BB962C8B-B14F-4D97-AF65-F5344CB8AC3E}">
@@ -6638,6 +7435,29 @@
           </a:extLst>
         </p:spPr>
       </p:pic>
+      <p:sp>
+        <p:nvSpPr>
+          <p:cNvPr id="7" name="Номер слайда 6"/>
+          <p:cNvSpPr>
+            <a:spLocks noGrp="1"/>
+          </p:cNvSpPr>
+          <p:nvPr>
+            <p:ph type="sldNum" sz="quarter" idx="12"/>
+          </p:nvPr>
+        </p:nvSpPr>
+        <p:spPr/>
+        <p:txBody>
+          <a:bodyPr/>
+          <a:lstStyle/>
+          <a:p>
+            <a:fld id="{76E7DB6D-1D52-4AEA-BFEB-ED8647A144BC}" type="slidenum">
+              <a:rPr lang="ru-RU" smtClean="0"/>
+              <a:t>6</a:t>
+            </a:fld>
+            <a:endParaRPr lang="ru-RU"/>
+          </a:p>
+        </p:txBody>
+      </p:sp>
     </p:spTree>
     <p:extLst>
       <p:ext uri="{BB962C8B-B14F-4D97-AF65-F5344CB8AC3E}">
@@ -6823,6 +7643,29 @@
           </a:prstGeom>
         </p:spPr>
       </p:pic>
+      <p:sp>
+        <p:nvSpPr>
+          <p:cNvPr id="10" name="Номер слайда 9"/>
+          <p:cNvSpPr>
+            <a:spLocks noGrp="1"/>
+          </p:cNvSpPr>
+          <p:nvPr>
+            <p:ph type="sldNum" sz="quarter" idx="12"/>
+          </p:nvPr>
+        </p:nvSpPr>
+        <p:spPr/>
+        <p:txBody>
+          <a:bodyPr/>
+          <a:lstStyle/>
+          <a:p>
+            <a:fld id="{76E7DB6D-1D52-4AEA-BFEB-ED8647A144BC}" type="slidenum">
+              <a:rPr lang="ru-RU" smtClean="0"/>
+              <a:t>7</a:t>
+            </a:fld>
+            <a:endParaRPr lang="ru-RU"/>
+          </a:p>
+        </p:txBody>
+      </p:sp>
     </p:spTree>
     <p:extLst>
       <p:ext uri="{BB962C8B-B14F-4D97-AF65-F5344CB8AC3E}">
@@ -7032,6 +7875,29 @@
           </a:prstGeom>
         </p:spPr>
       </p:pic>
+      <p:sp>
+        <p:nvSpPr>
+          <p:cNvPr id="11" name="Номер слайда 10"/>
+          <p:cNvSpPr>
+            <a:spLocks noGrp="1"/>
+          </p:cNvSpPr>
+          <p:nvPr>
+            <p:ph type="sldNum" sz="quarter" idx="12"/>
+          </p:nvPr>
+        </p:nvSpPr>
+        <p:spPr/>
+        <p:txBody>
+          <a:bodyPr/>
+          <a:lstStyle/>
+          <a:p>
+            <a:fld id="{76E7DB6D-1D52-4AEA-BFEB-ED8647A144BC}" type="slidenum">
+              <a:rPr lang="ru-RU" smtClean="0"/>
+              <a:t>8</a:t>
+            </a:fld>
+            <a:endParaRPr lang="ru-RU"/>
+          </a:p>
+        </p:txBody>
+      </p:sp>
     </p:spTree>
     <p:extLst>
       <p:ext uri="{BB962C8B-B14F-4D97-AF65-F5344CB8AC3E}">
@@ -7241,6 +8107,29 @@
           </a:prstGeom>
         </p:spPr>
       </p:pic>
+      <p:sp>
+        <p:nvSpPr>
+          <p:cNvPr id="11" name="Номер слайда 10"/>
+          <p:cNvSpPr>
+            <a:spLocks noGrp="1"/>
+          </p:cNvSpPr>
+          <p:nvPr>
+            <p:ph type="sldNum" sz="quarter" idx="12"/>
+          </p:nvPr>
+        </p:nvSpPr>
+        <p:spPr/>
+        <p:txBody>
+          <a:bodyPr/>
+          <a:lstStyle/>
+          <a:p>
+            <a:fld id="{76E7DB6D-1D52-4AEA-BFEB-ED8647A144BC}" type="slidenum">
+              <a:rPr lang="ru-RU" smtClean="0"/>
+              <a:t>9</a:t>
+            </a:fld>
+            <a:endParaRPr lang="ru-RU"/>
+          </a:p>
+        </p:txBody>
+      </p:sp>
     </p:spTree>
     <p:extLst>
       <p:ext uri="{BB962C8B-B14F-4D97-AF65-F5344CB8AC3E}">
@@ -7520,4 +8409,526 @@
     </a:ext>
   </a:extLst>
 </a:theme>
+</file>
+
+<file path=ppt/theme/theme2.xml><?xml version="1.0" encoding="utf-8"?>
+<a:theme xmlns:a="http://schemas.openxmlformats.org/drawingml/2006/main" name="Тема Office">
+  <a:themeElements>
+    <a:clrScheme name="Стандартная">
+      <a:dk1>
+        <a:sysClr val="windowText" lastClr="000000"/>
+      </a:dk1>
+      <a:lt1>
+        <a:sysClr val="window" lastClr="FFFFFF"/>
+      </a:lt1>
+      <a:dk2>
+        <a:srgbClr val="44546A"/>
+      </a:dk2>
+      <a:lt2>
+        <a:srgbClr val="E7E6E6"/>
+      </a:lt2>
+      <a:accent1>
+        <a:srgbClr val="5B9BD5"/>
+      </a:accent1>
+      <a:accent2>
+        <a:srgbClr val="ED7D31"/>
+      </a:accent2>
+      <a:accent3>
+        <a:srgbClr val="A5A5A5"/>
+      </a:accent3>
+      <a:accent4>
+        <a:srgbClr val="FFC000"/>
+      </a:accent4>
+      <a:accent5>
+        <a:srgbClr val="4472C4"/>
+      </a:accent5>
+      <a:accent6>
+        <a:srgbClr val="70AD47"/>
+      </a:accent6>
+      <a:hlink>
+        <a:srgbClr val="0563C1"/>
+      </a:hlink>
+      <a:folHlink>
+        <a:srgbClr val="954F72"/>
+      </a:folHlink>
+    </a:clrScheme>
+    <a:fontScheme name="Стандартная">
+      <a:majorFont>
+        <a:latin typeface="Calibri Light" panose="020F0302020204030204"/>
+        <a:ea typeface=""/>
+        <a:cs typeface=""/>
+        <a:font script="Jpan" typeface="游ゴシック Light"/>
+        <a:font script="Hang" typeface="맑은 고딕"/>
+        <a:font script="Hans" typeface="等线 Light"/>
+        <a:font script="Hant" typeface="新細明體"/>
+        <a:font script="Arab" typeface="Times New Roman"/>
+        <a:font script="Hebr" typeface="Times New Roman"/>
+        <a:font script="Thai" typeface="Angsana New"/>
+        <a:font script="Ethi" typeface="Nyala"/>
+        <a:font script="Beng" typeface="Vrinda"/>
+        <a:font script="Gujr" typeface="Shruti"/>
+        <a:font script="Khmr" typeface="MoolBoran"/>
+        <a:font script="Knda" typeface="Tunga"/>
+        <a:font script="Guru" typeface="Raavi"/>
+        <a:font script="Cans" typeface="Euphemia"/>
+        <a:font script="Cher" typeface="Plantagenet Cherokee"/>
+        <a:font script="Yiii" typeface="Microsoft Yi Baiti"/>
+        <a:font script="Tibt" typeface="Microsoft Himalaya"/>
+        <a:font script="Thaa" typeface="MV Boli"/>
+        <a:font script="Deva" typeface="Mangal"/>
+        <a:font script="Telu" typeface="Gautami"/>
+        <a:font script="Taml" typeface="Latha"/>
+        <a:font script="Syrc" typeface="Estrangelo Edessa"/>
+        <a:font script="Orya" typeface="Kalinga"/>
+        <a:font script="Mlym" typeface="Kartika"/>
+        <a:font script="Laoo" typeface="DokChampa"/>
+        <a:font script="Sinh" typeface="Iskoola Pota"/>
+        <a:font script="Mong" typeface="Mongolian Baiti"/>
+        <a:font script="Viet" typeface="Times New Roman"/>
+        <a:font script="Uigh" typeface="Microsoft Uighur"/>
+        <a:font script="Geor" typeface="Sylfaen"/>
+      </a:majorFont>
+      <a:minorFont>
+        <a:latin typeface="Calibri" panose="020F0502020204030204"/>
+        <a:ea typeface=""/>
+        <a:cs typeface=""/>
+        <a:font script="Jpan" typeface="游ゴシック"/>
+        <a:font script="Hang" typeface="맑은 고딕"/>
+        <a:font script="Hans" typeface="等线"/>
+        <a:font script="Hant" typeface="新細明體"/>
+        <a:font script="Arab" typeface="Arial"/>
+        <a:font script="Hebr" typeface="Arial"/>
+        <a:font script="Thai" typeface="Cordia New"/>
+        <a:font script="Ethi" typeface="Nyala"/>
+        <a:font script="Beng" typeface="Vrinda"/>
+        <a:font script="Gujr" typeface="Shruti"/>
+        <a:font script="Khmr" typeface="DaunPenh"/>
+        <a:font script="Knda" typeface="Tunga"/>
+        <a:font script="Guru" typeface="Raavi"/>
+        <a:font script="Cans" typeface="Euphemia"/>
+        <a:font script="Cher" typeface="Plantagenet Cherokee"/>
+        <a:font script="Yiii" typeface="Microsoft Yi Baiti"/>
+        <a:font script="Tibt" typeface="Microsoft Himalaya"/>
+        <a:font script="Thaa" typeface="MV Boli"/>
+        <a:font script="Deva" typeface="Mangal"/>
+        <a:font script="Telu" typeface="Gautami"/>
+        <a:font script="Taml" typeface="Latha"/>
+        <a:font script="Syrc" typeface="Estrangelo Edessa"/>
+        <a:font script="Orya" typeface="Kalinga"/>
+        <a:font script="Mlym" typeface="Kartika"/>
+        <a:font script="Laoo" typeface="DokChampa"/>
+        <a:font script="Sinh" typeface="Iskoola Pota"/>
+        <a:font script="Mong" typeface="Mongolian Baiti"/>
+        <a:font script="Viet" typeface="Arial"/>
+        <a:font script="Uigh" typeface="Microsoft Uighur"/>
+        <a:font script="Geor" typeface="Sylfaen"/>
+      </a:minorFont>
+    </a:fontScheme>
+    <a:fmtScheme name="Стандартная">
+      <a:fillStyleLst>
+        <a:solidFill>
+          <a:schemeClr val="phClr"/>
+        </a:solidFill>
+        <a:gradFill rotWithShape="1">
+          <a:gsLst>
+            <a:gs pos="0">
+              <a:schemeClr val="phClr">
+                <a:lumMod val="110000"/>
+                <a:satMod val="105000"/>
+                <a:tint val="67000"/>
+              </a:schemeClr>
+            </a:gs>
+            <a:gs pos="50000">
+              <a:schemeClr val="phClr">
+                <a:lumMod val="105000"/>
+                <a:satMod val="103000"/>
+                <a:tint val="73000"/>
+              </a:schemeClr>
+            </a:gs>
+            <a:gs pos="100000">
+              <a:schemeClr val="phClr">
+                <a:lumMod val="105000"/>
+                <a:satMod val="109000"/>
+                <a:tint val="81000"/>
+              </a:schemeClr>
+            </a:gs>
+          </a:gsLst>
+          <a:lin ang="5400000" scaled="0"/>
+        </a:gradFill>
+        <a:gradFill rotWithShape="1">
+          <a:gsLst>
+            <a:gs pos="0">
+              <a:schemeClr val="phClr">
+                <a:satMod val="103000"/>
+                <a:lumMod val="102000"/>
+                <a:tint val="94000"/>
+              </a:schemeClr>
+            </a:gs>
+            <a:gs pos="50000">
+              <a:schemeClr val="phClr">
+                <a:satMod val="110000"/>
+                <a:lumMod val="100000"/>
+                <a:shade val="100000"/>
+              </a:schemeClr>
+            </a:gs>
+            <a:gs pos="100000">
+              <a:schemeClr val="phClr">
+                <a:lumMod val="99000"/>
+                <a:satMod val="120000"/>
+                <a:shade val="78000"/>
+              </a:schemeClr>
+            </a:gs>
+          </a:gsLst>
+          <a:lin ang="5400000" scaled="0"/>
+        </a:gradFill>
+      </a:fillStyleLst>
+      <a:lnStyleLst>
+        <a:ln w="6350" cap="flat" cmpd="sng" algn="ctr">
+          <a:solidFill>
+            <a:schemeClr val="phClr"/>
+          </a:solidFill>
+          <a:prstDash val="solid"/>
+          <a:miter lim="800000"/>
+        </a:ln>
+        <a:ln w="12700" cap="flat" cmpd="sng" algn="ctr">
+          <a:solidFill>
+            <a:schemeClr val="phClr"/>
+          </a:solidFill>
+          <a:prstDash val="solid"/>
+          <a:miter lim="800000"/>
+        </a:ln>
+        <a:ln w="19050" cap="flat" cmpd="sng" algn="ctr">
+          <a:solidFill>
+            <a:schemeClr val="phClr"/>
+          </a:solidFill>
+          <a:prstDash val="solid"/>
+          <a:miter lim="800000"/>
+        </a:ln>
+      </a:lnStyleLst>
+      <a:effectStyleLst>
+        <a:effectStyle>
+          <a:effectLst/>
+        </a:effectStyle>
+        <a:effectStyle>
+          <a:effectLst/>
+        </a:effectStyle>
+        <a:effectStyle>
+          <a:effectLst>
+            <a:outerShdw blurRad="57150" dist="19050" dir="5400000" algn="ctr" rotWithShape="0">
+              <a:srgbClr val="000000">
+                <a:alpha val="63000"/>
+              </a:srgbClr>
+            </a:outerShdw>
+          </a:effectLst>
+        </a:effectStyle>
+      </a:effectStyleLst>
+      <a:bgFillStyleLst>
+        <a:solidFill>
+          <a:schemeClr val="phClr"/>
+        </a:solidFill>
+        <a:solidFill>
+          <a:schemeClr val="phClr">
+            <a:tint val="95000"/>
+            <a:satMod val="170000"/>
+          </a:schemeClr>
+        </a:solidFill>
+        <a:gradFill rotWithShape="1">
+          <a:gsLst>
+            <a:gs pos="0">
+              <a:schemeClr val="phClr">
+                <a:tint val="93000"/>
+                <a:satMod val="150000"/>
+                <a:shade val="98000"/>
+                <a:lumMod val="102000"/>
+              </a:schemeClr>
+            </a:gs>
+            <a:gs pos="50000">
+              <a:schemeClr val="phClr">
+                <a:tint val="98000"/>
+                <a:satMod val="130000"/>
+                <a:shade val="90000"/>
+                <a:lumMod val="103000"/>
+              </a:schemeClr>
+            </a:gs>
+            <a:gs pos="100000">
+              <a:schemeClr val="phClr">
+                <a:shade val="63000"/>
+                <a:satMod val="120000"/>
+              </a:schemeClr>
+            </a:gs>
+          </a:gsLst>
+          <a:lin ang="5400000" scaled="0"/>
+        </a:gradFill>
+      </a:bgFillStyleLst>
+    </a:fmtScheme>
+  </a:themeElements>
+  <a:objectDefaults/>
+  <a:extraClrSchemeLst/>
+  <a:extLst>
+    <a:ext uri="{05A4C25C-085E-4340-85A3-A5531E510DB2}">
+      <thm15:themeFamily xmlns:thm15="http://schemas.microsoft.com/office/thememl/2012/main" name="Office Theme" id="{62F939B6-93AF-4DB8-9C6B-D6C7DFDC589F}" vid="{4A3C46E8-61CC-4603-A589-7422A47A8E4A}"/>
+    </a:ext>
+  </a:extLst>
+</a:theme>
+</file>
+
+<file path=ppt/theme/theme3.xml><?xml version="1.0" encoding="utf-8"?>
+<a:theme xmlns:a="http://schemas.openxmlformats.org/drawingml/2006/main" name="Тема Office">
+  <a:themeElements>
+    <a:clrScheme name="Стандартная">
+      <a:dk1>
+        <a:sysClr val="windowText" lastClr="000000"/>
+      </a:dk1>
+      <a:lt1>
+        <a:sysClr val="window" lastClr="FFFFFF"/>
+      </a:lt1>
+      <a:dk2>
+        <a:srgbClr val="44546A"/>
+      </a:dk2>
+      <a:lt2>
+        <a:srgbClr val="E7E6E6"/>
+      </a:lt2>
+      <a:accent1>
+        <a:srgbClr val="5B9BD5"/>
+      </a:accent1>
+      <a:accent2>
+        <a:srgbClr val="ED7D31"/>
+      </a:accent2>
+      <a:accent3>
+        <a:srgbClr val="A5A5A5"/>
+      </a:accent3>
+      <a:accent4>
+        <a:srgbClr val="FFC000"/>
+      </a:accent4>
+      <a:accent5>
+        <a:srgbClr val="4472C4"/>
+      </a:accent5>
+      <a:accent6>
+        <a:srgbClr val="70AD47"/>
+      </a:accent6>
+      <a:hlink>
+        <a:srgbClr val="0563C1"/>
+      </a:hlink>
+      <a:folHlink>
+        <a:srgbClr val="954F72"/>
+      </a:folHlink>
+    </a:clrScheme>
+    <a:fontScheme name="Стандартная">
+      <a:majorFont>
+        <a:latin typeface="Calibri Light" panose="020F0302020204030204"/>
+        <a:ea typeface=""/>
+        <a:cs typeface=""/>
+        <a:font script="Jpan" typeface="游ゴシック Light"/>
+        <a:font script="Hang" typeface="맑은 고딕"/>
+        <a:font script="Hans" typeface="等线 Light"/>
+        <a:font script="Hant" typeface="新細明體"/>
+        <a:font script="Arab" typeface="Times New Roman"/>
+        <a:font script="Hebr" typeface="Times New Roman"/>
+        <a:font script="Thai" typeface="Angsana New"/>
+        <a:font script="Ethi" typeface="Nyala"/>
+        <a:font script="Beng" typeface="Vrinda"/>
+        <a:font script="Gujr" typeface="Shruti"/>
+        <a:font script="Khmr" typeface="MoolBoran"/>
+        <a:font script="Knda" typeface="Tunga"/>
+        <a:font script="Guru" typeface="Raavi"/>
+        <a:font script="Cans" typeface="Euphemia"/>
+        <a:font script="Cher" typeface="Plantagenet Cherokee"/>
+        <a:font script="Yiii" typeface="Microsoft Yi Baiti"/>
+        <a:font script="Tibt" typeface="Microsoft Himalaya"/>
+        <a:font script="Thaa" typeface="MV Boli"/>
+        <a:font script="Deva" typeface="Mangal"/>
+        <a:font script="Telu" typeface="Gautami"/>
+        <a:font script="Taml" typeface="Latha"/>
+        <a:font script="Syrc" typeface="Estrangelo Edessa"/>
+        <a:font script="Orya" typeface="Kalinga"/>
+        <a:font script="Mlym" typeface="Kartika"/>
+        <a:font script="Laoo" typeface="DokChampa"/>
+        <a:font script="Sinh" typeface="Iskoola Pota"/>
+        <a:font script="Mong" typeface="Mongolian Baiti"/>
+        <a:font script="Viet" typeface="Times New Roman"/>
+        <a:font script="Uigh" typeface="Microsoft Uighur"/>
+        <a:font script="Geor" typeface="Sylfaen"/>
+      </a:majorFont>
+      <a:minorFont>
+        <a:latin typeface="Calibri" panose="020F0502020204030204"/>
+        <a:ea typeface=""/>
+        <a:cs typeface=""/>
+        <a:font script="Jpan" typeface="游ゴシック"/>
+        <a:font script="Hang" typeface="맑은 고딕"/>
+        <a:font script="Hans" typeface="等线"/>
+        <a:font script="Hant" typeface="新細明體"/>
+        <a:font script="Arab" typeface="Arial"/>
+        <a:font script="Hebr" typeface="Arial"/>
+        <a:font script="Thai" typeface="Cordia New"/>
+        <a:font script="Ethi" typeface="Nyala"/>
+        <a:font script="Beng" typeface="Vrinda"/>
+        <a:font script="Gujr" typeface="Shruti"/>
+        <a:font script="Khmr" typeface="DaunPenh"/>
+        <a:font script="Knda" typeface="Tunga"/>
+        <a:font script="Guru" typeface="Raavi"/>
+        <a:font script="Cans" typeface="Euphemia"/>
+        <a:font script="Cher" typeface="Plantagenet Cherokee"/>
+        <a:font script="Yiii" typeface="Microsoft Yi Baiti"/>
+        <a:font script="Tibt" typeface="Microsoft Himalaya"/>
+        <a:font script="Thaa" typeface="MV Boli"/>
+        <a:font script="Deva" typeface="Mangal"/>
+        <a:font script="Telu" typeface="Gautami"/>
+        <a:font script="Taml" typeface="Latha"/>
+        <a:font script="Syrc" typeface="Estrangelo Edessa"/>
+        <a:font script="Orya" typeface="Kalinga"/>
+        <a:font script="Mlym" typeface="Kartika"/>
+        <a:font script="Laoo" typeface="DokChampa"/>
+        <a:font script="Sinh" typeface="Iskoola Pota"/>
+        <a:font script="Mong" typeface="Mongolian Baiti"/>
+        <a:font script="Viet" typeface="Arial"/>
+        <a:font script="Uigh" typeface="Microsoft Uighur"/>
+        <a:font script="Geor" typeface="Sylfaen"/>
+      </a:minorFont>
+    </a:fontScheme>
+    <a:fmtScheme name="Стандартная">
+      <a:fillStyleLst>
+        <a:solidFill>
+          <a:schemeClr val="phClr"/>
+        </a:solidFill>
+        <a:gradFill rotWithShape="1">
+          <a:gsLst>
+            <a:gs pos="0">
+              <a:schemeClr val="phClr">
+                <a:lumMod val="110000"/>
+                <a:satMod val="105000"/>
+                <a:tint val="67000"/>
+              </a:schemeClr>
+            </a:gs>
+            <a:gs pos="50000">
+              <a:schemeClr val="phClr">
+                <a:lumMod val="105000"/>
+                <a:satMod val="103000"/>
+                <a:tint val="73000"/>
+              </a:schemeClr>
+            </a:gs>
+            <a:gs pos="100000">
+              <a:schemeClr val="phClr">
+                <a:lumMod val="105000"/>
+                <a:satMod val="109000"/>
+                <a:tint val="81000"/>
+              </a:schemeClr>
+            </a:gs>
+          </a:gsLst>
+          <a:lin ang="5400000" scaled="0"/>
+        </a:gradFill>
+        <a:gradFill rotWithShape="1">
+          <a:gsLst>
+            <a:gs pos="0">
+              <a:schemeClr val="phClr">
+                <a:satMod val="103000"/>
+                <a:lumMod val="102000"/>
+                <a:tint val="94000"/>
+              </a:schemeClr>
+            </a:gs>
+            <a:gs pos="50000">
+              <a:schemeClr val="phClr">
+                <a:satMod val="110000"/>
+                <a:lumMod val="100000"/>
+                <a:shade val="100000"/>
+              </a:schemeClr>
+            </a:gs>
+            <a:gs pos="100000">
+              <a:schemeClr val="phClr">
+                <a:lumMod val="99000"/>
+                <a:satMod val="120000"/>
+                <a:shade val="78000"/>
+              </a:schemeClr>
+            </a:gs>
+          </a:gsLst>
+          <a:lin ang="5400000" scaled="0"/>
+        </a:gradFill>
+      </a:fillStyleLst>
+      <a:lnStyleLst>
+        <a:ln w="6350" cap="flat" cmpd="sng" algn="ctr">
+          <a:solidFill>
+            <a:schemeClr val="phClr"/>
+          </a:solidFill>
+          <a:prstDash val="solid"/>
+          <a:miter lim="800000"/>
+        </a:ln>
+        <a:ln w="12700" cap="flat" cmpd="sng" algn="ctr">
+          <a:solidFill>
+            <a:schemeClr val="phClr"/>
+          </a:solidFill>
+          <a:prstDash val="solid"/>
+          <a:miter lim="800000"/>
+        </a:ln>
+        <a:ln w="19050" cap="flat" cmpd="sng" algn="ctr">
+          <a:solidFill>
+            <a:schemeClr val="phClr"/>
+          </a:solidFill>
+          <a:prstDash val="solid"/>
+          <a:miter lim="800000"/>
+        </a:ln>
+      </a:lnStyleLst>
+      <a:effectStyleLst>
+        <a:effectStyle>
+          <a:effectLst/>
+        </a:effectStyle>
+        <a:effectStyle>
+          <a:effectLst/>
+        </a:effectStyle>
+        <a:effectStyle>
+          <a:effectLst>
+            <a:outerShdw blurRad="57150" dist="19050" dir="5400000" algn="ctr" rotWithShape="0">
+              <a:srgbClr val="000000">
+                <a:alpha val="63000"/>
+              </a:srgbClr>
+            </a:outerShdw>
+          </a:effectLst>
+        </a:effectStyle>
+      </a:effectStyleLst>
+      <a:bgFillStyleLst>
+        <a:solidFill>
+          <a:schemeClr val="phClr"/>
+        </a:solidFill>
+        <a:solidFill>
+          <a:schemeClr val="phClr">
+            <a:tint val="95000"/>
+            <a:satMod val="170000"/>
+          </a:schemeClr>
+        </a:solidFill>
+        <a:gradFill rotWithShape="1">
+          <a:gsLst>
+            <a:gs pos="0">
+              <a:schemeClr val="phClr">
+                <a:tint val="93000"/>
+                <a:satMod val="150000"/>
+                <a:shade val="98000"/>
+                <a:lumMod val="102000"/>
+              </a:schemeClr>
+            </a:gs>
+            <a:gs pos="50000">
+              <a:schemeClr val="phClr">
+                <a:tint val="98000"/>
+                <a:satMod val="130000"/>
+                <a:shade val="90000"/>
+                <a:lumMod val="103000"/>
+              </a:schemeClr>
+            </a:gs>
+            <a:gs pos="100000">
+              <a:schemeClr val="phClr">
+                <a:shade val="63000"/>
+                <a:satMod val="120000"/>
+              </a:schemeClr>
+            </a:gs>
+          </a:gsLst>
+          <a:lin ang="5400000" scaled="0"/>
+        </a:gradFill>
+      </a:bgFillStyleLst>
+    </a:fmtScheme>
+  </a:themeElements>
+  <a:objectDefaults/>
+  <a:extraClrSchemeLst/>
+  <a:extLst>
+    <a:ext uri="{05A4C25C-085E-4340-85A3-A5531E510DB2}">
+      <thm15:themeFamily xmlns:thm15="http://schemas.microsoft.com/office/thememl/2012/main" name="Office Theme" id="{62F939B6-93AF-4DB8-9C6B-D6C7DFDC589F}" vid="{4A3C46E8-61CC-4603-A589-7422A47A8E4A}"/>
+    </a:ext>
+  </a:extLst>
+</a:theme>
 </file>